--- a/TPI_Multiplix_presentation.pptx
+++ b/TPI_Multiplix_presentation.pptx
@@ -4,9 +4,18 @@
   <p:sldMasterIdLst>
     <p:sldMasterId id="2147483648" r:id="rId1"/>
   </p:sldMasterIdLst>
+  <p:notesMasterIdLst>
+    <p:notesMasterId r:id="rId10"/>
+  </p:notesMasterIdLst>
   <p:sldIdLst>
     <p:sldId id="256" r:id="rId2"/>
     <p:sldId id="257" r:id="rId3"/>
+    <p:sldId id="258" r:id="rId4"/>
+    <p:sldId id="259" r:id="rId5"/>
+    <p:sldId id="260" r:id="rId6"/>
+    <p:sldId id="261" r:id="rId7"/>
+    <p:sldId id="262" r:id="rId8"/>
+    <p:sldId id="263" r:id="rId9"/>
   </p:sldIdLst>
   <p:sldSz cx="12192000" cy="6858000"/>
   <p:notesSz cx="6858000" cy="9144000"/>
@@ -105,7 +114,362 @@
       </a:defRPr>
     </a:lvl9pPr>
   </p:defaultTextStyle>
+  <p:extLst>
+    <p:ext uri="{EFAFB233-063F-42B5-8137-9DF3F51BA10A}">
+      <p15:sldGuideLst xmlns:p15="http://schemas.microsoft.com/office/powerpoint/2012/main"/>
+    </p:ext>
+  </p:extLst>
 </p:presentation>
+</file>
+
+<file path=ppt/notesMasters/notesMaster1.xml><?xml version="1.0" encoding="utf-8"?>
+<p:notesMaster xmlns:a="http://schemas.openxmlformats.org/drawingml/2006/main" xmlns:r="http://schemas.openxmlformats.org/officeDocument/2006/relationships" xmlns:p="http://schemas.openxmlformats.org/presentationml/2006/main">
+  <p:cSld>
+    <p:bg>
+      <p:bgRef idx="1001">
+        <a:schemeClr val="bg1"/>
+      </p:bgRef>
+    </p:bg>
+    <p:spTree>
+      <p:nvGrpSpPr>
+        <p:cNvPr id="1" name=""/>
+        <p:cNvGrpSpPr/>
+        <p:nvPr/>
+      </p:nvGrpSpPr>
+      <p:grpSpPr>
+        <a:xfrm>
+          <a:off x="0" y="0"/>
+          <a:ext cx="0" cy="0"/>
+          <a:chOff x="0" y="0"/>
+          <a:chExt cx="0" cy="0"/>
+        </a:xfrm>
+      </p:grpSpPr>
+      <p:sp>
+        <p:nvSpPr>
+          <p:cNvPr id="2" name="Espace réservé de l'en-tête 1"/>
+          <p:cNvSpPr>
+            <a:spLocks noGrp="1"/>
+          </p:cNvSpPr>
+          <p:nvPr>
+            <p:ph type="hdr" sz="quarter"/>
+          </p:nvPr>
+        </p:nvSpPr>
+        <p:spPr>
+          <a:xfrm>
+            <a:off x="0" y="0"/>
+            <a:ext cx="2971800" cy="458788"/>
+          </a:xfrm>
+          <a:prstGeom prst="rect">
+            <a:avLst/>
+          </a:prstGeom>
+        </p:spPr>
+        <p:txBody>
+          <a:bodyPr vert="horz" lIns="91440" tIns="45720" rIns="91440" bIns="45720" rtlCol="0"/>
+          <a:lstStyle>
+            <a:lvl1pPr algn="l">
+              <a:defRPr sz="1200"/>
+            </a:lvl1pPr>
+          </a:lstStyle>
+          <a:p>
+            <a:endParaRPr lang="fr-CH"/>
+          </a:p>
+        </p:txBody>
+      </p:sp>
+      <p:sp>
+        <p:nvSpPr>
+          <p:cNvPr id="3" name="Espace réservé de la date 2"/>
+          <p:cNvSpPr>
+            <a:spLocks noGrp="1"/>
+          </p:cNvSpPr>
+          <p:nvPr>
+            <p:ph type="dt" idx="1"/>
+          </p:nvPr>
+        </p:nvSpPr>
+        <p:spPr>
+          <a:xfrm>
+            <a:off x="3884613" y="0"/>
+            <a:ext cx="2971800" cy="458788"/>
+          </a:xfrm>
+          <a:prstGeom prst="rect">
+            <a:avLst/>
+          </a:prstGeom>
+        </p:spPr>
+        <p:txBody>
+          <a:bodyPr vert="horz" lIns="91440" tIns="45720" rIns="91440" bIns="45720" rtlCol="0"/>
+          <a:lstStyle>
+            <a:lvl1pPr algn="r">
+              <a:defRPr sz="1200"/>
+            </a:lvl1pPr>
+          </a:lstStyle>
+          <a:p>
+            <a:fld id="{7FC9F656-4C67-4261-B370-ABFB3D17CADF}" type="datetimeFigureOut">
+              <a:rPr lang="fr-CH" smtClean="0"/>
+              <a:t>12.06.2018</a:t>
+            </a:fld>
+            <a:endParaRPr lang="fr-CH"/>
+          </a:p>
+        </p:txBody>
+      </p:sp>
+      <p:sp>
+        <p:nvSpPr>
+          <p:cNvPr id="4" name="Espace réservé de l'image des diapositives 3"/>
+          <p:cNvSpPr>
+            <a:spLocks noGrp="1" noRot="1" noChangeAspect="1"/>
+          </p:cNvSpPr>
+          <p:nvPr>
+            <p:ph type="sldImg" idx="2"/>
+          </p:nvPr>
+        </p:nvSpPr>
+        <p:spPr>
+          <a:xfrm>
+            <a:off x="685800" y="1143000"/>
+            <a:ext cx="5486400" cy="3086100"/>
+          </a:xfrm>
+          <a:prstGeom prst="rect">
+            <a:avLst/>
+          </a:prstGeom>
+          <a:noFill/>
+          <a:ln w="12700">
+            <a:solidFill>
+              <a:prstClr val="black"/>
+            </a:solidFill>
+          </a:ln>
+        </p:spPr>
+        <p:txBody>
+          <a:bodyPr vert="horz" lIns="91440" tIns="45720" rIns="91440" bIns="45720" rtlCol="0" anchor="ctr"/>
+          <a:lstStyle/>
+          <a:p>
+            <a:endParaRPr lang="fr-CH"/>
+          </a:p>
+        </p:txBody>
+      </p:sp>
+      <p:sp>
+        <p:nvSpPr>
+          <p:cNvPr id="5" name="Espace réservé des notes 4"/>
+          <p:cNvSpPr>
+            <a:spLocks noGrp="1"/>
+          </p:cNvSpPr>
+          <p:nvPr>
+            <p:ph type="body" sz="quarter" idx="3"/>
+          </p:nvPr>
+        </p:nvSpPr>
+        <p:spPr>
+          <a:xfrm>
+            <a:off x="685800" y="4400550"/>
+            <a:ext cx="5486400" cy="3600450"/>
+          </a:xfrm>
+          <a:prstGeom prst="rect">
+            <a:avLst/>
+          </a:prstGeom>
+        </p:spPr>
+        <p:txBody>
+          <a:bodyPr vert="horz" lIns="91440" tIns="45720" rIns="91440" bIns="45720" rtlCol="0"/>
+          <a:lstStyle/>
+          <a:p>
+            <a:pPr lvl="0"/>
+            <a:r>
+              <a:rPr lang="fr-FR" smtClean="0"/>
+              <a:t>Modifier les styles du texte du masque</a:t>
+            </a:r>
+          </a:p>
+          <a:p>
+            <a:pPr lvl="1"/>
+            <a:r>
+              <a:rPr lang="fr-FR" smtClean="0"/>
+              <a:t>Deuxième niveau</a:t>
+            </a:r>
+          </a:p>
+          <a:p>
+            <a:pPr lvl="2"/>
+            <a:r>
+              <a:rPr lang="fr-FR" smtClean="0"/>
+              <a:t>Troisième niveau</a:t>
+            </a:r>
+          </a:p>
+          <a:p>
+            <a:pPr lvl="3"/>
+            <a:r>
+              <a:rPr lang="fr-FR" smtClean="0"/>
+              <a:t>Quatrième niveau</a:t>
+            </a:r>
+          </a:p>
+          <a:p>
+            <a:pPr lvl="4"/>
+            <a:r>
+              <a:rPr lang="fr-FR" smtClean="0"/>
+              <a:t>Cinquième niveau</a:t>
+            </a:r>
+            <a:endParaRPr lang="fr-CH"/>
+          </a:p>
+        </p:txBody>
+      </p:sp>
+      <p:sp>
+        <p:nvSpPr>
+          <p:cNvPr id="6" name="Espace réservé du pied de page 5"/>
+          <p:cNvSpPr>
+            <a:spLocks noGrp="1"/>
+          </p:cNvSpPr>
+          <p:nvPr>
+            <p:ph type="ftr" sz="quarter" idx="4"/>
+          </p:nvPr>
+        </p:nvSpPr>
+        <p:spPr>
+          <a:xfrm>
+            <a:off x="0" y="8685213"/>
+            <a:ext cx="2971800" cy="458787"/>
+          </a:xfrm>
+          <a:prstGeom prst="rect">
+            <a:avLst/>
+          </a:prstGeom>
+        </p:spPr>
+        <p:txBody>
+          <a:bodyPr vert="horz" lIns="91440" tIns="45720" rIns="91440" bIns="45720" rtlCol="0" anchor="b"/>
+          <a:lstStyle>
+            <a:lvl1pPr algn="l">
+              <a:defRPr sz="1200"/>
+            </a:lvl1pPr>
+          </a:lstStyle>
+          <a:p>
+            <a:endParaRPr lang="fr-CH"/>
+          </a:p>
+        </p:txBody>
+      </p:sp>
+      <p:sp>
+        <p:nvSpPr>
+          <p:cNvPr id="7" name="Espace réservé du numéro de diapositive 6"/>
+          <p:cNvSpPr>
+            <a:spLocks noGrp="1"/>
+          </p:cNvSpPr>
+          <p:nvPr>
+            <p:ph type="sldNum" sz="quarter" idx="5"/>
+          </p:nvPr>
+        </p:nvSpPr>
+        <p:spPr>
+          <a:xfrm>
+            <a:off x="3884613" y="8685213"/>
+            <a:ext cx="2971800" cy="458787"/>
+          </a:xfrm>
+          <a:prstGeom prst="rect">
+            <a:avLst/>
+          </a:prstGeom>
+        </p:spPr>
+        <p:txBody>
+          <a:bodyPr vert="horz" lIns="91440" tIns="45720" rIns="91440" bIns="45720" rtlCol="0" anchor="b"/>
+          <a:lstStyle>
+            <a:lvl1pPr algn="r">
+              <a:defRPr sz="1200"/>
+            </a:lvl1pPr>
+          </a:lstStyle>
+          <a:p>
+            <a:fld id="{9A89C55C-EABB-44A8-B4CE-4E57091DB118}" type="slidenum">
+              <a:rPr lang="fr-CH" smtClean="0"/>
+              <a:t>‹N°›</a:t>
+            </a:fld>
+            <a:endParaRPr lang="fr-CH"/>
+          </a:p>
+        </p:txBody>
+      </p:sp>
+    </p:spTree>
+    <p:extLst>
+      <p:ext uri="{BB962C8B-B14F-4D97-AF65-F5344CB8AC3E}">
+        <p14:creationId xmlns:p14="http://schemas.microsoft.com/office/powerpoint/2010/main" val="2135133050"/>
+      </p:ext>
+    </p:extLst>
+  </p:cSld>
+  <p:clrMap bg1="lt1" tx1="dk1" bg2="lt2" tx2="dk2" accent1="accent1" accent2="accent2" accent3="accent3" accent4="accent4" accent5="accent5" accent6="accent6" hlink="hlink" folHlink="folHlink"/>
+  <p:notesStyle>
+    <a:lvl1pPr marL="0" algn="l" defTabSz="914400" rtl="0" eaLnBrk="1" latinLnBrk="0" hangingPunct="1">
+      <a:defRPr sz="1200" kern="1200">
+        <a:solidFill>
+          <a:schemeClr val="tx1"/>
+        </a:solidFill>
+        <a:latin typeface="+mn-lt"/>
+        <a:ea typeface="+mn-ea"/>
+        <a:cs typeface="+mn-cs"/>
+      </a:defRPr>
+    </a:lvl1pPr>
+    <a:lvl2pPr marL="457200" algn="l" defTabSz="914400" rtl="0" eaLnBrk="1" latinLnBrk="0" hangingPunct="1">
+      <a:defRPr sz="1200" kern="1200">
+        <a:solidFill>
+          <a:schemeClr val="tx1"/>
+        </a:solidFill>
+        <a:latin typeface="+mn-lt"/>
+        <a:ea typeface="+mn-ea"/>
+        <a:cs typeface="+mn-cs"/>
+      </a:defRPr>
+    </a:lvl2pPr>
+    <a:lvl3pPr marL="914400" algn="l" defTabSz="914400" rtl="0" eaLnBrk="1" latinLnBrk="0" hangingPunct="1">
+      <a:defRPr sz="1200" kern="1200">
+        <a:solidFill>
+          <a:schemeClr val="tx1"/>
+        </a:solidFill>
+        <a:latin typeface="+mn-lt"/>
+        <a:ea typeface="+mn-ea"/>
+        <a:cs typeface="+mn-cs"/>
+      </a:defRPr>
+    </a:lvl3pPr>
+    <a:lvl4pPr marL="1371600" algn="l" defTabSz="914400" rtl="0" eaLnBrk="1" latinLnBrk="0" hangingPunct="1">
+      <a:defRPr sz="1200" kern="1200">
+        <a:solidFill>
+          <a:schemeClr val="tx1"/>
+        </a:solidFill>
+        <a:latin typeface="+mn-lt"/>
+        <a:ea typeface="+mn-ea"/>
+        <a:cs typeface="+mn-cs"/>
+      </a:defRPr>
+    </a:lvl4pPr>
+    <a:lvl5pPr marL="1828800" algn="l" defTabSz="914400" rtl="0" eaLnBrk="1" latinLnBrk="0" hangingPunct="1">
+      <a:defRPr sz="1200" kern="1200">
+        <a:solidFill>
+          <a:schemeClr val="tx1"/>
+        </a:solidFill>
+        <a:latin typeface="+mn-lt"/>
+        <a:ea typeface="+mn-ea"/>
+        <a:cs typeface="+mn-cs"/>
+      </a:defRPr>
+    </a:lvl5pPr>
+    <a:lvl6pPr marL="2286000" algn="l" defTabSz="914400" rtl="0" eaLnBrk="1" latinLnBrk="0" hangingPunct="1">
+      <a:defRPr sz="1200" kern="1200">
+        <a:solidFill>
+          <a:schemeClr val="tx1"/>
+        </a:solidFill>
+        <a:latin typeface="+mn-lt"/>
+        <a:ea typeface="+mn-ea"/>
+        <a:cs typeface="+mn-cs"/>
+      </a:defRPr>
+    </a:lvl6pPr>
+    <a:lvl7pPr marL="2743200" algn="l" defTabSz="914400" rtl="0" eaLnBrk="1" latinLnBrk="0" hangingPunct="1">
+      <a:defRPr sz="1200" kern="1200">
+        <a:solidFill>
+          <a:schemeClr val="tx1"/>
+        </a:solidFill>
+        <a:latin typeface="+mn-lt"/>
+        <a:ea typeface="+mn-ea"/>
+        <a:cs typeface="+mn-cs"/>
+      </a:defRPr>
+    </a:lvl7pPr>
+    <a:lvl8pPr marL="3200400" algn="l" defTabSz="914400" rtl="0" eaLnBrk="1" latinLnBrk="0" hangingPunct="1">
+      <a:defRPr sz="1200" kern="1200">
+        <a:solidFill>
+          <a:schemeClr val="tx1"/>
+        </a:solidFill>
+        <a:latin typeface="+mn-lt"/>
+        <a:ea typeface="+mn-ea"/>
+        <a:cs typeface="+mn-cs"/>
+      </a:defRPr>
+    </a:lvl8pPr>
+    <a:lvl9pPr marL="3657600" algn="l" defTabSz="914400" rtl="0" eaLnBrk="1" latinLnBrk="0" hangingPunct="1">
+      <a:defRPr sz="1200" kern="1200">
+        <a:solidFill>
+          <a:schemeClr val="tx1"/>
+        </a:solidFill>
+        <a:latin typeface="+mn-lt"/>
+        <a:ea typeface="+mn-ea"/>
+        <a:cs typeface="+mn-cs"/>
+      </a:defRPr>
+    </a:lvl9pPr>
+  </p:notesStyle>
+</p:notesMaster>
 </file>
 
 <file path=ppt/slideLayouts/slideLayout1.xml><?xml version="1.0" encoding="utf-8"?>
@@ -289,9 +653,9 @@
           <a:bodyPr/>
           <a:lstStyle/>
           <a:p>
-            <a:fld id="{4AAD347D-5ACD-4C99-B74B-A9C85AD731AF}" type="datetimeFigureOut">
-              <a:rPr lang="en-US" dirty="0"/>
-              <a:t>6/7/2018</a:t>
+            <a:fld id="{FFF0991E-5E8F-43C1-8D1C-A04ED8953258}" type="datetime1">
+              <a:rPr lang="en-US" smtClean="0"/>
+              <a:t>6/12/2018</a:t>
             </a:fld>
             <a:endParaRPr lang="en-US" dirty="0"/>
           </a:p>
@@ -559,9 +923,9 @@
           <a:bodyPr/>
           <a:lstStyle/>
           <a:p>
-            <a:fld id="{4509A250-FF31-4206-8172-F9D3106AACB1}" type="datetimeFigureOut">
-              <a:rPr lang="en-US" dirty="0"/>
-              <a:t>6/7/2018</a:t>
+            <a:fld id="{325C51C2-FF63-4C32-81C9-33709F656F5E}" type="datetime1">
+              <a:rPr lang="en-US" smtClean="0"/>
+              <a:t>6/12/2018</a:t>
             </a:fld>
             <a:endParaRPr lang="en-US" dirty="0"/>
           </a:p>
@@ -748,9 +1112,9 @@
           <a:bodyPr/>
           <a:lstStyle/>
           <a:p>
-            <a:fld id="{4509A250-FF31-4206-8172-F9D3106AACB1}" type="datetimeFigureOut">
-              <a:rPr lang="en-US" dirty="0"/>
-              <a:t>6/7/2018</a:t>
+            <a:fld id="{7BDFCF69-58ED-4A23-8590-FC3609A014EE}" type="datetime1">
+              <a:rPr lang="en-US" smtClean="0"/>
+              <a:t>6/12/2018</a:t>
             </a:fld>
             <a:endParaRPr lang="en-US" dirty="0"/>
           </a:p>
@@ -1011,9 +1375,9 @@
           <a:bodyPr/>
           <a:lstStyle/>
           <a:p>
-            <a:fld id="{4509A250-FF31-4206-8172-F9D3106AACB1}" type="datetimeFigureOut">
-              <a:rPr lang="en-US" dirty="0"/>
-              <a:t>6/7/2018</a:t>
+            <a:fld id="{F55E1292-D83F-432A-A561-58EE3313D34B}" type="datetime1">
+              <a:rPr lang="en-US" smtClean="0"/>
+              <a:t>6/12/2018</a:t>
             </a:fld>
             <a:endParaRPr lang="en-US" dirty="0"/>
           </a:p>
@@ -1338,9 +1702,9 @@
           <a:bodyPr/>
           <a:lstStyle/>
           <a:p>
-            <a:fld id="{4509A250-FF31-4206-8172-F9D3106AACB1}" type="datetimeFigureOut">
-              <a:rPr lang="en-US" dirty="0"/>
-              <a:t>6/7/2018</a:t>
+            <a:fld id="{EF4EE311-FCA4-4D61-9C7F-ABE9539F2810}" type="datetime1">
+              <a:rPr lang="en-US" smtClean="0"/>
+              <a:t>6/12/2018</a:t>
             </a:fld>
             <a:endParaRPr lang="en-US" dirty="0"/>
           </a:p>
@@ -1943,9 +2307,9 @@
           <a:bodyPr/>
           <a:lstStyle/>
           <a:p>
-            <a:fld id="{4509A250-FF31-4206-8172-F9D3106AACB1}" type="datetimeFigureOut">
-              <a:rPr lang="en-US" dirty="0"/>
-              <a:t>6/7/2018</a:t>
+            <a:fld id="{CFAF7955-B6AA-41E5-A4F0-CFFF6C7B14A4}" type="datetime1">
+              <a:rPr lang="en-US" smtClean="0"/>
+              <a:t>6/12/2018</a:t>
             </a:fld>
             <a:endParaRPr lang="en-US" dirty="0"/>
           </a:p>
@@ -2785,9 +3149,9 @@
           <a:bodyPr/>
           <a:lstStyle/>
           <a:p>
-            <a:fld id="{4509A250-FF31-4206-8172-F9D3106AACB1}" type="datetimeFigureOut">
-              <a:rPr lang="en-US" dirty="0"/>
-              <a:t>6/7/2018</a:t>
+            <a:fld id="{B20DB41A-1379-4832-8957-D3978FB3DA1E}" type="datetime1">
+              <a:rPr lang="en-US" smtClean="0"/>
+              <a:t>6/12/2018</a:t>
             </a:fld>
             <a:endParaRPr lang="en-US" dirty="0"/>
           </a:p>
@@ -2950,9 +3314,9 @@
           <a:bodyPr/>
           <a:lstStyle/>
           <a:p>
-            <a:fld id="{4509A250-FF31-4206-8172-F9D3106AACB1}" type="datetimeFigureOut">
-              <a:rPr lang="en-US" dirty="0"/>
-              <a:t>6/7/2018</a:t>
+            <a:fld id="{63DE1AD8-860D-4793-B6C2-D61055E49CCC}" type="datetime1">
+              <a:rPr lang="en-US" smtClean="0"/>
+              <a:t>6/12/2018</a:t>
             </a:fld>
             <a:endParaRPr lang="en-US" dirty="0"/>
           </a:p>
@@ -3125,9 +3489,9 @@
           <a:bodyPr/>
           <a:lstStyle/>
           <a:p>
-            <a:fld id="{4509A250-FF31-4206-8172-F9D3106AACB1}" type="datetimeFigureOut">
-              <a:rPr lang="en-US" dirty="0"/>
-              <a:t>6/7/2018</a:t>
+            <a:fld id="{2907CFD0-5F18-4F41-A38D-971BA21B2BB9}" type="datetime1">
+              <a:rPr lang="en-US" smtClean="0"/>
+              <a:t>6/12/2018</a:t>
             </a:fld>
             <a:endParaRPr lang="en-US" dirty="0"/>
           </a:p>
@@ -3290,9 +3654,9 @@
           <a:bodyPr/>
           <a:lstStyle/>
           <a:p>
-            <a:fld id="{4509A250-FF31-4206-8172-F9D3106AACB1}" type="datetimeFigureOut">
-              <a:rPr lang="en-US" dirty="0"/>
-              <a:t>6/7/2018</a:t>
+            <a:fld id="{B9B54062-8C55-4633-8FD9-80306C493CED}" type="datetime1">
+              <a:rPr lang="en-US" smtClean="0"/>
+              <a:t>6/12/2018</a:t>
             </a:fld>
             <a:endParaRPr lang="en-US" dirty="0"/>
           </a:p>
@@ -3529,9 +3893,9 @@
           <a:bodyPr/>
           <a:lstStyle/>
           <a:p>
-            <a:fld id="{4509A250-FF31-4206-8172-F9D3106AACB1}" type="datetimeFigureOut">
-              <a:rPr lang="en-US" dirty="0"/>
-              <a:t>6/7/2018</a:t>
+            <a:fld id="{23DD96B0-7C9F-4C4A-84A6-4E557E85ABF2}" type="datetime1">
+              <a:rPr lang="en-US" smtClean="0"/>
+              <a:t>6/12/2018</a:t>
             </a:fld>
             <a:endParaRPr lang="en-US" dirty="0"/>
           </a:p>
@@ -3816,9 +4180,9 @@
           <a:bodyPr/>
           <a:lstStyle/>
           <a:p>
-            <a:fld id="{4509A250-FF31-4206-8172-F9D3106AACB1}" type="datetimeFigureOut">
-              <a:rPr lang="en-US" dirty="0"/>
-              <a:t>6/7/2018</a:t>
+            <a:fld id="{C7F70A21-362C-4CAA-8B67-E996FC463D1E}" type="datetime1">
+              <a:rPr lang="en-US" smtClean="0"/>
+              <a:t>6/12/2018</a:t>
             </a:fld>
             <a:endParaRPr lang="en-US" dirty="0"/>
           </a:p>
@@ -4249,9 +4613,9 @@
           <a:bodyPr/>
           <a:lstStyle/>
           <a:p>
-            <a:fld id="{4509A250-FF31-4206-8172-F9D3106AACB1}" type="datetimeFigureOut">
-              <a:rPr lang="en-US" dirty="0"/>
-              <a:t>6/7/2018</a:t>
+            <a:fld id="{EC1CB69A-A7BE-4ECC-88C3-18AEDAFB3DE2}" type="datetime1">
+              <a:rPr lang="en-US" smtClean="0"/>
+              <a:t>6/12/2018</a:t>
             </a:fld>
             <a:endParaRPr lang="en-US" dirty="0"/>
           </a:p>
@@ -4362,9 +4726,9 @@
           <a:bodyPr/>
           <a:lstStyle/>
           <a:p>
-            <a:fld id="{4509A250-FF31-4206-8172-F9D3106AACB1}" type="datetimeFigureOut">
-              <a:rPr lang="en-US" dirty="0"/>
-              <a:t>6/7/2018</a:t>
+            <a:fld id="{93BAAE6F-FAF9-4CFE-836E-2F24EBA3EE38}" type="datetime1">
+              <a:rPr lang="en-US" smtClean="0"/>
+              <a:t>6/12/2018</a:t>
             </a:fld>
             <a:endParaRPr lang="en-US" dirty="0"/>
           </a:p>
@@ -4452,9 +4816,9 @@
           <a:bodyPr/>
           <a:lstStyle/>
           <a:p>
-            <a:fld id="{4509A250-FF31-4206-8172-F9D3106AACB1}" type="datetimeFigureOut">
-              <a:rPr lang="en-US" dirty="0"/>
-              <a:t>6/7/2018</a:t>
+            <a:fld id="{7204742A-3B12-4658-BC9E-5CD9F2F701F2}" type="datetime1">
+              <a:rPr lang="en-US" smtClean="0"/>
+              <a:t>6/12/2018</a:t>
             </a:fld>
             <a:endParaRPr lang="en-US" dirty="0"/>
           </a:p>
@@ -4726,9 +5090,9 @@
           <a:bodyPr/>
           <a:lstStyle/>
           <a:p>
-            <a:fld id="{4509A250-FF31-4206-8172-F9D3106AACB1}" type="datetimeFigureOut">
-              <a:rPr lang="en-US" dirty="0"/>
-              <a:t>6/7/2018</a:t>
+            <a:fld id="{5A7A27F9-DEDB-496E-9804-5489745303D1}" type="datetime1">
+              <a:rPr lang="en-US" smtClean="0"/>
+              <a:t>6/12/2018</a:t>
             </a:fld>
             <a:endParaRPr lang="en-US" dirty="0"/>
           </a:p>
@@ -4996,9 +5360,9 @@
           <a:bodyPr/>
           <a:lstStyle/>
           <a:p>
-            <a:fld id="{4509A250-FF31-4206-8172-F9D3106AACB1}" type="datetimeFigureOut">
-              <a:rPr lang="en-US" dirty="0"/>
-              <a:t>6/7/2018</a:t>
+            <a:fld id="{1C20149E-75DB-4F1B-B435-795B47EF37D9}" type="datetime1">
+              <a:rPr lang="en-US" smtClean="0"/>
+              <a:t>6/12/2018</a:t>
             </a:fld>
             <a:endParaRPr lang="en-US" dirty="0"/>
           </a:p>
@@ -5420,9 +5784,9 @@
             </a:lvl1pPr>
           </a:lstStyle>
           <a:p>
-            <a:fld id="{4509A250-FF31-4206-8172-F9D3106AACB1}" type="datetimeFigureOut">
-              <a:rPr lang="en-US" dirty="0"/>
-              <a:t>6/7/2018</a:t>
+            <a:fld id="{07AB69C2-87B5-4F58-A057-C3828DDD4531}" type="datetime1">
+              <a:rPr lang="en-US" smtClean="0"/>
+              <a:t>6/12/2018</a:t>
             </a:fld>
             <a:endParaRPr lang="en-US" dirty="0"/>
           </a:p>
@@ -5529,7 +5893,7 @@
     <p:sldLayoutId id="2147483658" r:id="rId16"/>
     <p:sldLayoutId id="2147483659" r:id="rId17"/>
   </p:sldLayoutIdLst>
-  <p:hf sldNum="0" hdr="0" ftr="0" dt="0"/>
+  <p:hf hdr="0" ftr="0" dt="0"/>
   <p:txStyles>
     <p:titleStyle>
       <a:lvl1pPr algn="l" defTabSz="457200" rtl="0" eaLnBrk="1" latinLnBrk="0" hangingPunct="1">
@@ -5940,7 +6304,7 @@
           <a:lstStyle/>
           <a:p>
             <a:r>
-              <a:rPr lang="fr-CH" dirty="0" smtClean="0">
+              <a:rPr lang="fr-CH" b="1" dirty="0" smtClean="0">
                 <a:effectLst>
                   <a:outerShdw blurRad="38100" dist="38100" dir="2700000" algn="tl">
                     <a:srgbClr val="000000">
@@ -5952,7 +6316,7 @@
               <a:t>TPI </a:t>
             </a:r>
             <a:r>
-              <a:rPr lang="fr-CH" dirty="0" err="1" smtClean="0">
+              <a:rPr lang="fr-CH" b="1" dirty="0" err="1" smtClean="0">
                 <a:effectLst>
                   <a:outerShdw blurRad="38100" dist="38100" dir="2700000" algn="tl">
                     <a:srgbClr val="000000">
@@ -5963,7 +6327,7 @@
               </a:rPr>
               <a:t>Multiplix</a:t>
             </a:r>
-            <a:endParaRPr lang="fr-CH" dirty="0">
+            <a:endParaRPr lang="fr-CH" b="1" dirty="0">
               <a:effectLst>
                 <a:outerShdw blurRad="38100" dist="38100" dir="2700000" algn="tl">
                   <a:srgbClr val="000000">
@@ -5999,7 +6363,7 @@
           <a:p>
             <a:pPr algn="r"/>
             <a:r>
-              <a:rPr lang="fr-CH" sz="2800" dirty="0" smtClean="0">
+              <a:rPr lang="fr-CH" sz="2800" b="1" dirty="0" smtClean="0">
                 <a:solidFill>
                   <a:schemeClr val="tx1"/>
                 </a:solidFill>
@@ -6017,7 +6381,7 @@
           <a:p>
             <a:pPr algn="r"/>
             <a:r>
-              <a:rPr lang="fr-CH" sz="2800" dirty="0" smtClean="0">
+              <a:rPr lang="fr-CH" sz="2800" b="1" dirty="0" smtClean="0">
                 <a:solidFill>
                   <a:schemeClr val="tx1"/>
                 </a:solidFill>
@@ -6035,7 +6399,7 @@
           <a:p>
             <a:pPr algn="r"/>
             <a:r>
-              <a:rPr lang="fr-CH" sz="2800" dirty="0" smtClean="0">
+              <a:rPr lang="fr-CH" sz="2800" b="1" dirty="0" smtClean="0">
                 <a:solidFill>
                   <a:schemeClr val="tx1"/>
                 </a:solidFill>
@@ -6049,7 +6413,7 @@
               </a:rPr>
               <a:t>Si-C4a</a:t>
             </a:r>
-            <a:endParaRPr lang="fr-CH" sz="2800" dirty="0">
+            <a:endParaRPr lang="fr-CH" sz="2800" b="1" dirty="0">
               <a:solidFill>
                 <a:schemeClr val="tx1"/>
               </a:solidFill>
@@ -6118,6 +6482,36 @@
           </a:sp3d>
         </p:spPr>
       </p:pic>
+      <p:sp>
+        <p:nvSpPr>
+          <p:cNvPr id="5" name="Espace réservé du numéro de diapositive 4"/>
+          <p:cNvSpPr>
+            <a:spLocks noGrp="1"/>
+          </p:cNvSpPr>
+          <p:nvPr>
+            <p:ph type="sldNum" sz="quarter" idx="12"/>
+          </p:nvPr>
+        </p:nvSpPr>
+        <p:spPr/>
+        <p:txBody>
+          <a:bodyPr/>
+          <a:lstStyle/>
+          <a:p>
+            <a:r>
+              <a:rPr lang="en-US" sz="1900" dirty="0" smtClean="0">
+                <a:effectLst>
+                  <a:outerShdw blurRad="38100" dist="38100" dir="2700000" algn="tl">
+                    <a:srgbClr val="000000">
+                      <a:alpha val="43137"/>
+                    </a:srgbClr>
+                  </a:outerShdw>
+                </a:effectLst>
+              </a:rPr>
+              <a:t>12.5%</a:t>
+            </a:r>
+          </a:p>
+        </p:txBody>
+      </p:sp>
     </p:spTree>
     <p:extLst>
       <p:ext uri="{BB962C8B-B14F-4D97-AF65-F5344CB8AC3E}">
@@ -6128,18 +6522,135 @@
   <p:clrMapOvr>
     <a:masterClrMapping/>
   </p:clrMapOvr>
-  <mc:AlternateContent xmlns:mc="http://schemas.openxmlformats.org/markup-compatibility/2006">
-    <mc:Choice xmlns:p14="http://schemas.microsoft.com/office/powerpoint/2010/main" Requires="p14">
-      <p:transition p14:dur="0"/>
+  <mc:AlternateContent xmlns:mc="http://schemas.openxmlformats.org/markup-compatibility/2006" xmlns:p14="http://schemas.microsoft.com/office/powerpoint/2010/main">
+    <mc:Choice Requires="p14">
+      <p:transition p14:dur="10"/>
     </mc:Choice>
-    <mc:Fallback>
+    <mc:Fallback xmlns="">
       <p:transition/>
     </mc:Fallback>
   </mc:AlternateContent>
   <p:timing>
     <p:tnLst>
       <p:par>
-        <p:cTn id="1" dur="indefinite" restart="never" nodeType="tmRoot"/>
+        <p:cTn id="1" dur="indefinite" restart="never" nodeType="tmRoot">
+          <p:childTnLst>
+            <p:seq concurrent="1" nextAc="seek">
+              <p:cTn id="2" dur="indefinite" nodeType="mainSeq">
+                <p:childTnLst>
+                  <p:par>
+                    <p:cTn id="3" fill="hold">
+                      <p:stCondLst>
+                        <p:cond delay="indefinite"/>
+                        <p:cond evt="onBegin" delay="0">
+                          <p:tn val="2"/>
+                        </p:cond>
+                      </p:stCondLst>
+                      <p:childTnLst>
+                        <p:par>
+                          <p:cTn id="4" fill="hold">
+                            <p:stCondLst>
+                              <p:cond delay="0"/>
+                            </p:stCondLst>
+                            <p:childTnLst>
+                              <p:par>
+                                <p:cTn id="5" presetID="2" presetClass="entr" presetSubtype="8" fill="hold" nodeType="withEffect">
+                                  <p:stCondLst>
+                                    <p:cond delay="0"/>
+                                  </p:stCondLst>
+                                  <p:childTnLst>
+                                    <p:set>
+                                      <p:cBhvr>
+                                        <p:cTn id="6" dur="1" fill="hold">
+                                          <p:stCondLst>
+                                            <p:cond delay="0"/>
+                                          </p:stCondLst>
+                                        </p:cTn>
+                                        <p:tgtEl>
+                                          <p:spTgt spid="4"/>
+                                        </p:tgtEl>
+                                        <p:attrNameLst>
+                                          <p:attrName>style.visibility</p:attrName>
+                                        </p:attrNameLst>
+                                      </p:cBhvr>
+                                      <p:to>
+                                        <p:strVal val="visible"/>
+                                      </p:to>
+                                    </p:set>
+                                    <p:anim calcmode="lin" valueType="num">
+                                      <p:cBhvr additive="base">
+                                        <p:cTn id="7" dur="500" fill="hold"/>
+                                        <p:tgtEl>
+                                          <p:spTgt spid="4"/>
+                                        </p:tgtEl>
+                                        <p:attrNameLst>
+                                          <p:attrName>ppt_x</p:attrName>
+                                        </p:attrNameLst>
+                                      </p:cBhvr>
+                                      <p:tavLst>
+                                        <p:tav tm="0">
+                                          <p:val>
+                                            <p:strVal val="0-#ppt_w/2"/>
+                                          </p:val>
+                                        </p:tav>
+                                        <p:tav tm="100000">
+                                          <p:val>
+                                            <p:strVal val="#ppt_x"/>
+                                          </p:val>
+                                        </p:tav>
+                                      </p:tavLst>
+                                    </p:anim>
+                                    <p:anim calcmode="lin" valueType="num">
+                                      <p:cBhvr additive="base">
+                                        <p:cTn id="8" dur="500" fill="hold"/>
+                                        <p:tgtEl>
+                                          <p:spTgt spid="4"/>
+                                        </p:tgtEl>
+                                        <p:attrNameLst>
+                                          <p:attrName>ppt_y</p:attrName>
+                                        </p:attrNameLst>
+                                      </p:cBhvr>
+                                      <p:tavLst>
+                                        <p:tav tm="0">
+                                          <p:val>
+                                            <p:strVal val="#ppt_y"/>
+                                          </p:val>
+                                        </p:tav>
+                                        <p:tav tm="100000">
+                                          <p:val>
+                                            <p:strVal val="#ppt_y"/>
+                                          </p:val>
+                                        </p:tav>
+                                      </p:tavLst>
+                                    </p:anim>
+                                  </p:childTnLst>
+                                </p:cTn>
+                              </p:par>
+                            </p:childTnLst>
+                          </p:cTn>
+                        </p:par>
+                      </p:childTnLst>
+                    </p:cTn>
+                  </p:par>
+                </p:childTnLst>
+              </p:cTn>
+              <p:prevCondLst>
+                <p:cond evt="onPrev" delay="0">
+                  <p:tgtEl>
+                    <p:sldTgt/>
+                  </p:tgtEl>
+                </p:cond>
+              </p:prevCondLst>
+              <p:nextCondLst>
+                <p:cond evt="onNext" delay="0">
+                  <p:tgtEl>
+                    <p:sldTgt/>
+                  </p:tgtEl>
+                </p:cond>
+              </p:nextCondLst>
+            </p:seq>
+          </p:childTnLst>
+        </p:cTn>
       </p:par>
     </p:tnLst>
   </p:timing>
@@ -6179,7 +6690,7 @@
           <a:lstStyle/>
           <a:p>
             <a:r>
-              <a:rPr lang="fr-CH" dirty="0" smtClean="0">
+              <a:rPr lang="fr-CH" b="1" dirty="0" smtClean="0">
                 <a:effectLst>
                   <a:outerShdw blurRad="38100" dist="38100" dir="2700000" algn="tl">
                     <a:srgbClr val="000000">
@@ -6190,7 +6701,7 @@
               </a:rPr>
               <a:t>Table des matières</a:t>
             </a:r>
-            <a:endParaRPr lang="fr-CH" dirty="0">
+            <a:endParaRPr lang="fr-CH" b="1" dirty="0">
               <a:effectLst>
                 <a:outerShdw blurRad="38100" dist="38100" dir="2700000" algn="tl">
                   <a:srgbClr val="000000">
@@ -6220,7 +6731,7 @@
           <a:lstStyle/>
           <a:p>
             <a:r>
-              <a:rPr lang="fr-CH" sz="2800" dirty="0" smtClean="0">
+              <a:rPr lang="fr-CH" sz="2800" b="1" dirty="0" smtClean="0">
                 <a:effectLst>
                   <a:outerShdw blurRad="38100" dist="38100" dir="2700000" algn="tl">
                     <a:srgbClr val="000000">
@@ -6234,7 +6745,7 @@
           </a:p>
           <a:p>
             <a:r>
-              <a:rPr lang="fr-CH" sz="2800" dirty="0" smtClean="0">
+              <a:rPr lang="fr-CH" sz="2800" b="1" dirty="0" smtClean="0">
                 <a:effectLst>
                   <a:outerShdw blurRad="38100" dist="38100" dir="2700000" algn="tl">
                     <a:srgbClr val="000000">
@@ -6248,7 +6759,7 @@
           </a:p>
           <a:p>
             <a:r>
-              <a:rPr lang="fr-CH" sz="2800" dirty="0" smtClean="0">
+              <a:rPr lang="fr-CH" sz="2800" b="1" dirty="0" smtClean="0">
                 <a:effectLst>
                   <a:outerShdw blurRad="38100" dist="38100" dir="2700000" algn="tl">
                     <a:srgbClr val="000000">
@@ -6262,7 +6773,7 @@
           </a:p>
           <a:p>
             <a:r>
-              <a:rPr lang="fr-CH" sz="2800" dirty="0" smtClean="0">
+              <a:rPr lang="fr-CH" sz="2800" b="1" dirty="0" smtClean="0">
                 <a:effectLst>
                   <a:outerShdw blurRad="38100" dist="38100" dir="2700000" algn="tl">
                     <a:srgbClr val="000000">
@@ -6276,7 +6787,7 @@
           </a:p>
           <a:p>
             <a:r>
-              <a:rPr lang="fr-CH" sz="2800" dirty="0" smtClean="0">
+              <a:rPr lang="fr-CH" sz="2800" b="1" dirty="0" smtClean="0">
                 <a:effectLst>
                   <a:outerShdw blurRad="38100" dist="38100" dir="2700000" algn="tl">
                     <a:srgbClr val="000000">
@@ -6290,7 +6801,7 @@
           </a:p>
           <a:p>
             <a:r>
-              <a:rPr lang="fr-CH" sz="2800" dirty="0" smtClean="0">
+              <a:rPr lang="fr-CH" sz="2800" b="1" dirty="0" smtClean="0">
                 <a:effectLst>
                   <a:outerShdw blurRad="38100" dist="38100" dir="2700000" algn="tl">
                     <a:srgbClr val="000000">
@@ -6301,7 +6812,58 @@
               </a:rPr>
               <a:t>Questions?</a:t>
             </a:r>
-            <a:endParaRPr lang="fr-CH" sz="2800" dirty="0">
+            <a:endParaRPr lang="fr-CH" sz="2800" b="1" dirty="0">
+              <a:effectLst>
+                <a:outerShdw blurRad="38100" dist="38100" dir="2700000" algn="tl">
+                  <a:srgbClr val="000000">
+                    <a:alpha val="43137"/>
+                  </a:srgbClr>
+                </a:outerShdw>
+              </a:effectLst>
+            </a:endParaRPr>
+          </a:p>
+        </p:txBody>
+      </p:sp>
+      <p:sp>
+        <p:nvSpPr>
+          <p:cNvPr id="4" name="Espace réservé du numéro de diapositive 3"/>
+          <p:cNvSpPr>
+            <a:spLocks noGrp="1"/>
+          </p:cNvSpPr>
+          <p:nvPr>
+            <p:ph type="sldNum" sz="quarter" idx="12"/>
+          </p:nvPr>
+        </p:nvSpPr>
+        <p:spPr/>
+        <p:txBody>
+          <a:bodyPr/>
+          <a:lstStyle/>
+          <a:p>
+            <a:fld id="{D57F1E4F-1CFF-5643-939E-02111984F565}" type="slidenum">
+              <a:rPr lang="en-US" sz="1900" smtClean="0">
+                <a:effectLst>
+                  <a:outerShdw blurRad="38100" dist="38100" dir="2700000" algn="tl">
+                    <a:srgbClr val="000000">
+                      <a:alpha val="43137"/>
+                    </a:srgbClr>
+                  </a:outerShdw>
+                </a:effectLst>
+              </a:rPr>
+              <a:t>2</a:t>
+            </a:fld>
+            <a:r>
+              <a:rPr lang="en-US" sz="1900" dirty="0" smtClean="0">
+                <a:effectLst>
+                  <a:outerShdw blurRad="38100" dist="38100" dir="2700000" algn="tl">
+                    <a:srgbClr val="000000">
+                      <a:alpha val="43137"/>
+                    </a:srgbClr>
+                  </a:outerShdw>
+                </a:effectLst>
+              </a:rPr>
+              <a:t>5%</a:t>
+            </a:r>
+            <a:endParaRPr lang="en-US" sz="1900" dirty="0">
               <a:effectLst>
                 <a:outerShdw blurRad="38100" dist="38100" dir="2700000" algn="tl">
                   <a:srgbClr val="000000">
@@ -6323,6 +6885,18 @@
   <p:clrMapOvr>
     <a:masterClrMapping/>
   </p:clrMapOvr>
+  <mc:AlternateContent xmlns:mc="http://schemas.openxmlformats.org/markup-compatibility/2006" xmlns:p14="http://schemas.microsoft.com/office/powerpoint/2010/main">
+    <mc:Choice Requires="p14">
+      <p:transition spd="med" p14:dur="700">
+        <p:fade/>
+      </p:transition>
+    </mc:Choice>
+    <mc:Fallback xmlns="">
+      <p:transition spd="med">
+        <p:fade/>
+      </p:transition>
+    </mc:Fallback>
+  </mc:AlternateContent>
   <p:timing>
     <p:tnLst>
       <p:par>
@@ -6333,10 +6907,2914 @@
 </p:sld>
 </file>
 
+<file path=ppt/slides/slide3.xml><?xml version="1.0" encoding="utf-8"?>
+<p:sld xmlns:a="http://schemas.openxmlformats.org/drawingml/2006/main" xmlns:r="http://schemas.openxmlformats.org/officeDocument/2006/relationships" xmlns:p="http://schemas.openxmlformats.org/presentationml/2006/main">
+  <p:cSld>
+    <p:spTree>
+      <p:nvGrpSpPr>
+        <p:cNvPr id="1" name=""/>
+        <p:cNvGrpSpPr/>
+        <p:nvPr/>
+      </p:nvGrpSpPr>
+      <p:grpSpPr>
+        <a:xfrm>
+          <a:off x="0" y="0"/>
+          <a:ext cx="0" cy="0"/>
+          <a:chOff x="0" y="0"/>
+          <a:chExt cx="0" cy="0"/>
+        </a:xfrm>
+      </p:grpSpPr>
+      <p:sp>
+        <p:nvSpPr>
+          <p:cNvPr id="2" name="Titre 1"/>
+          <p:cNvSpPr>
+            <a:spLocks noGrp="1"/>
+          </p:cNvSpPr>
+          <p:nvPr>
+            <p:ph type="title"/>
+          </p:nvPr>
+        </p:nvSpPr>
+        <p:spPr/>
+        <p:txBody>
+          <a:bodyPr/>
+          <a:lstStyle/>
+          <a:p>
+            <a:r>
+              <a:rPr lang="fr-CH" b="1" dirty="0" smtClean="0">
+                <a:effectLst>
+                  <a:outerShdw blurRad="38100" dist="38100" dir="2700000" algn="tl">
+                    <a:srgbClr val="000000">
+                      <a:alpha val="43137"/>
+                    </a:srgbClr>
+                  </a:outerShdw>
+                </a:effectLst>
+              </a:rPr>
+              <a:t>Déroulement du TPI</a:t>
+            </a:r>
+            <a:endParaRPr lang="fr-CH" b="1" dirty="0">
+              <a:effectLst>
+                <a:outerShdw blurRad="38100" dist="38100" dir="2700000" algn="tl">
+                  <a:srgbClr val="000000">
+                    <a:alpha val="43137"/>
+                  </a:srgbClr>
+                </a:outerShdw>
+              </a:effectLst>
+            </a:endParaRPr>
+          </a:p>
+        </p:txBody>
+      </p:sp>
+      <p:sp>
+        <p:nvSpPr>
+          <p:cNvPr id="3" name="Espace réservé du contenu 2"/>
+          <p:cNvSpPr>
+            <a:spLocks noGrp="1"/>
+          </p:cNvSpPr>
+          <p:nvPr>
+            <p:ph idx="1"/>
+          </p:nvPr>
+        </p:nvSpPr>
+        <p:spPr>
+          <a:xfrm>
+            <a:off x="1103312" y="1171464"/>
+            <a:ext cx="8946541" cy="1736487"/>
+          </a:xfrm>
+        </p:spPr>
+        <p:txBody>
+          <a:bodyPr>
+            <a:normAutofit/>
+          </a:bodyPr>
+          <a:lstStyle/>
+          <a:p>
+            <a:r>
+              <a:rPr lang="fr-CH" sz="2800" b="1" dirty="0" smtClean="0">
+                <a:effectLst>
+                  <a:outerShdw blurRad="38100" dist="38100" dir="2700000" algn="tl">
+                    <a:srgbClr val="000000">
+                      <a:alpha val="43137"/>
+                    </a:srgbClr>
+                  </a:outerShdw>
+                </a:effectLst>
+              </a:rPr>
+              <a:t>Gestion du stress?</a:t>
+            </a:r>
+          </a:p>
+          <a:p>
+            <a:r>
+              <a:rPr lang="fr-CH" sz="2800" b="1" dirty="0" smtClean="0">
+                <a:effectLst>
+                  <a:outerShdw blurRad="38100" dist="38100" dir="2700000" algn="tl">
+                    <a:srgbClr val="000000">
+                      <a:alpha val="43137"/>
+                    </a:srgbClr>
+                  </a:outerShdw>
+                </a:effectLst>
+              </a:rPr>
+              <a:t>Y arriver dans les temps?</a:t>
+            </a:r>
+          </a:p>
+          <a:p>
+            <a:r>
+              <a:rPr lang="fr-CH" sz="2800" b="1" dirty="0" smtClean="0">
+                <a:effectLst>
+                  <a:outerShdw blurRad="38100" dist="38100" dir="2700000" algn="tl">
+                    <a:srgbClr val="000000">
+                      <a:alpha val="43137"/>
+                    </a:srgbClr>
+                  </a:outerShdw>
+                </a:effectLst>
+              </a:rPr>
+              <a:t>Auto-évaluation de mes compétences?</a:t>
+            </a:r>
+          </a:p>
+        </p:txBody>
+      </p:sp>
+      <p:pic>
+        <p:nvPicPr>
+          <p:cNvPr id="4" name="Image 3"/>
+          <p:cNvPicPr>
+            <a:picLocks noChangeAspect="1"/>
+          </p:cNvPicPr>
+          <p:nvPr/>
+        </p:nvPicPr>
+        <p:blipFill>
+          <a:blip r:embed="rId2">
+            <a:extLst>
+              <a:ext uri="{28A0092B-C50C-407E-A947-70E740481C1C}">
+                <a14:useLocalDpi xmlns:a14="http://schemas.microsoft.com/office/drawing/2010/main" val="0"/>
+              </a:ext>
+            </a:extLst>
+          </a:blip>
+          <a:stretch>
+            <a:fillRect/>
+          </a:stretch>
+        </p:blipFill>
+        <p:spPr>
+          <a:xfrm>
+            <a:off x="2343688" y="2907951"/>
+            <a:ext cx="6465787" cy="3637005"/>
+          </a:xfrm>
+          <a:prstGeom prst="rect">
+            <a:avLst/>
+          </a:prstGeom>
+          <a:ln>
+            <a:noFill/>
+          </a:ln>
+          <a:effectLst>
+            <a:softEdge rad="112500"/>
+          </a:effectLst>
+        </p:spPr>
+      </p:pic>
+      <p:sp>
+        <p:nvSpPr>
+          <p:cNvPr id="5" name="Espace réservé du numéro de diapositive 4"/>
+          <p:cNvSpPr>
+            <a:spLocks noGrp="1"/>
+          </p:cNvSpPr>
+          <p:nvPr>
+            <p:ph type="sldNum" sz="quarter" idx="12"/>
+          </p:nvPr>
+        </p:nvSpPr>
+        <p:spPr/>
+        <p:txBody>
+          <a:bodyPr/>
+          <a:lstStyle/>
+          <a:p>
+            <a:r>
+              <a:rPr lang="en-US" sz="1900" dirty="0" smtClean="0">
+                <a:effectLst>
+                  <a:outerShdw blurRad="38100" dist="38100" dir="2700000" algn="tl">
+                    <a:srgbClr val="000000">
+                      <a:alpha val="43137"/>
+                    </a:srgbClr>
+                  </a:outerShdw>
+                </a:effectLst>
+              </a:rPr>
+              <a:t>37.5%</a:t>
+            </a:r>
+            <a:endParaRPr lang="en-US" sz="1900" dirty="0">
+              <a:effectLst>
+                <a:outerShdw blurRad="38100" dist="38100" dir="2700000" algn="tl">
+                  <a:srgbClr val="000000">
+                    <a:alpha val="43137"/>
+                  </a:srgbClr>
+                </a:outerShdw>
+              </a:effectLst>
+            </a:endParaRPr>
+          </a:p>
+        </p:txBody>
+      </p:sp>
+    </p:spTree>
+    <p:extLst>
+      <p:ext uri="{BB962C8B-B14F-4D97-AF65-F5344CB8AC3E}">
+        <p14:creationId xmlns:p14="http://schemas.microsoft.com/office/powerpoint/2010/main" val="3646726652"/>
+      </p:ext>
+    </p:extLst>
+  </p:cSld>
+  <p:clrMapOvr>
+    <a:masterClrMapping/>
+  </p:clrMapOvr>
+  <mc:AlternateContent xmlns:mc="http://schemas.openxmlformats.org/markup-compatibility/2006" xmlns:p14="http://schemas.microsoft.com/office/powerpoint/2010/main">
+    <mc:Choice Requires="p14">
+      <p:transition spd="med" p14:dur="700">
+        <p:fade/>
+      </p:transition>
+    </mc:Choice>
+    <mc:Fallback xmlns="">
+      <p:transition spd="med">
+        <p:fade/>
+      </p:transition>
+    </mc:Fallback>
+  </mc:AlternateContent>
+  <p:timing>
+    <p:tnLst>
+      <p:par>
+        <p:cTn id="1" dur="indefinite" restart="never" nodeType="tmRoot">
+          <p:childTnLst>
+            <p:seq concurrent="1" nextAc="seek">
+              <p:cTn id="2" dur="indefinite" nodeType="mainSeq">
+                <p:childTnLst>
+                  <p:par>
+                    <p:cTn id="3" fill="hold">
+                      <p:stCondLst>
+                        <p:cond delay="indefinite"/>
+                        <p:cond evt="onBegin" delay="0">
+                          <p:tn val="2"/>
+                        </p:cond>
+                      </p:stCondLst>
+                      <p:childTnLst>
+                        <p:par>
+                          <p:cTn id="4" fill="hold">
+                            <p:stCondLst>
+                              <p:cond delay="0"/>
+                            </p:stCondLst>
+                            <p:childTnLst>
+                              <p:par>
+                                <p:cTn id="5" presetID="10" presetClass="entr" presetSubtype="0" fill="hold" nodeType="withEffect">
+                                  <p:stCondLst>
+                                    <p:cond delay="0"/>
+                                  </p:stCondLst>
+                                  <p:childTnLst>
+                                    <p:set>
+                                      <p:cBhvr>
+                                        <p:cTn id="6" dur="1" fill="hold">
+                                          <p:stCondLst>
+                                            <p:cond delay="0"/>
+                                          </p:stCondLst>
+                                        </p:cTn>
+                                        <p:tgtEl>
+                                          <p:spTgt spid="4"/>
+                                        </p:tgtEl>
+                                        <p:attrNameLst>
+                                          <p:attrName>style.visibility</p:attrName>
+                                        </p:attrNameLst>
+                                      </p:cBhvr>
+                                      <p:to>
+                                        <p:strVal val="visible"/>
+                                      </p:to>
+                                    </p:set>
+                                    <p:animEffect transition="in" filter="fade">
+                                      <p:cBhvr>
+                                        <p:cTn id="7" dur="500"/>
+                                        <p:tgtEl>
+                                          <p:spTgt spid="4"/>
+                                        </p:tgtEl>
+                                      </p:cBhvr>
+                                    </p:animEffect>
+                                  </p:childTnLst>
+                                </p:cTn>
+                              </p:par>
+                            </p:childTnLst>
+                          </p:cTn>
+                        </p:par>
+                      </p:childTnLst>
+                    </p:cTn>
+                  </p:par>
+                </p:childTnLst>
+              </p:cTn>
+              <p:prevCondLst>
+                <p:cond evt="onPrev" delay="0">
+                  <p:tgtEl>
+                    <p:sldTgt/>
+                  </p:tgtEl>
+                </p:cond>
+              </p:prevCondLst>
+              <p:nextCondLst>
+                <p:cond evt="onNext" delay="0">
+                  <p:tgtEl>
+                    <p:sldTgt/>
+                  </p:tgtEl>
+                </p:cond>
+              </p:nextCondLst>
+            </p:seq>
+          </p:childTnLst>
+        </p:cTn>
+      </p:par>
+    </p:tnLst>
+  </p:timing>
+</p:sld>
+</file>
+
+<file path=ppt/slides/slide4.xml><?xml version="1.0" encoding="utf-8"?>
+<p:sld xmlns:a="http://schemas.openxmlformats.org/drawingml/2006/main" xmlns:r="http://schemas.openxmlformats.org/officeDocument/2006/relationships" xmlns:p="http://schemas.openxmlformats.org/presentationml/2006/main">
+  <p:cSld>
+    <p:spTree>
+      <p:nvGrpSpPr>
+        <p:cNvPr id="1" name=""/>
+        <p:cNvGrpSpPr/>
+        <p:nvPr/>
+      </p:nvGrpSpPr>
+      <p:grpSpPr>
+        <a:xfrm>
+          <a:off x="0" y="0"/>
+          <a:ext cx="0" cy="0"/>
+          <a:chOff x="0" y="0"/>
+          <a:chExt cx="0" cy="0"/>
+        </a:xfrm>
+      </p:grpSpPr>
+      <p:sp>
+        <p:nvSpPr>
+          <p:cNvPr id="2" name="Titre 1"/>
+          <p:cNvSpPr>
+            <a:spLocks noGrp="1"/>
+          </p:cNvSpPr>
+          <p:nvPr>
+            <p:ph type="title"/>
+          </p:nvPr>
+        </p:nvSpPr>
+        <p:spPr>
+          <a:xfrm>
+            <a:off x="646111" y="106726"/>
+            <a:ext cx="9404723" cy="1400530"/>
+          </a:xfrm>
+        </p:spPr>
+        <p:txBody>
+          <a:bodyPr/>
+          <a:lstStyle/>
+          <a:p>
+            <a:r>
+              <a:rPr lang="fr-CH" b="1" dirty="0" smtClean="0">
+                <a:effectLst>
+                  <a:outerShdw blurRad="38100" dist="38100" dir="2700000" algn="tl">
+                    <a:srgbClr val="000000">
+                      <a:alpha val="43137"/>
+                    </a:srgbClr>
+                  </a:outerShdw>
+                </a:effectLst>
+              </a:rPr>
+              <a:t>Comparaison du temps estimé au temps réel</a:t>
+            </a:r>
+            <a:endParaRPr lang="fr-CH" b="1" dirty="0">
+              <a:effectLst>
+                <a:outerShdw blurRad="38100" dist="38100" dir="2700000" algn="tl">
+                  <a:srgbClr val="000000">
+                    <a:alpha val="43137"/>
+                  </a:srgbClr>
+                </a:outerShdw>
+              </a:effectLst>
+            </a:endParaRPr>
+          </a:p>
+        </p:txBody>
+      </p:sp>
+      <p:grpSp>
+        <p:nvGrpSpPr>
+          <p:cNvPr id="8" name="Groupe 7"/>
+          <p:cNvGrpSpPr/>
+          <p:nvPr/>
+        </p:nvGrpSpPr>
+        <p:grpSpPr>
+          <a:xfrm>
+            <a:off x="3847463" y="2842496"/>
+            <a:ext cx="4434778" cy="2079169"/>
+            <a:chOff x="3847463" y="2842496"/>
+            <a:chExt cx="4434778" cy="2079169"/>
+          </a:xfrm>
+        </p:grpSpPr>
+        <p:sp>
+          <p:nvSpPr>
+            <p:cNvPr id="9" name="Forme libre 8"/>
+            <p:cNvSpPr/>
+            <p:nvPr/>
+          </p:nvSpPr>
+          <p:spPr>
+            <a:xfrm>
+              <a:off x="3847463" y="2842496"/>
+              <a:ext cx="2079169" cy="2079169"/>
+            </a:xfrm>
+            <a:custGeom>
+              <a:avLst/>
+              <a:gdLst>
+                <a:gd name="connsiteX0" fmla="*/ 0 w 2079168"/>
+                <a:gd name="connsiteY0" fmla="*/ 727709 h 2079168"/>
+                <a:gd name="connsiteX1" fmla="*/ 1039584 w 2079168"/>
+                <a:gd name="connsiteY1" fmla="*/ 0 h 2079168"/>
+                <a:gd name="connsiteX2" fmla="*/ 2079168 w 2079168"/>
+                <a:gd name="connsiteY2" fmla="*/ 727709 h 2079168"/>
+                <a:gd name="connsiteX3" fmla="*/ 1559376 w 2079168"/>
+                <a:gd name="connsiteY3" fmla="*/ 727709 h 2079168"/>
+                <a:gd name="connsiteX4" fmla="*/ 1559376 w 2079168"/>
+                <a:gd name="connsiteY4" fmla="*/ 2079168 h 2079168"/>
+                <a:gd name="connsiteX5" fmla="*/ 519792 w 2079168"/>
+                <a:gd name="connsiteY5" fmla="*/ 2079168 h 2079168"/>
+                <a:gd name="connsiteX6" fmla="*/ 519792 w 2079168"/>
+                <a:gd name="connsiteY6" fmla="*/ 727709 h 2079168"/>
+                <a:gd name="connsiteX7" fmla="*/ 0 w 2079168"/>
+                <a:gd name="connsiteY7" fmla="*/ 727709 h 2079168"/>
+              </a:gdLst>
+              <a:ahLst/>
+              <a:cxnLst>
+                <a:cxn ang="0">
+                  <a:pos x="connsiteX0" y="connsiteY0"/>
+                </a:cxn>
+                <a:cxn ang="0">
+                  <a:pos x="connsiteX1" y="connsiteY1"/>
+                </a:cxn>
+                <a:cxn ang="0">
+                  <a:pos x="connsiteX2" y="connsiteY2"/>
+                </a:cxn>
+                <a:cxn ang="0">
+                  <a:pos x="connsiteX3" y="connsiteY3"/>
+                </a:cxn>
+                <a:cxn ang="0">
+                  <a:pos x="connsiteX4" y="connsiteY4"/>
+                </a:cxn>
+                <a:cxn ang="0">
+                  <a:pos x="connsiteX5" y="connsiteY5"/>
+                </a:cxn>
+                <a:cxn ang="0">
+                  <a:pos x="connsiteX6" y="connsiteY6"/>
+                </a:cxn>
+                <a:cxn ang="0">
+                  <a:pos x="connsiteX7" y="connsiteY7"/>
+                </a:cxn>
+              </a:cxnLst>
+              <a:rect l="l" t="t" r="r" b="b"/>
+              <a:pathLst>
+                <a:path w="2079168" h="2079168">
+                  <a:moveTo>
+                    <a:pt x="727709" y="2079168"/>
+                  </a:moveTo>
+                  <a:lnTo>
+                    <a:pt x="0" y="1039584"/>
+                  </a:lnTo>
+                  <a:lnTo>
+                    <a:pt x="727709" y="0"/>
+                  </a:lnTo>
+                  <a:lnTo>
+                    <a:pt x="727709" y="519792"/>
+                  </a:lnTo>
+                  <a:lnTo>
+                    <a:pt x="2079168" y="519792"/>
+                  </a:lnTo>
+                  <a:lnTo>
+                    <a:pt x="2079168" y="1559376"/>
+                  </a:lnTo>
+                  <a:lnTo>
+                    <a:pt x="727709" y="1559376"/>
+                  </a:lnTo>
+                  <a:lnTo>
+                    <a:pt x="727709" y="2079168"/>
+                  </a:lnTo>
+                  <a:close/>
+                </a:path>
+              </a:pathLst>
+            </a:custGeom>
+          </p:spPr>
+          <p:style>
+            <a:lnRef idx="2">
+              <a:schemeClr val="lt1">
+                <a:hueOff val="0"/>
+                <a:satOff val="0"/>
+                <a:lumOff val="0"/>
+                <a:alphaOff val="0"/>
+              </a:schemeClr>
+            </a:lnRef>
+            <a:fillRef idx="1">
+              <a:schemeClr val="accent1">
+                <a:hueOff val="0"/>
+                <a:satOff val="0"/>
+                <a:lumOff val="0"/>
+                <a:alphaOff val="0"/>
+              </a:schemeClr>
+            </a:fillRef>
+            <a:effectRef idx="0">
+              <a:schemeClr val="accent1">
+                <a:hueOff val="0"/>
+                <a:satOff val="0"/>
+                <a:lumOff val="0"/>
+                <a:alphaOff val="0"/>
+              </a:schemeClr>
+            </a:effectRef>
+            <a:fontRef idx="minor">
+              <a:schemeClr val="lt1"/>
+            </a:fontRef>
+          </p:style>
+          <p:txBody>
+            <a:bodyPr spcFirstLastPara="0" vert="horz" wrap="square" lIns="534543" tIns="690480" rIns="170688" bIns="690480" numCol="1" spcCol="1270" anchor="ctr" anchorCtr="0">
+              <a:noAutofit/>
+            </a:bodyPr>
+            <a:lstStyle/>
+            <a:p>
+              <a:pPr lvl="0" algn="ctr" defTabSz="1066800">
+                <a:lnSpc>
+                  <a:spcPct val="90000"/>
+                </a:lnSpc>
+                <a:spcBef>
+                  <a:spcPct val="0"/>
+                </a:spcBef>
+                <a:spcAft>
+                  <a:spcPct val="35000"/>
+                </a:spcAft>
+              </a:pPr>
+              <a:r>
+                <a:rPr lang="fr-FR" sz="2300" b="1" kern="1200" dirty="0" smtClean="0">
+                  <a:effectLst>
+                    <a:outerShdw blurRad="38100" dist="38100" dir="2700000" algn="tl">
+                      <a:srgbClr val="000000">
+                        <a:alpha val="43137"/>
+                      </a:srgbClr>
+                    </a:outerShdw>
+                  </a:effectLst>
+                </a:rPr>
+                <a:t>Ce que j’</a:t>
+              </a:r>
+              <a:r>
+                <a:rPr lang="fr-FR" sz="2300" b="1" kern="1200" dirty="0" err="1" smtClean="0">
+                  <a:effectLst>
+                    <a:outerShdw blurRad="38100" dist="38100" dir="2700000" algn="tl">
+                      <a:srgbClr val="000000">
+                        <a:alpha val="43137"/>
+                      </a:srgbClr>
+                    </a:outerShdw>
+                  </a:effectLst>
+                </a:rPr>
+                <a:t>espèrais</a:t>
+              </a:r>
+              <a:endParaRPr lang="fr-FR" sz="2300" b="1" kern="1200" dirty="0">
+                <a:effectLst>
+                  <a:outerShdw blurRad="38100" dist="38100" dir="2700000" algn="tl">
+                    <a:srgbClr val="000000">
+                      <a:alpha val="43137"/>
+                    </a:srgbClr>
+                  </a:outerShdw>
+                </a:effectLst>
+              </a:endParaRPr>
+            </a:p>
+          </p:txBody>
+        </p:sp>
+        <p:sp>
+          <p:nvSpPr>
+            <p:cNvPr id="10" name="Forme libre 9"/>
+            <p:cNvSpPr/>
+            <p:nvPr/>
+          </p:nvSpPr>
+          <p:spPr>
+            <a:xfrm>
+              <a:off x="6203073" y="2842496"/>
+              <a:ext cx="2079168" cy="2079168"/>
+            </a:xfrm>
+            <a:custGeom>
+              <a:avLst/>
+              <a:gdLst>
+                <a:gd name="connsiteX0" fmla="*/ 0 w 2079168"/>
+                <a:gd name="connsiteY0" fmla="*/ 727709 h 2079168"/>
+                <a:gd name="connsiteX1" fmla="*/ 1039584 w 2079168"/>
+                <a:gd name="connsiteY1" fmla="*/ 0 h 2079168"/>
+                <a:gd name="connsiteX2" fmla="*/ 2079168 w 2079168"/>
+                <a:gd name="connsiteY2" fmla="*/ 727709 h 2079168"/>
+                <a:gd name="connsiteX3" fmla="*/ 1559376 w 2079168"/>
+                <a:gd name="connsiteY3" fmla="*/ 727709 h 2079168"/>
+                <a:gd name="connsiteX4" fmla="*/ 1559376 w 2079168"/>
+                <a:gd name="connsiteY4" fmla="*/ 2079168 h 2079168"/>
+                <a:gd name="connsiteX5" fmla="*/ 519792 w 2079168"/>
+                <a:gd name="connsiteY5" fmla="*/ 2079168 h 2079168"/>
+                <a:gd name="connsiteX6" fmla="*/ 519792 w 2079168"/>
+                <a:gd name="connsiteY6" fmla="*/ 727709 h 2079168"/>
+                <a:gd name="connsiteX7" fmla="*/ 0 w 2079168"/>
+                <a:gd name="connsiteY7" fmla="*/ 727709 h 2079168"/>
+              </a:gdLst>
+              <a:ahLst/>
+              <a:cxnLst>
+                <a:cxn ang="0">
+                  <a:pos x="connsiteX0" y="connsiteY0"/>
+                </a:cxn>
+                <a:cxn ang="0">
+                  <a:pos x="connsiteX1" y="connsiteY1"/>
+                </a:cxn>
+                <a:cxn ang="0">
+                  <a:pos x="connsiteX2" y="connsiteY2"/>
+                </a:cxn>
+                <a:cxn ang="0">
+                  <a:pos x="connsiteX3" y="connsiteY3"/>
+                </a:cxn>
+                <a:cxn ang="0">
+                  <a:pos x="connsiteX4" y="connsiteY4"/>
+                </a:cxn>
+                <a:cxn ang="0">
+                  <a:pos x="connsiteX5" y="connsiteY5"/>
+                </a:cxn>
+                <a:cxn ang="0">
+                  <a:pos x="connsiteX6" y="connsiteY6"/>
+                </a:cxn>
+                <a:cxn ang="0">
+                  <a:pos x="connsiteX7" y="connsiteY7"/>
+                </a:cxn>
+              </a:cxnLst>
+              <a:rect l="l" t="t" r="r" b="b"/>
+              <a:pathLst>
+                <a:path w="2079168" h="2079168">
+                  <a:moveTo>
+                    <a:pt x="1351459" y="0"/>
+                  </a:moveTo>
+                  <a:lnTo>
+                    <a:pt x="2079168" y="1039584"/>
+                  </a:lnTo>
+                  <a:lnTo>
+                    <a:pt x="1351459" y="2079168"/>
+                  </a:lnTo>
+                  <a:lnTo>
+                    <a:pt x="1351459" y="1559376"/>
+                  </a:lnTo>
+                  <a:lnTo>
+                    <a:pt x="0" y="1559376"/>
+                  </a:lnTo>
+                  <a:lnTo>
+                    <a:pt x="0" y="519792"/>
+                  </a:lnTo>
+                  <a:lnTo>
+                    <a:pt x="1351459" y="519792"/>
+                  </a:lnTo>
+                  <a:lnTo>
+                    <a:pt x="1351459" y="0"/>
+                  </a:lnTo>
+                  <a:close/>
+                </a:path>
+              </a:pathLst>
+            </a:custGeom>
+          </p:spPr>
+          <p:style>
+            <a:lnRef idx="2">
+              <a:schemeClr val="lt1">
+                <a:hueOff val="0"/>
+                <a:satOff val="0"/>
+                <a:lumOff val="0"/>
+                <a:alphaOff val="0"/>
+              </a:schemeClr>
+            </a:lnRef>
+            <a:fillRef idx="1">
+              <a:schemeClr val="accent1">
+                <a:hueOff val="0"/>
+                <a:satOff val="0"/>
+                <a:lumOff val="0"/>
+                <a:alphaOff val="0"/>
+              </a:schemeClr>
+            </a:fillRef>
+            <a:effectRef idx="0">
+              <a:schemeClr val="accent1">
+                <a:hueOff val="0"/>
+                <a:satOff val="0"/>
+                <a:lumOff val="0"/>
+                <a:alphaOff val="0"/>
+              </a:schemeClr>
+            </a:effectRef>
+            <a:fontRef idx="minor">
+              <a:schemeClr val="lt1"/>
+            </a:fontRef>
+          </p:style>
+          <p:txBody>
+            <a:bodyPr spcFirstLastPara="0" vert="horz" wrap="square" lIns="199136" tIns="718928" rIns="562990" bIns="718928" numCol="1" spcCol="1270" anchor="ctr" anchorCtr="0">
+              <a:noAutofit/>
+            </a:bodyPr>
+            <a:lstStyle/>
+            <a:p>
+              <a:pPr lvl="0" algn="ctr" defTabSz="1244600">
+                <a:lnSpc>
+                  <a:spcPct val="90000"/>
+                </a:lnSpc>
+                <a:spcBef>
+                  <a:spcPct val="0"/>
+                </a:spcBef>
+                <a:spcAft>
+                  <a:spcPct val="35000"/>
+                </a:spcAft>
+              </a:pPr>
+              <a:r>
+                <a:rPr lang="fr-FR" sz="2800" b="1" kern="1200" dirty="0" smtClean="0">
+                  <a:effectLst>
+                    <a:outerShdw blurRad="38100" dist="38100" dir="2700000" algn="tl">
+                      <a:srgbClr val="000000">
+                        <a:alpha val="43137"/>
+                      </a:srgbClr>
+                    </a:outerShdw>
+                  </a:effectLst>
+                </a:rPr>
+                <a:t>La réalité</a:t>
+              </a:r>
+              <a:endParaRPr lang="fr-FR" sz="2800" b="1" kern="1200" dirty="0">
+                <a:effectLst>
+                  <a:outerShdw blurRad="38100" dist="38100" dir="2700000" algn="tl">
+                    <a:srgbClr val="000000">
+                      <a:alpha val="43137"/>
+                    </a:srgbClr>
+                  </a:outerShdw>
+                </a:effectLst>
+              </a:endParaRPr>
+            </a:p>
+          </p:txBody>
+        </p:sp>
+      </p:grpSp>
+      <p:pic>
+        <p:nvPicPr>
+          <p:cNvPr id="4" name="Image 3"/>
+          <p:cNvPicPr>
+            <a:picLocks noChangeAspect="1"/>
+          </p:cNvPicPr>
+          <p:nvPr/>
+        </p:nvPicPr>
+        <p:blipFill rotWithShape="1">
+          <a:blip r:embed="rId2"/>
+          <a:srcRect b="6624"/>
+          <a:stretch/>
+        </p:blipFill>
+        <p:spPr>
+          <a:xfrm>
+            <a:off x="263473" y="1375719"/>
+            <a:ext cx="3583600" cy="5424206"/>
+          </a:xfrm>
+          <a:prstGeom prst="rect">
+            <a:avLst/>
+          </a:prstGeom>
+          <a:ln>
+            <a:noFill/>
+          </a:ln>
+          <a:effectLst>
+            <a:softEdge rad="112500"/>
+          </a:effectLst>
+        </p:spPr>
+      </p:pic>
+      <p:pic>
+        <p:nvPicPr>
+          <p:cNvPr id="6" name="Image 5"/>
+          <p:cNvPicPr>
+            <a:picLocks noChangeAspect="1"/>
+          </p:cNvPicPr>
+          <p:nvPr/>
+        </p:nvPicPr>
+        <p:blipFill rotWithShape="1">
+          <a:blip r:embed="rId3"/>
+          <a:srcRect b="6701"/>
+          <a:stretch/>
+        </p:blipFill>
+        <p:spPr>
+          <a:xfrm>
+            <a:off x="8282633" y="1375994"/>
+            <a:ext cx="3583600" cy="5420221"/>
+          </a:xfrm>
+          <a:prstGeom prst="rect">
+            <a:avLst/>
+          </a:prstGeom>
+          <a:ln>
+            <a:noFill/>
+          </a:ln>
+          <a:effectLst>
+            <a:softEdge rad="112500"/>
+          </a:effectLst>
+        </p:spPr>
+      </p:pic>
+      <p:sp>
+        <p:nvSpPr>
+          <p:cNvPr id="7" name="Espace réservé du numéro de diapositive 6"/>
+          <p:cNvSpPr>
+            <a:spLocks noGrp="1"/>
+          </p:cNvSpPr>
+          <p:nvPr>
+            <p:ph type="sldNum" sz="quarter" idx="12"/>
+          </p:nvPr>
+        </p:nvSpPr>
+        <p:spPr/>
+        <p:txBody>
+          <a:bodyPr/>
+          <a:lstStyle/>
+          <a:p>
+            <a:r>
+              <a:rPr lang="en-US" sz="1900" dirty="0" smtClean="0">
+                <a:effectLst>
+                  <a:outerShdw blurRad="38100" dist="38100" dir="2700000" algn="tl">
+                    <a:srgbClr val="000000">
+                      <a:alpha val="43137"/>
+                    </a:srgbClr>
+                  </a:outerShdw>
+                </a:effectLst>
+              </a:rPr>
+              <a:t>50%</a:t>
+            </a:r>
+            <a:endParaRPr lang="en-US" sz="1900" dirty="0">
+              <a:effectLst>
+                <a:outerShdw blurRad="38100" dist="38100" dir="2700000" algn="tl">
+                  <a:srgbClr val="000000">
+                    <a:alpha val="43137"/>
+                  </a:srgbClr>
+                </a:outerShdw>
+              </a:effectLst>
+            </a:endParaRPr>
+          </a:p>
+        </p:txBody>
+      </p:sp>
+    </p:spTree>
+    <p:extLst>
+      <p:ext uri="{BB962C8B-B14F-4D97-AF65-F5344CB8AC3E}">
+        <p14:creationId xmlns:p14="http://schemas.microsoft.com/office/powerpoint/2010/main" val="1448063397"/>
+      </p:ext>
+    </p:extLst>
+  </p:cSld>
+  <p:clrMapOvr>
+    <a:masterClrMapping/>
+  </p:clrMapOvr>
+  <mc:AlternateContent xmlns:mc="http://schemas.openxmlformats.org/markup-compatibility/2006" xmlns:p14="http://schemas.microsoft.com/office/powerpoint/2010/main">
+    <mc:Choice Requires="p14">
+      <p:transition spd="med" p14:dur="700">
+        <p:fade/>
+      </p:transition>
+    </mc:Choice>
+    <mc:Fallback xmlns="">
+      <p:transition spd="med">
+        <p:fade/>
+      </p:transition>
+    </mc:Fallback>
+  </mc:AlternateContent>
+  <p:timing>
+    <p:tnLst>
+      <p:par>
+        <p:cTn id="1" dur="indefinite" restart="never" nodeType="tmRoot">
+          <p:childTnLst>
+            <p:seq concurrent="1" nextAc="seek">
+              <p:cTn id="2" dur="indefinite" nodeType="mainSeq">
+                <p:childTnLst>
+                  <p:par>
+                    <p:cTn id="3" fill="hold">
+                      <p:stCondLst>
+                        <p:cond delay="indefinite"/>
+                        <p:cond evt="onBegin" delay="0">
+                          <p:tn val="2"/>
+                        </p:cond>
+                      </p:stCondLst>
+                      <p:childTnLst>
+                        <p:par>
+                          <p:cTn id="4" fill="hold">
+                            <p:stCondLst>
+                              <p:cond delay="0"/>
+                            </p:stCondLst>
+                            <p:childTnLst>
+                              <p:par>
+                                <p:cTn id="5" presetID="2" presetClass="entr" presetSubtype="4" fill="hold" nodeType="withEffect">
+                                  <p:stCondLst>
+                                    <p:cond delay="0"/>
+                                  </p:stCondLst>
+                                  <p:childTnLst>
+                                    <p:set>
+                                      <p:cBhvr>
+                                        <p:cTn id="6" dur="1" fill="hold">
+                                          <p:stCondLst>
+                                            <p:cond delay="0"/>
+                                          </p:stCondLst>
+                                        </p:cTn>
+                                        <p:tgtEl>
+                                          <p:spTgt spid="4"/>
+                                        </p:tgtEl>
+                                        <p:attrNameLst>
+                                          <p:attrName>style.visibility</p:attrName>
+                                        </p:attrNameLst>
+                                      </p:cBhvr>
+                                      <p:to>
+                                        <p:strVal val="visible"/>
+                                      </p:to>
+                                    </p:set>
+                                    <p:anim calcmode="lin" valueType="num">
+                                      <p:cBhvr additive="base">
+                                        <p:cTn id="7" dur="500" fill="hold"/>
+                                        <p:tgtEl>
+                                          <p:spTgt spid="4"/>
+                                        </p:tgtEl>
+                                        <p:attrNameLst>
+                                          <p:attrName>ppt_x</p:attrName>
+                                        </p:attrNameLst>
+                                      </p:cBhvr>
+                                      <p:tavLst>
+                                        <p:tav tm="0">
+                                          <p:val>
+                                            <p:strVal val="#ppt_x"/>
+                                          </p:val>
+                                        </p:tav>
+                                        <p:tav tm="100000">
+                                          <p:val>
+                                            <p:strVal val="#ppt_x"/>
+                                          </p:val>
+                                        </p:tav>
+                                      </p:tavLst>
+                                    </p:anim>
+                                    <p:anim calcmode="lin" valueType="num">
+                                      <p:cBhvr additive="base">
+                                        <p:cTn id="8" dur="500" fill="hold"/>
+                                        <p:tgtEl>
+                                          <p:spTgt spid="4"/>
+                                        </p:tgtEl>
+                                        <p:attrNameLst>
+                                          <p:attrName>ppt_y</p:attrName>
+                                        </p:attrNameLst>
+                                      </p:cBhvr>
+                                      <p:tavLst>
+                                        <p:tav tm="0">
+                                          <p:val>
+                                            <p:strVal val="1+#ppt_h/2"/>
+                                          </p:val>
+                                        </p:tav>
+                                        <p:tav tm="100000">
+                                          <p:val>
+                                            <p:strVal val="#ppt_y"/>
+                                          </p:val>
+                                        </p:tav>
+                                      </p:tavLst>
+                                    </p:anim>
+                                  </p:childTnLst>
+                                </p:cTn>
+                              </p:par>
+                              <p:par>
+                                <p:cTn id="9" presetID="2" presetClass="entr" presetSubtype="4" fill="hold" nodeType="withEffect">
+                                  <p:stCondLst>
+                                    <p:cond delay="0"/>
+                                  </p:stCondLst>
+                                  <p:childTnLst>
+                                    <p:set>
+                                      <p:cBhvr>
+                                        <p:cTn id="10" dur="1" fill="hold">
+                                          <p:stCondLst>
+                                            <p:cond delay="0"/>
+                                          </p:stCondLst>
+                                        </p:cTn>
+                                        <p:tgtEl>
+                                          <p:spTgt spid="6"/>
+                                        </p:tgtEl>
+                                        <p:attrNameLst>
+                                          <p:attrName>style.visibility</p:attrName>
+                                        </p:attrNameLst>
+                                      </p:cBhvr>
+                                      <p:to>
+                                        <p:strVal val="visible"/>
+                                      </p:to>
+                                    </p:set>
+                                    <p:anim calcmode="lin" valueType="num">
+                                      <p:cBhvr additive="base">
+                                        <p:cTn id="11" dur="500" fill="hold"/>
+                                        <p:tgtEl>
+                                          <p:spTgt spid="6"/>
+                                        </p:tgtEl>
+                                        <p:attrNameLst>
+                                          <p:attrName>ppt_x</p:attrName>
+                                        </p:attrNameLst>
+                                      </p:cBhvr>
+                                      <p:tavLst>
+                                        <p:tav tm="0">
+                                          <p:val>
+                                            <p:strVal val="#ppt_x"/>
+                                          </p:val>
+                                        </p:tav>
+                                        <p:tav tm="100000">
+                                          <p:val>
+                                            <p:strVal val="#ppt_x"/>
+                                          </p:val>
+                                        </p:tav>
+                                      </p:tavLst>
+                                    </p:anim>
+                                    <p:anim calcmode="lin" valueType="num">
+                                      <p:cBhvr additive="base">
+                                        <p:cTn id="12" dur="500" fill="hold"/>
+                                        <p:tgtEl>
+                                          <p:spTgt spid="6"/>
+                                        </p:tgtEl>
+                                        <p:attrNameLst>
+                                          <p:attrName>ppt_y</p:attrName>
+                                        </p:attrNameLst>
+                                      </p:cBhvr>
+                                      <p:tavLst>
+                                        <p:tav tm="0">
+                                          <p:val>
+                                            <p:strVal val="1+#ppt_h/2"/>
+                                          </p:val>
+                                        </p:tav>
+                                        <p:tav tm="100000">
+                                          <p:val>
+                                            <p:strVal val="#ppt_y"/>
+                                          </p:val>
+                                        </p:tav>
+                                      </p:tavLst>
+                                    </p:anim>
+                                  </p:childTnLst>
+                                </p:cTn>
+                              </p:par>
+                            </p:childTnLst>
+                          </p:cTn>
+                        </p:par>
+                      </p:childTnLst>
+                    </p:cTn>
+                  </p:par>
+                  <p:par>
+                    <p:cTn id="13" fill="hold">
+                      <p:stCondLst>
+                        <p:cond delay="indefinite"/>
+                      </p:stCondLst>
+                      <p:childTnLst>
+                        <p:par>
+                          <p:cTn id="14" fill="hold">
+                            <p:stCondLst>
+                              <p:cond delay="0"/>
+                            </p:stCondLst>
+                            <p:childTnLst>
+                              <p:par>
+                                <p:cTn id="15" presetID="2" presetClass="entr" presetSubtype="1" fill="hold" nodeType="clickEffect">
+                                  <p:stCondLst>
+                                    <p:cond delay="0"/>
+                                  </p:stCondLst>
+                                  <p:childTnLst>
+                                    <p:set>
+                                      <p:cBhvr>
+                                        <p:cTn id="16" dur="1" fill="hold">
+                                          <p:stCondLst>
+                                            <p:cond delay="0"/>
+                                          </p:stCondLst>
+                                        </p:cTn>
+                                        <p:tgtEl>
+                                          <p:spTgt spid="8"/>
+                                        </p:tgtEl>
+                                        <p:attrNameLst>
+                                          <p:attrName>style.visibility</p:attrName>
+                                        </p:attrNameLst>
+                                      </p:cBhvr>
+                                      <p:to>
+                                        <p:strVal val="visible"/>
+                                      </p:to>
+                                    </p:set>
+                                    <p:anim calcmode="lin" valueType="num">
+                                      <p:cBhvr additive="base">
+                                        <p:cTn id="17" dur="500" fill="hold"/>
+                                        <p:tgtEl>
+                                          <p:spTgt spid="8"/>
+                                        </p:tgtEl>
+                                        <p:attrNameLst>
+                                          <p:attrName>ppt_x</p:attrName>
+                                        </p:attrNameLst>
+                                      </p:cBhvr>
+                                      <p:tavLst>
+                                        <p:tav tm="0">
+                                          <p:val>
+                                            <p:strVal val="#ppt_x"/>
+                                          </p:val>
+                                        </p:tav>
+                                        <p:tav tm="100000">
+                                          <p:val>
+                                            <p:strVal val="#ppt_x"/>
+                                          </p:val>
+                                        </p:tav>
+                                      </p:tavLst>
+                                    </p:anim>
+                                    <p:anim calcmode="lin" valueType="num">
+                                      <p:cBhvr additive="base">
+                                        <p:cTn id="18" dur="500" fill="hold"/>
+                                        <p:tgtEl>
+                                          <p:spTgt spid="8"/>
+                                        </p:tgtEl>
+                                        <p:attrNameLst>
+                                          <p:attrName>ppt_y</p:attrName>
+                                        </p:attrNameLst>
+                                      </p:cBhvr>
+                                      <p:tavLst>
+                                        <p:tav tm="0">
+                                          <p:val>
+                                            <p:strVal val="0-#ppt_h/2"/>
+                                          </p:val>
+                                        </p:tav>
+                                        <p:tav tm="100000">
+                                          <p:val>
+                                            <p:strVal val="#ppt_y"/>
+                                          </p:val>
+                                        </p:tav>
+                                      </p:tavLst>
+                                    </p:anim>
+                                  </p:childTnLst>
+                                </p:cTn>
+                              </p:par>
+                            </p:childTnLst>
+                          </p:cTn>
+                        </p:par>
+                      </p:childTnLst>
+                    </p:cTn>
+                  </p:par>
+                </p:childTnLst>
+              </p:cTn>
+              <p:prevCondLst>
+                <p:cond evt="onPrev" delay="0">
+                  <p:tgtEl>
+                    <p:sldTgt/>
+                  </p:tgtEl>
+                </p:cond>
+              </p:prevCondLst>
+              <p:nextCondLst>
+                <p:cond evt="onNext" delay="0">
+                  <p:tgtEl>
+                    <p:sldTgt/>
+                  </p:tgtEl>
+                </p:cond>
+              </p:nextCondLst>
+            </p:seq>
+          </p:childTnLst>
+        </p:cTn>
+      </p:par>
+    </p:tnLst>
+  </p:timing>
+</p:sld>
+</file>
+
+<file path=ppt/slides/slide5.xml><?xml version="1.0" encoding="utf-8"?>
+<p:sld xmlns:a="http://schemas.openxmlformats.org/drawingml/2006/main" xmlns:r="http://schemas.openxmlformats.org/officeDocument/2006/relationships" xmlns:p="http://schemas.openxmlformats.org/presentationml/2006/main">
+  <p:cSld>
+    <p:spTree>
+      <p:nvGrpSpPr>
+        <p:cNvPr id="1" name=""/>
+        <p:cNvGrpSpPr/>
+        <p:nvPr/>
+      </p:nvGrpSpPr>
+      <p:grpSpPr>
+        <a:xfrm>
+          <a:off x="0" y="0"/>
+          <a:ext cx="0" cy="0"/>
+          <a:chOff x="0" y="0"/>
+          <a:chExt cx="0" cy="0"/>
+        </a:xfrm>
+      </p:grpSpPr>
+      <p:sp>
+        <p:nvSpPr>
+          <p:cNvPr id="2" name="Titre 1"/>
+          <p:cNvSpPr>
+            <a:spLocks noGrp="1"/>
+          </p:cNvSpPr>
+          <p:nvPr>
+            <p:ph type="title"/>
+          </p:nvPr>
+        </p:nvSpPr>
+        <p:spPr/>
+        <p:txBody>
+          <a:bodyPr/>
+          <a:lstStyle/>
+          <a:p>
+            <a:r>
+              <a:rPr lang="fr-CH" b="1" dirty="0" smtClean="0">
+                <a:effectLst>
+                  <a:outerShdw blurRad="38100" dist="38100" dir="2700000" algn="tl">
+                    <a:srgbClr val="000000">
+                      <a:alpha val="43137"/>
+                    </a:srgbClr>
+                  </a:outerShdw>
+                </a:effectLst>
+              </a:rPr>
+              <a:t>Particularité</a:t>
+            </a:r>
+            <a:endParaRPr lang="fr-CH" b="1" dirty="0">
+              <a:effectLst>
+                <a:outerShdw blurRad="38100" dist="38100" dir="2700000" algn="tl">
+                  <a:srgbClr val="000000">
+                    <a:alpha val="43137"/>
+                  </a:srgbClr>
+                </a:outerShdw>
+              </a:effectLst>
+            </a:endParaRPr>
+          </a:p>
+        </p:txBody>
+      </p:sp>
+      <p:sp>
+        <p:nvSpPr>
+          <p:cNvPr id="3" name="Espace réservé du contenu 2"/>
+          <p:cNvSpPr>
+            <a:spLocks noGrp="1"/>
+          </p:cNvSpPr>
+          <p:nvPr>
+            <p:ph idx="1"/>
+          </p:nvPr>
+        </p:nvSpPr>
+        <p:spPr>
+          <a:xfrm>
+            <a:off x="646111" y="1152984"/>
+            <a:ext cx="8946541" cy="931190"/>
+          </a:xfrm>
+        </p:spPr>
+        <p:txBody>
+          <a:bodyPr>
+            <a:normAutofit lnSpcReduction="10000"/>
+          </a:bodyPr>
+          <a:lstStyle/>
+          <a:p>
+            <a:pPr marL="0" indent="0">
+              <a:buNone/>
+            </a:pPr>
+            <a:r>
+              <a:rPr lang="fr-CH" sz="2800" b="1" dirty="0" smtClean="0">
+                <a:effectLst>
+                  <a:outerShdw blurRad="38100" dist="38100" dir="2700000" algn="tl">
+                    <a:srgbClr val="000000">
+                      <a:alpha val="43137"/>
+                    </a:srgbClr>
+                  </a:outerShdw>
+                </a:effectLst>
+              </a:rPr>
+              <a:t>Beaucoup de choses ajoutées une fois le projet quasiment terminé</a:t>
+            </a:r>
+            <a:endParaRPr lang="fr-CH" sz="2800" b="1" dirty="0">
+              <a:effectLst>
+                <a:outerShdw blurRad="38100" dist="38100" dir="2700000" algn="tl">
+                  <a:srgbClr val="000000">
+                    <a:alpha val="43137"/>
+                  </a:srgbClr>
+                </a:outerShdw>
+              </a:effectLst>
+            </a:endParaRPr>
+          </a:p>
+        </p:txBody>
+      </p:sp>
+      <p:pic>
+        <p:nvPicPr>
+          <p:cNvPr id="5" name="Image 4"/>
+          <p:cNvPicPr>
+            <a:picLocks noChangeAspect="1"/>
+          </p:cNvPicPr>
+          <p:nvPr/>
+        </p:nvPicPr>
+        <p:blipFill rotWithShape="1">
+          <a:blip r:embed="rId2"/>
+          <a:srcRect l="828"/>
+          <a:stretch/>
+        </p:blipFill>
+        <p:spPr>
+          <a:xfrm>
+            <a:off x="230659" y="2084174"/>
+            <a:ext cx="5119820" cy="4619625"/>
+          </a:xfrm>
+          <a:prstGeom prst="roundRect">
+            <a:avLst>
+              <a:gd name="adj" fmla="val 11111"/>
+            </a:avLst>
+          </a:prstGeom>
+          <a:ln w="190500" cap="rnd">
+            <a:solidFill>
+              <a:schemeClr val="bg1">
+                <a:lumMod val="95000"/>
+                <a:lumOff val="5000"/>
+              </a:schemeClr>
+            </a:solidFill>
+            <a:prstDash val="solid"/>
+          </a:ln>
+          <a:effectLst>
+            <a:outerShdw blurRad="101600" dist="50800" dir="7200000" algn="tl" rotWithShape="0">
+              <a:srgbClr val="000000">
+                <a:alpha val="45000"/>
+              </a:srgbClr>
+            </a:outerShdw>
+          </a:effectLst>
+          <a:scene3d>
+            <a:camera prst="perspectiveFront" fov="5400000"/>
+            <a:lightRig rig="threePt" dir="t">
+              <a:rot lat="0" lon="0" rev="19200000"/>
+            </a:lightRig>
+          </a:scene3d>
+          <a:sp3d extrusionH="25400">
+            <a:bevelT w="304800" h="152400" prst="hardEdge"/>
+            <a:extrusionClr>
+              <a:srgbClr val="FFFFFF"/>
+            </a:extrusionClr>
+          </a:sp3d>
+        </p:spPr>
+      </p:pic>
+      <p:pic>
+        <p:nvPicPr>
+          <p:cNvPr id="6" name="Image 5"/>
+          <p:cNvPicPr>
+            <a:picLocks noChangeAspect="1"/>
+          </p:cNvPicPr>
+          <p:nvPr/>
+        </p:nvPicPr>
+        <p:blipFill rotWithShape="1">
+          <a:blip r:embed="rId3"/>
+          <a:srcRect r="996"/>
+          <a:stretch/>
+        </p:blipFill>
+        <p:spPr>
+          <a:xfrm>
+            <a:off x="6229220" y="2950948"/>
+            <a:ext cx="5592077" cy="2886075"/>
+          </a:xfrm>
+          <a:prstGeom prst="roundRect">
+            <a:avLst>
+              <a:gd name="adj" fmla="val 11111"/>
+            </a:avLst>
+          </a:prstGeom>
+          <a:ln w="190500" cap="rnd">
+            <a:solidFill>
+              <a:schemeClr val="bg1"/>
+            </a:solidFill>
+            <a:prstDash val="solid"/>
+          </a:ln>
+          <a:effectLst>
+            <a:outerShdw blurRad="101600" dist="50800" dir="7200000" algn="tl" rotWithShape="0">
+              <a:srgbClr val="000000">
+                <a:alpha val="45000"/>
+              </a:srgbClr>
+            </a:outerShdw>
+          </a:effectLst>
+          <a:scene3d>
+            <a:camera prst="perspectiveFront" fov="5400000"/>
+            <a:lightRig rig="threePt" dir="t">
+              <a:rot lat="0" lon="0" rev="19200000"/>
+            </a:lightRig>
+          </a:scene3d>
+          <a:sp3d extrusionH="25400">
+            <a:bevelT w="304800" h="152400" prst="hardEdge"/>
+            <a:extrusionClr>
+              <a:srgbClr val="FFFFFF"/>
+            </a:extrusionClr>
+          </a:sp3d>
+        </p:spPr>
+      </p:pic>
+      <p:sp>
+        <p:nvSpPr>
+          <p:cNvPr id="7" name="Espace réservé du numéro de diapositive 6"/>
+          <p:cNvSpPr>
+            <a:spLocks noGrp="1"/>
+          </p:cNvSpPr>
+          <p:nvPr>
+            <p:ph type="sldNum" sz="quarter" idx="12"/>
+          </p:nvPr>
+        </p:nvSpPr>
+        <p:spPr/>
+        <p:txBody>
+          <a:bodyPr/>
+          <a:lstStyle/>
+          <a:p>
+            <a:r>
+              <a:rPr lang="en-US" sz="1900" dirty="0" smtClean="0">
+                <a:effectLst>
+                  <a:outerShdw blurRad="38100" dist="38100" dir="2700000" algn="tl">
+                    <a:srgbClr val="000000">
+                      <a:alpha val="43137"/>
+                    </a:srgbClr>
+                  </a:outerShdw>
+                </a:effectLst>
+              </a:rPr>
+              <a:t>62.5%</a:t>
+            </a:r>
+            <a:endParaRPr lang="en-US" sz="1900" dirty="0">
+              <a:effectLst>
+                <a:outerShdw blurRad="38100" dist="38100" dir="2700000" algn="tl">
+                  <a:srgbClr val="000000">
+                    <a:alpha val="43137"/>
+                  </a:srgbClr>
+                </a:outerShdw>
+              </a:effectLst>
+            </a:endParaRPr>
+          </a:p>
+        </p:txBody>
+      </p:sp>
+    </p:spTree>
+    <p:extLst>
+      <p:ext uri="{BB962C8B-B14F-4D97-AF65-F5344CB8AC3E}">
+        <p14:creationId xmlns:p14="http://schemas.microsoft.com/office/powerpoint/2010/main" val="2209213159"/>
+      </p:ext>
+    </p:extLst>
+  </p:cSld>
+  <p:clrMapOvr>
+    <a:masterClrMapping/>
+  </p:clrMapOvr>
+  <mc:AlternateContent xmlns:mc="http://schemas.openxmlformats.org/markup-compatibility/2006" xmlns:p14="http://schemas.microsoft.com/office/powerpoint/2010/main">
+    <mc:Choice Requires="p14">
+      <p:transition spd="med" p14:dur="700">
+        <p:fade/>
+      </p:transition>
+    </mc:Choice>
+    <mc:Fallback xmlns="">
+      <p:transition spd="med">
+        <p:fade/>
+      </p:transition>
+    </mc:Fallback>
+  </mc:AlternateContent>
+  <p:timing>
+    <p:tnLst>
+      <p:par>
+        <p:cTn id="1" dur="indefinite" restart="never" nodeType="tmRoot">
+          <p:childTnLst>
+            <p:seq concurrent="1" nextAc="seek">
+              <p:cTn id="2" dur="indefinite" nodeType="mainSeq">
+                <p:childTnLst>
+                  <p:par>
+                    <p:cTn id="3" fill="hold">
+                      <p:stCondLst>
+                        <p:cond delay="indefinite"/>
+                        <p:cond evt="onBegin" delay="0">
+                          <p:tn val="2"/>
+                        </p:cond>
+                      </p:stCondLst>
+                      <p:childTnLst>
+                        <p:par>
+                          <p:cTn id="4" fill="hold">
+                            <p:stCondLst>
+                              <p:cond delay="0"/>
+                            </p:stCondLst>
+                            <p:childTnLst>
+                              <p:par>
+                                <p:cTn id="5" presetID="2" presetClass="entr" presetSubtype="8" fill="hold" nodeType="withEffect">
+                                  <p:stCondLst>
+                                    <p:cond delay="0"/>
+                                  </p:stCondLst>
+                                  <p:childTnLst>
+                                    <p:set>
+                                      <p:cBhvr>
+                                        <p:cTn id="6" dur="1" fill="hold">
+                                          <p:stCondLst>
+                                            <p:cond delay="0"/>
+                                          </p:stCondLst>
+                                        </p:cTn>
+                                        <p:tgtEl>
+                                          <p:spTgt spid="5"/>
+                                        </p:tgtEl>
+                                        <p:attrNameLst>
+                                          <p:attrName>style.visibility</p:attrName>
+                                        </p:attrNameLst>
+                                      </p:cBhvr>
+                                      <p:to>
+                                        <p:strVal val="visible"/>
+                                      </p:to>
+                                    </p:set>
+                                    <p:anim calcmode="lin" valueType="num">
+                                      <p:cBhvr additive="base">
+                                        <p:cTn id="7" dur="500" fill="hold"/>
+                                        <p:tgtEl>
+                                          <p:spTgt spid="5"/>
+                                        </p:tgtEl>
+                                        <p:attrNameLst>
+                                          <p:attrName>ppt_x</p:attrName>
+                                        </p:attrNameLst>
+                                      </p:cBhvr>
+                                      <p:tavLst>
+                                        <p:tav tm="0">
+                                          <p:val>
+                                            <p:strVal val="0-#ppt_w/2"/>
+                                          </p:val>
+                                        </p:tav>
+                                        <p:tav tm="100000">
+                                          <p:val>
+                                            <p:strVal val="#ppt_x"/>
+                                          </p:val>
+                                        </p:tav>
+                                      </p:tavLst>
+                                    </p:anim>
+                                    <p:anim calcmode="lin" valueType="num">
+                                      <p:cBhvr additive="base">
+                                        <p:cTn id="8" dur="500" fill="hold"/>
+                                        <p:tgtEl>
+                                          <p:spTgt spid="5"/>
+                                        </p:tgtEl>
+                                        <p:attrNameLst>
+                                          <p:attrName>ppt_y</p:attrName>
+                                        </p:attrNameLst>
+                                      </p:cBhvr>
+                                      <p:tavLst>
+                                        <p:tav tm="0">
+                                          <p:val>
+                                            <p:strVal val="#ppt_y"/>
+                                          </p:val>
+                                        </p:tav>
+                                        <p:tav tm="100000">
+                                          <p:val>
+                                            <p:strVal val="#ppt_y"/>
+                                          </p:val>
+                                        </p:tav>
+                                      </p:tavLst>
+                                    </p:anim>
+                                  </p:childTnLst>
+                                </p:cTn>
+                              </p:par>
+                              <p:par>
+                                <p:cTn id="9" presetID="2" presetClass="entr" presetSubtype="2" fill="hold" nodeType="withEffect">
+                                  <p:stCondLst>
+                                    <p:cond delay="0"/>
+                                  </p:stCondLst>
+                                  <p:childTnLst>
+                                    <p:set>
+                                      <p:cBhvr>
+                                        <p:cTn id="10" dur="1" fill="hold">
+                                          <p:stCondLst>
+                                            <p:cond delay="0"/>
+                                          </p:stCondLst>
+                                        </p:cTn>
+                                        <p:tgtEl>
+                                          <p:spTgt spid="6"/>
+                                        </p:tgtEl>
+                                        <p:attrNameLst>
+                                          <p:attrName>style.visibility</p:attrName>
+                                        </p:attrNameLst>
+                                      </p:cBhvr>
+                                      <p:to>
+                                        <p:strVal val="visible"/>
+                                      </p:to>
+                                    </p:set>
+                                    <p:anim calcmode="lin" valueType="num">
+                                      <p:cBhvr additive="base">
+                                        <p:cTn id="11" dur="500" fill="hold"/>
+                                        <p:tgtEl>
+                                          <p:spTgt spid="6"/>
+                                        </p:tgtEl>
+                                        <p:attrNameLst>
+                                          <p:attrName>ppt_x</p:attrName>
+                                        </p:attrNameLst>
+                                      </p:cBhvr>
+                                      <p:tavLst>
+                                        <p:tav tm="0">
+                                          <p:val>
+                                            <p:strVal val="1+#ppt_w/2"/>
+                                          </p:val>
+                                        </p:tav>
+                                        <p:tav tm="100000">
+                                          <p:val>
+                                            <p:strVal val="#ppt_x"/>
+                                          </p:val>
+                                        </p:tav>
+                                      </p:tavLst>
+                                    </p:anim>
+                                    <p:anim calcmode="lin" valueType="num">
+                                      <p:cBhvr additive="base">
+                                        <p:cTn id="12" dur="500" fill="hold"/>
+                                        <p:tgtEl>
+                                          <p:spTgt spid="6"/>
+                                        </p:tgtEl>
+                                        <p:attrNameLst>
+                                          <p:attrName>ppt_y</p:attrName>
+                                        </p:attrNameLst>
+                                      </p:cBhvr>
+                                      <p:tavLst>
+                                        <p:tav tm="0">
+                                          <p:val>
+                                            <p:strVal val="#ppt_y"/>
+                                          </p:val>
+                                        </p:tav>
+                                        <p:tav tm="100000">
+                                          <p:val>
+                                            <p:strVal val="#ppt_y"/>
+                                          </p:val>
+                                        </p:tav>
+                                      </p:tavLst>
+                                    </p:anim>
+                                  </p:childTnLst>
+                                </p:cTn>
+                              </p:par>
+                            </p:childTnLst>
+                          </p:cTn>
+                        </p:par>
+                      </p:childTnLst>
+                    </p:cTn>
+                  </p:par>
+                </p:childTnLst>
+              </p:cTn>
+              <p:prevCondLst>
+                <p:cond evt="onPrev" delay="0">
+                  <p:tgtEl>
+                    <p:sldTgt/>
+                  </p:tgtEl>
+                </p:cond>
+              </p:prevCondLst>
+              <p:nextCondLst>
+                <p:cond evt="onNext" delay="0">
+                  <p:tgtEl>
+                    <p:sldTgt/>
+                  </p:tgtEl>
+                </p:cond>
+              </p:nextCondLst>
+            </p:seq>
+          </p:childTnLst>
+        </p:cTn>
+      </p:par>
+    </p:tnLst>
+  </p:timing>
+</p:sld>
+</file>
+
+<file path=ppt/slides/slide6.xml><?xml version="1.0" encoding="utf-8"?>
+<p:sld xmlns:a="http://schemas.openxmlformats.org/drawingml/2006/main" xmlns:r="http://schemas.openxmlformats.org/officeDocument/2006/relationships" xmlns:p="http://schemas.openxmlformats.org/presentationml/2006/main">
+  <p:cSld>
+    <p:spTree>
+      <p:nvGrpSpPr>
+        <p:cNvPr id="1" name=""/>
+        <p:cNvGrpSpPr/>
+        <p:nvPr/>
+      </p:nvGrpSpPr>
+      <p:grpSpPr>
+        <a:xfrm>
+          <a:off x="0" y="0"/>
+          <a:ext cx="0" cy="0"/>
+          <a:chOff x="0" y="0"/>
+          <a:chExt cx="0" cy="0"/>
+        </a:xfrm>
+      </p:grpSpPr>
+      <p:sp>
+        <p:nvSpPr>
+          <p:cNvPr id="2" name="Titre 1"/>
+          <p:cNvSpPr>
+            <a:spLocks noGrp="1"/>
+          </p:cNvSpPr>
+          <p:nvPr>
+            <p:ph type="title"/>
+          </p:nvPr>
+        </p:nvSpPr>
+        <p:spPr/>
+        <p:txBody>
+          <a:bodyPr/>
+          <a:lstStyle/>
+          <a:p>
+            <a:r>
+              <a:rPr lang="fr-CH" b="1" dirty="0" smtClean="0">
+                <a:effectLst>
+                  <a:outerShdw blurRad="38100" dist="38100" dir="2700000" algn="tl">
+                    <a:srgbClr val="000000">
+                      <a:alpha val="43137"/>
+                    </a:srgbClr>
+                  </a:outerShdw>
+                </a:effectLst>
+              </a:rPr>
+              <a:t>Difficultés</a:t>
+            </a:r>
+            <a:endParaRPr lang="fr-CH" b="1" dirty="0">
+              <a:effectLst>
+                <a:outerShdw blurRad="38100" dist="38100" dir="2700000" algn="tl">
+                  <a:srgbClr val="000000">
+                    <a:alpha val="43137"/>
+                  </a:srgbClr>
+                </a:outerShdw>
+              </a:effectLst>
+            </a:endParaRPr>
+          </a:p>
+        </p:txBody>
+      </p:sp>
+      <p:sp>
+        <p:nvSpPr>
+          <p:cNvPr id="3" name="Espace réservé du contenu 2"/>
+          <p:cNvSpPr>
+            <a:spLocks noGrp="1"/>
+          </p:cNvSpPr>
+          <p:nvPr>
+            <p:ph idx="1"/>
+          </p:nvPr>
+        </p:nvSpPr>
+        <p:spPr>
+          <a:xfrm>
+            <a:off x="646111" y="1086994"/>
+            <a:ext cx="8946541" cy="4195481"/>
+          </a:xfrm>
+        </p:spPr>
+        <p:txBody>
+          <a:bodyPr/>
+          <a:lstStyle/>
+          <a:p>
+            <a:r>
+              <a:rPr lang="fr-CH" sz="2800" b="1" dirty="0" smtClean="0">
+                <a:effectLst>
+                  <a:outerShdw blurRad="38100" dist="38100" dir="2700000" algn="tl">
+                    <a:srgbClr val="000000">
+                      <a:alpha val="43137"/>
+                    </a:srgbClr>
+                  </a:outerShdw>
+                </a:effectLst>
+              </a:rPr>
+              <a:t>CSV</a:t>
+            </a:r>
+          </a:p>
+          <a:p>
+            <a:r>
+              <a:rPr lang="fr-CH" sz="2800" b="1" dirty="0" smtClean="0">
+                <a:effectLst>
+                  <a:outerShdw blurRad="38100" dist="38100" dir="2700000" algn="tl">
+                    <a:srgbClr val="000000">
+                      <a:alpha val="43137"/>
+                    </a:srgbClr>
+                  </a:outerShdw>
+                </a:effectLst>
+              </a:rPr>
+              <a:t>Identifier nos joueurs</a:t>
+            </a:r>
+          </a:p>
+          <a:p>
+            <a:r>
+              <a:rPr lang="fr-CH" sz="2800" b="1" dirty="0" smtClean="0">
+                <a:effectLst>
+                  <a:outerShdw blurRad="38100" dist="38100" dir="2700000" algn="tl">
+                    <a:srgbClr val="000000">
+                      <a:alpha val="43137"/>
+                    </a:srgbClr>
+                  </a:outerShdw>
+                </a:effectLst>
+              </a:rPr>
+              <a:t>Utiliser des sessions pour revenir où l’on en était (ou presque)</a:t>
+            </a:r>
+          </a:p>
+          <a:p>
+            <a:endParaRPr lang="fr-CH" b="1" dirty="0">
+              <a:effectLst>
+                <a:outerShdw blurRad="38100" dist="38100" dir="2700000" algn="tl">
+                  <a:srgbClr val="000000">
+                    <a:alpha val="43137"/>
+                  </a:srgbClr>
+                </a:outerShdw>
+              </a:effectLst>
+            </a:endParaRPr>
+          </a:p>
+        </p:txBody>
+      </p:sp>
+      <p:pic>
+        <p:nvPicPr>
+          <p:cNvPr id="4" name="Image 3"/>
+          <p:cNvPicPr>
+            <a:picLocks noChangeAspect="1"/>
+          </p:cNvPicPr>
+          <p:nvPr/>
+        </p:nvPicPr>
+        <p:blipFill>
+          <a:blip r:embed="rId2"/>
+          <a:stretch>
+            <a:fillRect/>
+          </a:stretch>
+        </p:blipFill>
+        <p:spPr>
+          <a:xfrm>
+            <a:off x="267170" y="3250723"/>
+            <a:ext cx="5772150" cy="2590800"/>
+          </a:xfrm>
+          <a:prstGeom prst="roundRect">
+            <a:avLst>
+              <a:gd name="adj" fmla="val 11111"/>
+            </a:avLst>
+          </a:prstGeom>
+          <a:ln w="190500" cap="rnd">
+            <a:solidFill>
+              <a:schemeClr val="bg1"/>
+            </a:solidFill>
+            <a:prstDash val="solid"/>
+          </a:ln>
+          <a:effectLst>
+            <a:outerShdw blurRad="101600" dist="50800" dir="7200000" algn="tl" rotWithShape="0">
+              <a:srgbClr val="000000">
+                <a:alpha val="45000"/>
+              </a:srgbClr>
+            </a:outerShdw>
+          </a:effectLst>
+          <a:scene3d>
+            <a:camera prst="perspectiveFront" fov="5400000"/>
+            <a:lightRig rig="threePt" dir="t">
+              <a:rot lat="0" lon="0" rev="19200000"/>
+            </a:lightRig>
+          </a:scene3d>
+          <a:sp3d extrusionH="25400">
+            <a:bevelT w="304800" h="152400" prst="hardEdge"/>
+            <a:extrusionClr>
+              <a:srgbClr val="FFFFFF"/>
+            </a:extrusionClr>
+          </a:sp3d>
+        </p:spPr>
+      </p:pic>
+      <p:pic>
+        <p:nvPicPr>
+          <p:cNvPr id="6" name="Image 5"/>
+          <p:cNvPicPr>
+            <a:picLocks noChangeAspect="1"/>
+          </p:cNvPicPr>
+          <p:nvPr/>
+        </p:nvPicPr>
+        <p:blipFill>
+          <a:blip r:embed="rId3"/>
+          <a:stretch>
+            <a:fillRect/>
+          </a:stretch>
+        </p:blipFill>
+        <p:spPr>
+          <a:xfrm>
+            <a:off x="7386379" y="3234247"/>
+            <a:ext cx="3762375" cy="1409700"/>
+          </a:xfrm>
+          <a:prstGeom prst="roundRect">
+            <a:avLst>
+              <a:gd name="adj" fmla="val 11111"/>
+            </a:avLst>
+          </a:prstGeom>
+          <a:ln w="190500" cap="rnd">
+            <a:solidFill>
+              <a:schemeClr val="bg1"/>
+            </a:solidFill>
+            <a:prstDash val="solid"/>
+          </a:ln>
+          <a:effectLst>
+            <a:outerShdw blurRad="101600" dist="50800" dir="7200000" algn="tl" rotWithShape="0">
+              <a:srgbClr val="000000">
+                <a:alpha val="45000"/>
+              </a:srgbClr>
+            </a:outerShdw>
+          </a:effectLst>
+          <a:scene3d>
+            <a:camera prst="perspectiveFront" fov="5400000"/>
+            <a:lightRig rig="threePt" dir="t">
+              <a:rot lat="0" lon="0" rev="19200000"/>
+            </a:lightRig>
+          </a:scene3d>
+          <a:sp3d extrusionH="25400">
+            <a:bevelT w="304800" h="152400" prst="hardEdge"/>
+            <a:extrusionClr>
+              <a:srgbClr val="FFFFFF"/>
+            </a:extrusionClr>
+          </a:sp3d>
+        </p:spPr>
+      </p:pic>
+      <p:sp>
+        <p:nvSpPr>
+          <p:cNvPr id="5" name="Flèche droite 4"/>
+          <p:cNvSpPr/>
+          <p:nvPr/>
+        </p:nvSpPr>
+        <p:spPr>
+          <a:xfrm>
+            <a:off x="5915752" y="3217771"/>
+            <a:ext cx="2906971" cy="897924"/>
+          </a:xfrm>
+          <a:prstGeom prst="rightArrow">
+            <a:avLst/>
+          </a:prstGeom>
+          <a:ln>
+            <a:solidFill>
+              <a:schemeClr val="tx1"/>
+            </a:solidFill>
+          </a:ln>
+        </p:spPr>
+        <p:style>
+          <a:lnRef idx="2">
+            <a:schemeClr val="accent1">
+              <a:shade val="50000"/>
+            </a:schemeClr>
+          </a:lnRef>
+          <a:fillRef idx="1">
+            <a:schemeClr val="accent1"/>
+          </a:fillRef>
+          <a:effectRef idx="0">
+            <a:schemeClr val="accent1"/>
+          </a:effectRef>
+          <a:fontRef idx="minor">
+            <a:schemeClr val="lt1"/>
+          </a:fontRef>
+        </p:style>
+        <p:txBody>
+          <a:bodyPr rtlCol="0" anchor="ctr"/>
+          <a:lstStyle/>
+          <a:p>
+            <a:pPr algn="ctr"/>
+            <a:endParaRPr lang="fr-CH" dirty="0"/>
+          </a:p>
+        </p:txBody>
+      </p:sp>
+      <p:sp>
+        <p:nvSpPr>
+          <p:cNvPr id="7" name="Espace réservé du numéro de diapositive 6"/>
+          <p:cNvSpPr>
+            <a:spLocks noGrp="1"/>
+          </p:cNvSpPr>
+          <p:nvPr>
+            <p:ph type="sldNum" sz="quarter" idx="12"/>
+          </p:nvPr>
+        </p:nvSpPr>
+        <p:spPr/>
+        <p:txBody>
+          <a:bodyPr/>
+          <a:lstStyle/>
+          <a:p>
+            <a:r>
+              <a:rPr lang="en-US" sz="1900" dirty="0" smtClean="0">
+                <a:effectLst>
+                  <a:outerShdw blurRad="38100" dist="38100" dir="2700000" algn="tl">
+                    <a:srgbClr val="000000">
+                      <a:alpha val="43137"/>
+                    </a:srgbClr>
+                  </a:outerShdw>
+                </a:effectLst>
+              </a:rPr>
+              <a:t>75%</a:t>
+            </a:r>
+            <a:endParaRPr lang="en-US" sz="1900" dirty="0">
+              <a:effectLst>
+                <a:outerShdw blurRad="38100" dist="38100" dir="2700000" algn="tl">
+                  <a:srgbClr val="000000">
+                    <a:alpha val="43137"/>
+                  </a:srgbClr>
+                </a:outerShdw>
+              </a:effectLst>
+            </a:endParaRPr>
+          </a:p>
+        </p:txBody>
+      </p:sp>
+    </p:spTree>
+    <p:extLst>
+      <p:ext uri="{BB962C8B-B14F-4D97-AF65-F5344CB8AC3E}">
+        <p14:creationId xmlns:p14="http://schemas.microsoft.com/office/powerpoint/2010/main" val="2260307336"/>
+      </p:ext>
+    </p:extLst>
+  </p:cSld>
+  <p:clrMapOvr>
+    <a:masterClrMapping/>
+  </p:clrMapOvr>
+  <mc:AlternateContent xmlns:mc="http://schemas.openxmlformats.org/markup-compatibility/2006" xmlns:p14="http://schemas.microsoft.com/office/powerpoint/2010/main">
+    <mc:Choice Requires="p14">
+      <p:transition spd="med" p14:dur="700">
+        <p:fade/>
+      </p:transition>
+    </mc:Choice>
+    <mc:Fallback xmlns="">
+      <p:transition spd="med">
+        <p:fade/>
+      </p:transition>
+    </mc:Fallback>
+  </mc:AlternateContent>
+  <p:timing>
+    <p:tnLst>
+      <p:par>
+        <p:cTn id="1" dur="indefinite" restart="never" nodeType="tmRoot">
+          <p:childTnLst>
+            <p:seq concurrent="1" nextAc="seek">
+              <p:cTn id="2" dur="indefinite" nodeType="mainSeq">
+                <p:childTnLst>
+                  <p:par>
+                    <p:cTn id="3" fill="hold">
+                      <p:stCondLst>
+                        <p:cond delay="indefinite"/>
+                        <p:cond evt="onBegin" delay="0">
+                          <p:tn val="2"/>
+                        </p:cond>
+                      </p:stCondLst>
+                      <p:childTnLst>
+                        <p:par>
+                          <p:cTn id="4" fill="hold">
+                            <p:stCondLst>
+                              <p:cond delay="0"/>
+                            </p:stCondLst>
+                            <p:childTnLst>
+                              <p:par>
+                                <p:cTn id="5" presetID="2" presetClass="entr" presetSubtype="4" fill="hold" nodeType="withEffect">
+                                  <p:stCondLst>
+                                    <p:cond delay="0"/>
+                                  </p:stCondLst>
+                                  <p:childTnLst>
+                                    <p:set>
+                                      <p:cBhvr>
+                                        <p:cTn id="6" dur="1" fill="hold">
+                                          <p:stCondLst>
+                                            <p:cond delay="0"/>
+                                          </p:stCondLst>
+                                        </p:cTn>
+                                        <p:tgtEl>
+                                          <p:spTgt spid="4"/>
+                                        </p:tgtEl>
+                                        <p:attrNameLst>
+                                          <p:attrName>style.visibility</p:attrName>
+                                        </p:attrNameLst>
+                                      </p:cBhvr>
+                                      <p:to>
+                                        <p:strVal val="visible"/>
+                                      </p:to>
+                                    </p:set>
+                                    <p:anim calcmode="lin" valueType="num">
+                                      <p:cBhvr additive="base">
+                                        <p:cTn id="7" dur="500" fill="hold"/>
+                                        <p:tgtEl>
+                                          <p:spTgt spid="4"/>
+                                        </p:tgtEl>
+                                        <p:attrNameLst>
+                                          <p:attrName>ppt_x</p:attrName>
+                                        </p:attrNameLst>
+                                      </p:cBhvr>
+                                      <p:tavLst>
+                                        <p:tav tm="0">
+                                          <p:val>
+                                            <p:strVal val="#ppt_x"/>
+                                          </p:val>
+                                        </p:tav>
+                                        <p:tav tm="100000">
+                                          <p:val>
+                                            <p:strVal val="#ppt_x"/>
+                                          </p:val>
+                                        </p:tav>
+                                      </p:tavLst>
+                                    </p:anim>
+                                    <p:anim calcmode="lin" valueType="num">
+                                      <p:cBhvr additive="base">
+                                        <p:cTn id="8" dur="500" fill="hold"/>
+                                        <p:tgtEl>
+                                          <p:spTgt spid="4"/>
+                                        </p:tgtEl>
+                                        <p:attrNameLst>
+                                          <p:attrName>ppt_y</p:attrName>
+                                        </p:attrNameLst>
+                                      </p:cBhvr>
+                                      <p:tavLst>
+                                        <p:tav tm="0">
+                                          <p:val>
+                                            <p:strVal val="1+#ppt_h/2"/>
+                                          </p:val>
+                                        </p:tav>
+                                        <p:tav tm="100000">
+                                          <p:val>
+                                            <p:strVal val="#ppt_y"/>
+                                          </p:val>
+                                        </p:tav>
+                                      </p:tavLst>
+                                    </p:anim>
+                                  </p:childTnLst>
+                                </p:cTn>
+                              </p:par>
+                              <p:par>
+                                <p:cTn id="9" presetID="2" presetClass="entr" presetSubtype="4" fill="hold" nodeType="withEffect">
+                                  <p:stCondLst>
+                                    <p:cond delay="0"/>
+                                  </p:stCondLst>
+                                  <p:childTnLst>
+                                    <p:set>
+                                      <p:cBhvr>
+                                        <p:cTn id="10" dur="1" fill="hold">
+                                          <p:stCondLst>
+                                            <p:cond delay="0"/>
+                                          </p:stCondLst>
+                                        </p:cTn>
+                                        <p:tgtEl>
+                                          <p:spTgt spid="6"/>
+                                        </p:tgtEl>
+                                        <p:attrNameLst>
+                                          <p:attrName>style.visibility</p:attrName>
+                                        </p:attrNameLst>
+                                      </p:cBhvr>
+                                      <p:to>
+                                        <p:strVal val="visible"/>
+                                      </p:to>
+                                    </p:set>
+                                    <p:anim calcmode="lin" valueType="num">
+                                      <p:cBhvr additive="base">
+                                        <p:cTn id="11" dur="500" fill="hold"/>
+                                        <p:tgtEl>
+                                          <p:spTgt spid="6"/>
+                                        </p:tgtEl>
+                                        <p:attrNameLst>
+                                          <p:attrName>ppt_x</p:attrName>
+                                        </p:attrNameLst>
+                                      </p:cBhvr>
+                                      <p:tavLst>
+                                        <p:tav tm="0">
+                                          <p:val>
+                                            <p:strVal val="#ppt_x"/>
+                                          </p:val>
+                                        </p:tav>
+                                        <p:tav tm="100000">
+                                          <p:val>
+                                            <p:strVal val="#ppt_x"/>
+                                          </p:val>
+                                        </p:tav>
+                                      </p:tavLst>
+                                    </p:anim>
+                                    <p:anim calcmode="lin" valueType="num">
+                                      <p:cBhvr additive="base">
+                                        <p:cTn id="12" dur="500" fill="hold"/>
+                                        <p:tgtEl>
+                                          <p:spTgt spid="6"/>
+                                        </p:tgtEl>
+                                        <p:attrNameLst>
+                                          <p:attrName>ppt_y</p:attrName>
+                                        </p:attrNameLst>
+                                      </p:cBhvr>
+                                      <p:tavLst>
+                                        <p:tav tm="0">
+                                          <p:val>
+                                            <p:strVal val="1+#ppt_h/2"/>
+                                          </p:val>
+                                        </p:tav>
+                                        <p:tav tm="100000">
+                                          <p:val>
+                                            <p:strVal val="#ppt_y"/>
+                                          </p:val>
+                                        </p:tav>
+                                      </p:tavLst>
+                                    </p:anim>
+                                  </p:childTnLst>
+                                </p:cTn>
+                              </p:par>
+                            </p:childTnLst>
+                          </p:cTn>
+                        </p:par>
+                        <p:par>
+                          <p:cTn id="13" fill="hold">
+                            <p:stCondLst>
+                              <p:cond delay="500"/>
+                            </p:stCondLst>
+                            <p:childTnLst>
+                              <p:par>
+                                <p:cTn id="14" presetID="2" presetClass="entr" presetSubtype="8" fill="hold" grpId="0" nodeType="afterEffect">
+                                  <p:stCondLst>
+                                    <p:cond delay="0"/>
+                                  </p:stCondLst>
+                                  <p:childTnLst>
+                                    <p:set>
+                                      <p:cBhvr>
+                                        <p:cTn id="15" dur="1" fill="hold">
+                                          <p:stCondLst>
+                                            <p:cond delay="0"/>
+                                          </p:stCondLst>
+                                        </p:cTn>
+                                        <p:tgtEl>
+                                          <p:spTgt spid="5"/>
+                                        </p:tgtEl>
+                                        <p:attrNameLst>
+                                          <p:attrName>style.visibility</p:attrName>
+                                        </p:attrNameLst>
+                                      </p:cBhvr>
+                                      <p:to>
+                                        <p:strVal val="visible"/>
+                                      </p:to>
+                                    </p:set>
+                                    <p:anim calcmode="lin" valueType="num">
+                                      <p:cBhvr additive="base">
+                                        <p:cTn id="16" dur="500" fill="hold"/>
+                                        <p:tgtEl>
+                                          <p:spTgt spid="5"/>
+                                        </p:tgtEl>
+                                        <p:attrNameLst>
+                                          <p:attrName>ppt_x</p:attrName>
+                                        </p:attrNameLst>
+                                      </p:cBhvr>
+                                      <p:tavLst>
+                                        <p:tav tm="0">
+                                          <p:val>
+                                            <p:strVal val="0-#ppt_w/2"/>
+                                          </p:val>
+                                        </p:tav>
+                                        <p:tav tm="100000">
+                                          <p:val>
+                                            <p:strVal val="#ppt_x"/>
+                                          </p:val>
+                                        </p:tav>
+                                      </p:tavLst>
+                                    </p:anim>
+                                    <p:anim calcmode="lin" valueType="num">
+                                      <p:cBhvr additive="base">
+                                        <p:cTn id="17" dur="500" fill="hold"/>
+                                        <p:tgtEl>
+                                          <p:spTgt spid="5"/>
+                                        </p:tgtEl>
+                                        <p:attrNameLst>
+                                          <p:attrName>ppt_y</p:attrName>
+                                        </p:attrNameLst>
+                                      </p:cBhvr>
+                                      <p:tavLst>
+                                        <p:tav tm="0">
+                                          <p:val>
+                                            <p:strVal val="#ppt_y"/>
+                                          </p:val>
+                                        </p:tav>
+                                        <p:tav tm="100000">
+                                          <p:val>
+                                            <p:strVal val="#ppt_y"/>
+                                          </p:val>
+                                        </p:tav>
+                                      </p:tavLst>
+                                    </p:anim>
+                                  </p:childTnLst>
+                                </p:cTn>
+                              </p:par>
+                            </p:childTnLst>
+                          </p:cTn>
+                        </p:par>
+                      </p:childTnLst>
+                    </p:cTn>
+                  </p:par>
+                </p:childTnLst>
+              </p:cTn>
+              <p:prevCondLst>
+                <p:cond evt="onPrev" delay="0">
+                  <p:tgtEl>
+                    <p:sldTgt/>
+                  </p:tgtEl>
+                </p:cond>
+              </p:prevCondLst>
+              <p:nextCondLst>
+                <p:cond evt="onNext" delay="0">
+                  <p:tgtEl>
+                    <p:sldTgt/>
+                  </p:tgtEl>
+                </p:cond>
+              </p:nextCondLst>
+            </p:seq>
+          </p:childTnLst>
+        </p:cTn>
+      </p:par>
+    </p:tnLst>
+    <p:bldLst>
+      <p:bldP spid="5" grpId="0" animBg="1"/>
+    </p:bldLst>
+  </p:timing>
+</p:sld>
+</file>
+
+<file path=ppt/slides/slide7.xml><?xml version="1.0" encoding="utf-8"?>
+<p:sld xmlns:a="http://schemas.openxmlformats.org/drawingml/2006/main" xmlns:r="http://schemas.openxmlformats.org/officeDocument/2006/relationships" xmlns:p="http://schemas.openxmlformats.org/presentationml/2006/main">
+  <p:cSld>
+    <p:spTree>
+      <p:nvGrpSpPr>
+        <p:cNvPr id="1" name=""/>
+        <p:cNvGrpSpPr/>
+        <p:nvPr/>
+      </p:nvGrpSpPr>
+      <p:grpSpPr>
+        <a:xfrm>
+          <a:off x="0" y="0"/>
+          <a:ext cx="0" cy="0"/>
+          <a:chOff x="0" y="0"/>
+          <a:chExt cx="0" cy="0"/>
+        </a:xfrm>
+      </p:grpSpPr>
+      <p:sp>
+        <p:nvSpPr>
+          <p:cNvPr id="2" name="Titre 1"/>
+          <p:cNvSpPr>
+            <a:spLocks noGrp="1"/>
+          </p:cNvSpPr>
+          <p:nvPr>
+            <p:ph type="title"/>
+          </p:nvPr>
+        </p:nvSpPr>
+        <p:spPr/>
+        <p:txBody>
+          <a:bodyPr/>
+          <a:lstStyle/>
+          <a:p>
+            <a:r>
+              <a:rPr lang="fr-CH" b="1" dirty="0" smtClean="0">
+                <a:effectLst>
+                  <a:outerShdw blurRad="38100" dist="38100" dir="2700000" algn="tl">
+                    <a:srgbClr val="000000">
+                      <a:alpha val="43137"/>
+                    </a:srgbClr>
+                  </a:outerShdw>
+                </a:effectLst>
+              </a:rPr>
+              <a:t>Résultat final</a:t>
+            </a:r>
+            <a:endParaRPr lang="fr-CH" b="1" dirty="0">
+              <a:effectLst>
+                <a:outerShdw blurRad="38100" dist="38100" dir="2700000" algn="tl">
+                  <a:srgbClr val="000000">
+                    <a:alpha val="43137"/>
+                  </a:srgbClr>
+                </a:outerShdw>
+              </a:effectLst>
+            </a:endParaRPr>
+          </a:p>
+        </p:txBody>
+      </p:sp>
+      <p:sp>
+        <p:nvSpPr>
+          <p:cNvPr id="3" name="Espace réservé du contenu 2"/>
+          <p:cNvSpPr>
+            <a:spLocks noGrp="1"/>
+          </p:cNvSpPr>
+          <p:nvPr>
+            <p:ph idx="1"/>
+          </p:nvPr>
+        </p:nvSpPr>
+        <p:spPr>
+          <a:xfrm>
+            <a:off x="646111" y="1152983"/>
+            <a:ext cx="8946541" cy="4195481"/>
+          </a:xfrm>
+        </p:spPr>
+        <p:txBody>
+          <a:bodyPr>
+            <a:normAutofit/>
+          </a:bodyPr>
+          <a:lstStyle/>
+          <a:p>
+            <a:pPr marL="0" indent="0">
+              <a:buNone/>
+            </a:pPr>
+            <a:r>
+              <a:rPr lang="fr-CH" sz="2800" b="1" dirty="0" smtClean="0">
+                <a:effectLst>
+                  <a:outerShdw blurRad="38100" dist="38100" dir="2700000" algn="tl">
+                    <a:srgbClr val="000000">
+                      <a:alpha val="43137"/>
+                    </a:srgbClr>
+                  </a:outerShdw>
+                </a:effectLst>
+              </a:rPr>
+              <a:t>Un site pour réviser ses tables de multiplications qui est fonctionnel et disponible en ligne</a:t>
+            </a:r>
+          </a:p>
+          <a:p>
+            <a:pPr marL="0" indent="0">
+              <a:buNone/>
+            </a:pPr>
+            <a:r>
+              <a:rPr lang="fr-CH" sz="2800" b="1" dirty="0" smtClean="0">
+                <a:effectLst>
+                  <a:outerShdw blurRad="38100" dist="38100" dir="2700000" algn="tl">
+                    <a:srgbClr val="000000">
+                      <a:alpha val="43137"/>
+                    </a:srgbClr>
+                  </a:outerShdw>
+                </a:effectLst>
+              </a:rPr>
+              <a:t>Avec un léger bug dans le CSV... Parlons-en!</a:t>
+            </a:r>
+            <a:endParaRPr lang="fr-CH" sz="2800" b="1" dirty="0">
+              <a:effectLst>
+                <a:outerShdw blurRad="38100" dist="38100" dir="2700000" algn="tl">
+                  <a:srgbClr val="000000">
+                    <a:alpha val="43137"/>
+                  </a:srgbClr>
+                </a:outerShdw>
+              </a:effectLst>
+            </a:endParaRPr>
+          </a:p>
+        </p:txBody>
+      </p:sp>
+      <p:pic>
+        <p:nvPicPr>
+          <p:cNvPr id="5" name="Image 4"/>
+          <p:cNvPicPr>
+            <a:picLocks noChangeAspect="1"/>
+          </p:cNvPicPr>
+          <p:nvPr/>
+        </p:nvPicPr>
+        <p:blipFill>
+          <a:blip r:embed="rId2"/>
+          <a:stretch>
+            <a:fillRect/>
+          </a:stretch>
+        </p:blipFill>
+        <p:spPr>
+          <a:xfrm>
+            <a:off x="2941688" y="2901607"/>
+            <a:ext cx="5903192" cy="2732056"/>
+          </a:xfrm>
+          <a:prstGeom prst="roundRect">
+            <a:avLst>
+              <a:gd name="adj" fmla="val 11111"/>
+            </a:avLst>
+          </a:prstGeom>
+          <a:ln w="190500" cap="rnd">
+            <a:solidFill>
+              <a:schemeClr val="bg1"/>
+            </a:solidFill>
+            <a:prstDash val="solid"/>
+          </a:ln>
+          <a:effectLst>
+            <a:outerShdw blurRad="101600" dist="50800" dir="7200000" algn="tl" rotWithShape="0">
+              <a:srgbClr val="000000">
+                <a:alpha val="45000"/>
+              </a:srgbClr>
+            </a:outerShdw>
+          </a:effectLst>
+          <a:scene3d>
+            <a:camera prst="perspectiveFront" fov="5400000"/>
+            <a:lightRig rig="threePt" dir="t">
+              <a:rot lat="0" lon="0" rev="19200000"/>
+            </a:lightRig>
+          </a:scene3d>
+          <a:sp3d extrusionH="25400">
+            <a:bevelT w="304800" h="152400" prst="hardEdge"/>
+            <a:extrusionClr>
+              <a:srgbClr val="FFFFFF"/>
+            </a:extrusionClr>
+          </a:sp3d>
+        </p:spPr>
+      </p:pic>
+      <p:sp>
+        <p:nvSpPr>
+          <p:cNvPr id="6" name="Espace réservé du numéro de diapositive 5"/>
+          <p:cNvSpPr>
+            <a:spLocks noGrp="1"/>
+          </p:cNvSpPr>
+          <p:nvPr>
+            <p:ph type="sldNum" sz="quarter" idx="12"/>
+          </p:nvPr>
+        </p:nvSpPr>
+        <p:spPr/>
+        <p:txBody>
+          <a:bodyPr/>
+          <a:lstStyle/>
+          <a:p>
+            <a:r>
+              <a:rPr lang="en-US" sz="1900" dirty="0" smtClean="0">
+                <a:effectLst>
+                  <a:outerShdw blurRad="38100" dist="38100" dir="2700000" algn="tl">
+                    <a:srgbClr val="000000">
+                      <a:alpha val="43137"/>
+                    </a:srgbClr>
+                  </a:outerShdw>
+                </a:effectLst>
+              </a:rPr>
+              <a:t>8</a:t>
+            </a:r>
+            <a:fld id="{D57F1E4F-1CFF-5643-939E-02111984F565}" type="slidenum">
+              <a:rPr lang="en-US" sz="1900" smtClean="0">
+                <a:effectLst>
+                  <a:outerShdw blurRad="38100" dist="38100" dir="2700000" algn="tl">
+                    <a:srgbClr val="000000">
+                      <a:alpha val="43137"/>
+                    </a:srgbClr>
+                  </a:outerShdw>
+                </a:effectLst>
+              </a:rPr>
+              <a:t>7</a:t>
+            </a:fld>
+            <a:r>
+              <a:rPr lang="en-US" sz="1900" dirty="0" smtClean="0">
+                <a:effectLst>
+                  <a:outerShdw blurRad="38100" dist="38100" dir="2700000" algn="tl">
+                    <a:srgbClr val="000000">
+                      <a:alpha val="43137"/>
+                    </a:srgbClr>
+                  </a:outerShdw>
+                </a:effectLst>
+              </a:rPr>
+              <a:t>.5%</a:t>
+            </a:r>
+            <a:endParaRPr lang="en-US" sz="1900" dirty="0">
+              <a:effectLst>
+                <a:outerShdw blurRad="38100" dist="38100" dir="2700000" algn="tl">
+                  <a:srgbClr val="000000">
+                    <a:alpha val="43137"/>
+                  </a:srgbClr>
+                </a:outerShdw>
+              </a:effectLst>
+            </a:endParaRPr>
+          </a:p>
+        </p:txBody>
+      </p:sp>
+    </p:spTree>
+    <p:extLst>
+      <p:ext uri="{BB962C8B-B14F-4D97-AF65-F5344CB8AC3E}">
+        <p14:creationId xmlns:p14="http://schemas.microsoft.com/office/powerpoint/2010/main" val="2468889966"/>
+      </p:ext>
+    </p:extLst>
+  </p:cSld>
+  <p:clrMapOvr>
+    <a:masterClrMapping/>
+  </p:clrMapOvr>
+  <mc:AlternateContent xmlns:mc="http://schemas.openxmlformats.org/markup-compatibility/2006" xmlns:p14="http://schemas.microsoft.com/office/powerpoint/2010/main">
+    <mc:Choice Requires="p14">
+      <p:transition spd="med" p14:dur="700">
+        <p:fade/>
+      </p:transition>
+    </mc:Choice>
+    <mc:Fallback xmlns="">
+      <p:transition spd="med">
+        <p:fade/>
+      </p:transition>
+    </mc:Fallback>
+  </mc:AlternateContent>
+  <p:timing>
+    <p:tnLst>
+      <p:par>
+        <p:cTn id="1" dur="indefinite" restart="never" nodeType="tmRoot">
+          <p:childTnLst>
+            <p:seq concurrent="1" nextAc="seek">
+              <p:cTn id="2" dur="indefinite" nodeType="mainSeq">
+                <p:childTnLst>
+                  <p:par>
+                    <p:cTn id="3" fill="hold">
+                      <p:stCondLst>
+                        <p:cond delay="indefinite"/>
+                        <p:cond evt="onBegin" delay="0">
+                          <p:tn val="2"/>
+                        </p:cond>
+                      </p:stCondLst>
+                      <p:childTnLst>
+                        <p:par>
+                          <p:cTn id="4" fill="hold">
+                            <p:stCondLst>
+                              <p:cond delay="0"/>
+                            </p:stCondLst>
+                            <p:childTnLst>
+                              <p:par>
+                                <p:cTn id="5" presetID="53" presetClass="entr" presetSubtype="16" fill="hold" nodeType="withEffect">
+                                  <p:stCondLst>
+                                    <p:cond delay="0"/>
+                                  </p:stCondLst>
+                                  <p:childTnLst>
+                                    <p:set>
+                                      <p:cBhvr>
+                                        <p:cTn id="6" dur="1" fill="hold">
+                                          <p:stCondLst>
+                                            <p:cond delay="0"/>
+                                          </p:stCondLst>
+                                        </p:cTn>
+                                        <p:tgtEl>
+                                          <p:spTgt spid="5"/>
+                                        </p:tgtEl>
+                                        <p:attrNameLst>
+                                          <p:attrName>style.visibility</p:attrName>
+                                        </p:attrNameLst>
+                                      </p:cBhvr>
+                                      <p:to>
+                                        <p:strVal val="visible"/>
+                                      </p:to>
+                                    </p:set>
+                                    <p:anim calcmode="lin" valueType="num">
+                                      <p:cBhvr>
+                                        <p:cTn id="7" dur="500" fill="hold"/>
+                                        <p:tgtEl>
+                                          <p:spTgt spid="5"/>
+                                        </p:tgtEl>
+                                        <p:attrNameLst>
+                                          <p:attrName>ppt_w</p:attrName>
+                                        </p:attrNameLst>
+                                      </p:cBhvr>
+                                      <p:tavLst>
+                                        <p:tav tm="0">
+                                          <p:val>
+                                            <p:fltVal val="0"/>
+                                          </p:val>
+                                        </p:tav>
+                                        <p:tav tm="100000">
+                                          <p:val>
+                                            <p:strVal val="#ppt_w"/>
+                                          </p:val>
+                                        </p:tav>
+                                      </p:tavLst>
+                                    </p:anim>
+                                    <p:anim calcmode="lin" valueType="num">
+                                      <p:cBhvr>
+                                        <p:cTn id="8" dur="500" fill="hold"/>
+                                        <p:tgtEl>
+                                          <p:spTgt spid="5"/>
+                                        </p:tgtEl>
+                                        <p:attrNameLst>
+                                          <p:attrName>ppt_h</p:attrName>
+                                        </p:attrNameLst>
+                                      </p:cBhvr>
+                                      <p:tavLst>
+                                        <p:tav tm="0">
+                                          <p:val>
+                                            <p:fltVal val="0"/>
+                                          </p:val>
+                                        </p:tav>
+                                        <p:tav tm="100000">
+                                          <p:val>
+                                            <p:strVal val="#ppt_h"/>
+                                          </p:val>
+                                        </p:tav>
+                                      </p:tavLst>
+                                    </p:anim>
+                                    <p:animEffect transition="in" filter="fade">
+                                      <p:cBhvr>
+                                        <p:cTn id="9" dur="500"/>
+                                        <p:tgtEl>
+                                          <p:spTgt spid="5"/>
+                                        </p:tgtEl>
+                                      </p:cBhvr>
+                                    </p:animEffect>
+                                  </p:childTnLst>
+                                </p:cTn>
+                              </p:par>
+                            </p:childTnLst>
+                          </p:cTn>
+                        </p:par>
+                      </p:childTnLst>
+                    </p:cTn>
+                  </p:par>
+                </p:childTnLst>
+              </p:cTn>
+              <p:prevCondLst>
+                <p:cond evt="onPrev" delay="0">
+                  <p:tgtEl>
+                    <p:sldTgt/>
+                  </p:tgtEl>
+                </p:cond>
+              </p:prevCondLst>
+              <p:nextCondLst>
+                <p:cond evt="onNext" delay="0">
+                  <p:tgtEl>
+                    <p:sldTgt/>
+                  </p:tgtEl>
+                </p:cond>
+              </p:nextCondLst>
+            </p:seq>
+          </p:childTnLst>
+        </p:cTn>
+      </p:par>
+    </p:tnLst>
+  </p:timing>
+</p:sld>
+</file>
+
+<file path=ppt/slides/slide8.xml><?xml version="1.0" encoding="utf-8"?>
+<p:sld xmlns:a="http://schemas.openxmlformats.org/drawingml/2006/main" xmlns:r="http://schemas.openxmlformats.org/officeDocument/2006/relationships" xmlns:p="http://schemas.openxmlformats.org/presentationml/2006/main">
+  <p:cSld>
+    <p:spTree>
+      <p:nvGrpSpPr>
+        <p:cNvPr id="1" name=""/>
+        <p:cNvGrpSpPr/>
+        <p:nvPr/>
+      </p:nvGrpSpPr>
+      <p:grpSpPr>
+        <a:xfrm>
+          <a:off x="0" y="0"/>
+          <a:ext cx="0" cy="0"/>
+          <a:chOff x="0" y="0"/>
+          <a:chExt cx="0" cy="0"/>
+        </a:xfrm>
+      </p:grpSpPr>
+      <p:sp>
+        <p:nvSpPr>
+          <p:cNvPr id="2" name="Titre 1"/>
+          <p:cNvSpPr>
+            <a:spLocks noGrp="1"/>
+          </p:cNvSpPr>
+          <p:nvPr>
+            <p:ph type="title"/>
+          </p:nvPr>
+        </p:nvSpPr>
+        <p:spPr/>
+        <p:txBody>
+          <a:bodyPr/>
+          <a:lstStyle/>
+          <a:p>
+            <a:r>
+              <a:rPr lang="fr-CH" b="1" dirty="0" smtClean="0">
+                <a:effectLst>
+                  <a:outerShdw blurRad="38100" dist="38100" dir="2700000" algn="tl">
+                    <a:srgbClr val="000000">
+                      <a:alpha val="43137"/>
+                    </a:srgbClr>
+                  </a:outerShdw>
+                </a:effectLst>
+              </a:rPr>
+              <a:t>Questions?</a:t>
+            </a:r>
+            <a:endParaRPr lang="fr-CH" b="1" dirty="0">
+              <a:effectLst>
+                <a:outerShdw blurRad="38100" dist="38100" dir="2700000" algn="tl">
+                  <a:srgbClr val="000000">
+                    <a:alpha val="43137"/>
+                  </a:srgbClr>
+                </a:outerShdw>
+              </a:effectLst>
+            </a:endParaRPr>
+          </a:p>
+        </p:txBody>
+      </p:sp>
+      <p:pic>
+        <p:nvPicPr>
+          <p:cNvPr id="4" name="Image 3"/>
+          <p:cNvPicPr>
+            <a:picLocks noChangeAspect="1"/>
+          </p:cNvPicPr>
+          <p:nvPr/>
+        </p:nvPicPr>
+        <p:blipFill rotWithShape="1">
+          <a:blip r:embed="rId2"/>
+          <a:srcRect r="2028"/>
+          <a:stretch/>
+        </p:blipFill>
+        <p:spPr>
+          <a:xfrm>
+            <a:off x="2426700" y="1853248"/>
+            <a:ext cx="7162143" cy="4120978"/>
+          </a:xfrm>
+          <a:prstGeom prst="roundRect">
+            <a:avLst>
+              <a:gd name="adj" fmla="val 11111"/>
+            </a:avLst>
+          </a:prstGeom>
+          <a:ln w="190500" cap="rnd">
+            <a:solidFill>
+              <a:schemeClr val="bg1"/>
+            </a:solidFill>
+            <a:prstDash val="solid"/>
+          </a:ln>
+          <a:effectLst>
+            <a:outerShdw blurRad="101600" dist="50800" dir="7200000" algn="tl" rotWithShape="0">
+              <a:srgbClr val="000000">
+                <a:alpha val="45000"/>
+              </a:srgbClr>
+            </a:outerShdw>
+          </a:effectLst>
+          <a:scene3d>
+            <a:camera prst="perspectiveFront" fov="5400000"/>
+            <a:lightRig rig="threePt" dir="t">
+              <a:rot lat="0" lon="0" rev="19200000"/>
+            </a:lightRig>
+          </a:scene3d>
+          <a:sp3d extrusionH="25400">
+            <a:bevelT w="304800" h="152400" prst="hardEdge"/>
+            <a:extrusionClr>
+              <a:srgbClr val="FFFFFF"/>
+            </a:extrusionClr>
+          </a:sp3d>
+        </p:spPr>
+      </p:pic>
+      <p:sp>
+        <p:nvSpPr>
+          <p:cNvPr id="5" name="Espace réservé du numéro de diapositive 4"/>
+          <p:cNvSpPr>
+            <a:spLocks noGrp="1"/>
+          </p:cNvSpPr>
+          <p:nvPr>
+            <p:ph type="sldNum" sz="quarter" idx="12"/>
+          </p:nvPr>
+        </p:nvSpPr>
+        <p:spPr/>
+        <p:txBody>
+          <a:bodyPr/>
+          <a:lstStyle/>
+          <a:p>
+            <a:r>
+              <a:rPr lang="en-US" sz="1900" dirty="0" smtClean="0">
+                <a:effectLst>
+                  <a:outerShdw blurRad="38100" dist="38100" dir="2700000" algn="tl">
+                    <a:srgbClr val="000000">
+                      <a:alpha val="43137"/>
+                    </a:srgbClr>
+                  </a:outerShdw>
+                </a:effectLst>
+              </a:rPr>
+              <a:t>100%</a:t>
+            </a:r>
+            <a:endParaRPr lang="en-US" sz="1900" dirty="0">
+              <a:effectLst>
+                <a:outerShdw blurRad="38100" dist="38100" dir="2700000" algn="tl">
+                  <a:srgbClr val="000000">
+                    <a:alpha val="43137"/>
+                  </a:srgbClr>
+                </a:outerShdw>
+              </a:effectLst>
+            </a:endParaRPr>
+          </a:p>
+        </p:txBody>
+      </p:sp>
+    </p:spTree>
+    <p:extLst>
+      <p:ext uri="{BB962C8B-B14F-4D97-AF65-F5344CB8AC3E}">
+        <p14:creationId xmlns:p14="http://schemas.microsoft.com/office/powerpoint/2010/main" val="2623829274"/>
+      </p:ext>
+    </p:extLst>
+  </p:cSld>
+  <p:clrMapOvr>
+    <a:masterClrMapping/>
+  </p:clrMapOvr>
+  <mc:AlternateContent xmlns:mc="http://schemas.openxmlformats.org/markup-compatibility/2006" xmlns:p14="http://schemas.microsoft.com/office/powerpoint/2010/main">
+    <mc:Choice Requires="p14">
+      <p:transition spd="med" p14:dur="700">
+        <p:fade/>
+      </p:transition>
+    </mc:Choice>
+    <mc:Fallback xmlns="">
+      <p:transition spd="med">
+        <p:fade/>
+      </p:transition>
+    </mc:Fallback>
+  </mc:AlternateContent>
+  <p:timing>
+    <p:tnLst>
+      <p:par>
+        <p:cTn id="1" dur="indefinite" restart="never" nodeType="tmRoot">
+          <p:childTnLst>
+            <p:seq concurrent="1" nextAc="seek">
+              <p:cTn id="2" dur="indefinite" nodeType="mainSeq">
+                <p:childTnLst>
+                  <p:par>
+                    <p:cTn id="3" fill="hold">
+                      <p:stCondLst>
+                        <p:cond delay="indefinite"/>
+                        <p:cond evt="onBegin" delay="0">
+                          <p:tn val="2"/>
+                        </p:cond>
+                      </p:stCondLst>
+                      <p:childTnLst>
+                        <p:par>
+                          <p:cTn id="4" fill="hold">
+                            <p:stCondLst>
+                              <p:cond delay="0"/>
+                            </p:stCondLst>
+                            <p:childTnLst>
+                              <p:par>
+                                <p:cTn id="5" presetID="2" presetClass="entr" presetSubtype="4" fill="hold" nodeType="withEffect">
+                                  <p:stCondLst>
+                                    <p:cond delay="0"/>
+                                  </p:stCondLst>
+                                  <p:childTnLst>
+                                    <p:set>
+                                      <p:cBhvr>
+                                        <p:cTn id="6" dur="1" fill="hold">
+                                          <p:stCondLst>
+                                            <p:cond delay="0"/>
+                                          </p:stCondLst>
+                                        </p:cTn>
+                                        <p:tgtEl>
+                                          <p:spTgt spid="4"/>
+                                        </p:tgtEl>
+                                        <p:attrNameLst>
+                                          <p:attrName>style.visibility</p:attrName>
+                                        </p:attrNameLst>
+                                      </p:cBhvr>
+                                      <p:to>
+                                        <p:strVal val="visible"/>
+                                      </p:to>
+                                    </p:set>
+                                    <p:anim calcmode="lin" valueType="num">
+                                      <p:cBhvr additive="base">
+                                        <p:cTn id="7" dur="500" fill="hold"/>
+                                        <p:tgtEl>
+                                          <p:spTgt spid="4"/>
+                                        </p:tgtEl>
+                                        <p:attrNameLst>
+                                          <p:attrName>ppt_x</p:attrName>
+                                        </p:attrNameLst>
+                                      </p:cBhvr>
+                                      <p:tavLst>
+                                        <p:tav tm="0">
+                                          <p:val>
+                                            <p:strVal val="#ppt_x"/>
+                                          </p:val>
+                                        </p:tav>
+                                        <p:tav tm="100000">
+                                          <p:val>
+                                            <p:strVal val="#ppt_x"/>
+                                          </p:val>
+                                        </p:tav>
+                                      </p:tavLst>
+                                    </p:anim>
+                                    <p:anim calcmode="lin" valueType="num">
+                                      <p:cBhvr additive="base">
+                                        <p:cTn id="8" dur="500" fill="hold"/>
+                                        <p:tgtEl>
+                                          <p:spTgt spid="4"/>
+                                        </p:tgtEl>
+                                        <p:attrNameLst>
+                                          <p:attrName>ppt_y</p:attrName>
+                                        </p:attrNameLst>
+                                      </p:cBhvr>
+                                      <p:tavLst>
+                                        <p:tav tm="0">
+                                          <p:val>
+                                            <p:strVal val="1+#ppt_h/2"/>
+                                          </p:val>
+                                        </p:tav>
+                                        <p:tav tm="100000">
+                                          <p:val>
+                                            <p:strVal val="#ppt_y"/>
+                                          </p:val>
+                                        </p:tav>
+                                      </p:tavLst>
+                                    </p:anim>
+                                  </p:childTnLst>
+                                </p:cTn>
+                              </p:par>
+                            </p:childTnLst>
+                          </p:cTn>
+                        </p:par>
+                      </p:childTnLst>
+                    </p:cTn>
+                  </p:par>
+                </p:childTnLst>
+              </p:cTn>
+              <p:prevCondLst>
+                <p:cond evt="onPrev" delay="0">
+                  <p:tgtEl>
+                    <p:sldTgt/>
+                  </p:tgtEl>
+                </p:cond>
+              </p:prevCondLst>
+              <p:nextCondLst>
+                <p:cond evt="onNext" delay="0">
+                  <p:tgtEl>
+                    <p:sldTgt/>
+                  </p:tgtEl>
+                </p:cond>
+              </p:nextCondLst>
+            </p:seq>
+          </p:childTnLst>
+        </p:cTn>
+      </p:par>
+    </p:tnLst>
+  </p:timing>
+</p:sld>
+</file>
+
 <file path=ppt/theme/theme1.xml><?xml version="1.0" encoding="utf-8"?>
 <a:theme xmlns:a="http://schemas.openxmlformats.org/drawingml/2006/main" name="Ion">
   <a:themeElements>
-    <a:clrScheme name="Personnalisé 7">
+    <a:clrScheme name="Personnalisé 18">
       <a:dk1>
         <a:sysClr val="windowText" lastClr="000000"/>
       </a:dk1>
@@ -6350,7 +9828,7 @@
         <a:srgbClr val="EBEBEB"/>
       </a:lt2>
       <a:accent1>
-        <a:srgbClr val="17D4ED"/>
+        <a:srgbClr val="0E9EB2"/>
       </a:accent1>
       <a:accent2>
         <a:srgbClr val="E6C133"/>
@@ -6596,4 +10074,265 @@
     </a:ext>
   </a:extLst>
 </a:theme>
+</file>
+
+<file path=ppt/theme/theme2.xml><?xml version="1.0" encoding="utf-8"?>
+<a:theme xmlns:a="http://schemas.openxmlformats.org/drawingml/2006/main" name="Thème Office">
+  <a:themeElements>
+    <a:clrScheme name="Office">
+      <a:dk1>
+        <a:sysClr val="windowText" lastClr="000000"/>
+      </a:dk1>
+      <a:lt1>
+        <a:sysClr val="window" lastClr="FFFFFF"/>
+      </a:lt1>
+      <a:dk2>
+        <a:srgbClr val="44546A"/>
+      </a:dk2>
+      <a:lt2>
+        <a:srgbClr val="E7E6E6"/>
+      </a:lt2>
+      <a:accent1>
+        <a:srgbClr val="5B9BD5"/>
+      </a:accent1>
+      <a:accent2>
+        <a:srgbClr val="ED7D31"/>
+      </a:accent2>
+      <a:accent3>
+        <a:srgbClr val="A5A5A5"/>
+      </a:accent3>
+      <a:accent4>
+        <a:srgbClr val="FFC000"/>
+      </a:accent4>
+      <a:accent5>
+        <a:srgbClr val="4472C4"/>
+      </a:accent5>
+      <a:accent6>
+        <a:srgbClr val="70AD47"/>
+      </a:accent6>
+      <a:hlink>
+        <a:srgbClr val="0563C1"/>
+      </a:hlink>
+      <a:folHlink>
+        <a:srgbClr val="954F72"/>
+      </a:folHlink>
+    </a:clrScheme>
+    <a:fontScheme name="Office">
+      <a:majorFont>
+        <a:latin typeface="Calibri Light" panose="020F0302020204030204"/>
+        <a:ea typeface=""/>
+        <a:cs typeface=""/>
+        <a:font script="Jpan" typeface="游ゴシック Light"/>
+        <a:font script="Hang" typeface="맑은 고딕"/>
+        <a:font script="Hans" typeface="等线 Light"/>
+        <a:font script="Hant" typeface="新細明體"/>
+        <a:font script="Arab" typeface="Times New Roman"/>
+        <a:font script="Hebr" typeface="Times New Roman"/>
+        <a:font script="Thai" typeface="Angsana New"/>
+        <a:font script="Ethi" typeface="Nyala"/>
+        <a:font script="Beng" typeface="Vrinda"/>
+        <a:font script="Gujr" typeface="Shruti"/>
+        <a:font script="Khmr" typeface="MoolBoran"/>
+        <a:font script="Knda" typeface="Tunga"/>
+        <a:font script="Guru" typeface="Raavi"/>
+        <a:font script="Cans" typeface="Euphemia"/>
+        <a:font script="Cher" typeface="Plantagenet Cherokee"/>
+        <a:font script="Yiii" typeface="Microsoft Yi Baiti"/>
+        <a:font script="Tibt" typeface="Microsoft Himalaya"/>
+        <a:font script="Thaa" typeface="MV Boli"/>
+        <a:font script="Deva" typeface="Mangal"/>
+        <a:font script="Telu" typeface="Gautami"/>
+        <a:font script="Taml" typeface="Latha"/>
+        <a:font script="Syrc" typeface="Estrangelo Edessa"/>
+        <a:font script="Orya" typeface="Kalinga"/>
+        <a:font script="Mlym" typeface="Kartika"/>
+        <a:font script="Laoo" typeface="DokChampa"/>
+        <a:font script="Sinh" typeface="Iskoola Pota"/>
+        <a:font script="Mong" typeface="Mongolian Baiti"/>
+        <a:font script="Viet" typeface="Times New Roman"/>
+        <a:font script="Uigh" typeface="Microsoft Uighur"/>
+        <a:font script="Geor" typeface="Sylfaen"/>
+      </a:majorFont>
+      <a:minorFont>
+        <a:latin typeface="Calibri" panose="020F0502020204030204"/>
+        <a:ea typeface=""/>
+        <a:cs typeface=""/>
+        <a:font script="Jpan" typeface="游ゴシック"/>
+        <a:font script="Hang" typeface="맑은 고딕"/>
+        <a:font script="Hans" typeface="等线"/>
+        <a:font script="Hant" typeface="新細明體"/>
+        <a:font script="Arab" typeface="Arial"/>
+        <a:font script="Hebr" typeface="Arial"/>
+        <a:font script="Thai" typeface="Cordia New"/>
+        <a:font script="Ethi" typeface="Nyala"/>
+        <a:font script="Beng" typeface="Vrinda"/>
+        <a:font script="Gujr" typeface="Shruti"/>
+        <a:font script="Khmr" typeface="DaunPenh"/>
+        <a:font script="Knda" typeface="Tunga"/>
+        <a:font script="Guru" typeface="Raavi"/>
+        <a:font script="Cans" typeface="Euphemia"/>
+        <a:font script="Cher" typeface="Plantagenet Cherokee"/>
+        <a:font script="Yiii" typeface="Microsoft Yi Baiti"/>
+        <a:font script="Tibt" typeface="Microsoft Himalaya"/>
+        <a:font script="Thaa" typeface="MV Boli"/>
+        <a:font script="Deva" typeface="Mangal"/>
+        <a:font script="Telu" typeface="Gautami"/>
+        <a:font script="Taml" typeface="Latha"/>
+        <a:font script="Syrc" typeface="Estrangelo Edessa"/>
+        <a:font script="Orya" typeface="Kalinga"/>
+        <a:font script="Mlym" typeface="Kartika"/>
+        <a:font script="Laoo" typeface="DokChampa"/>
+        <a:font script="Sinh" typeface="Iskoola Pota"/>
+        <a:font script="Mong" typeface="Mongolian Baiti"/>
+        <a:font script="Viet" typeface="Arial"/>
+        <a:font script="Uigh" typeface="Microsoft Uighur"/>
+        <a:font script="Geor" typeface="Sylfaen"/>
+      </a:minorFont>
+    </a:fontScheme>
+    <a:fmtScheme name="Office">
+      <a:fillStyleLst>
+        <a:solidFill>
+          <a:schemeClr val="phClr"/>
+        </a:solidFill>
+        <a:gradFill rotWithShape="1">
+          <a:gsLst>
+            <a:gs pos="0">
+              <a:schemeClr val="phClr">
+                <a:lumMod val="110000"/>
+                <a:satMod val="105000"/>
+                <a:tint val="67000"/>
+              </a:schemeClr>
+            </a:gs>
+            <a:gs pos="50000">
+              <a:schemeClr val="phClr">
+                <a:lumMod val="105000"/>
+                <a:satMod val="103000"/>
+                <a:tint val="73000"/>
+              </a:schemeClr>
+            </a:gs>
+            <a:gs pos="100000">
+              <a:schemeClr val="phClr">
+                <a:lumMod val="105000"/>
+                <a:satMod val="109000"/>
+                <a:tint val="81000"/>
+              </a:schemeClr>
+            </a:gs>
+          </a:gsLst>
+          <a:lin ang="5400000" scaled="0"/>
+        </a:gradFill>
+        <a:gradFill rotWithShape="1">
+          <a:gsLst>
+            <a:gs pos="0">
+              <a:schemeClr val="phClr">
+                <a:satMod val="103000"/>
+                <a:lumMod val="102000"/>
+                <a:tint val="94000"/>
+              </a:schemeClr>
+            </a:gs>
+            <a:gs pos="50000">
+              <a:schemeClr val="phClr">
+                <a:satMod val="110000"/>
+                <a:lumMod val="100000"/>
+                <a:shade val="100000"/>
+              </a:schemeClr>
+            </a:gs>
+            <a:gs pos="100000">
+              <a:schemeClr val="phClr">
+                <a:lumMod val="99000"/>
+                <a:satMod val="120000"/>
+                <a:shade val="78000"/>
+              </a:schemeClr>
+            </a:gs>
+          </a:gsLst>
+          <a:lin ang="5400000" scaled="0"/>
+        </a:gradFill>
+      </a:fillStyleLst>
+      <a:lnStyleLst>
+        <a:ln w="6350" cap="flat" cmpd="sng" algn="ctr">
+          <a:solidFill>
+            <a:schemeClr val="phClr"/>
+          </a:solidFill>
+          <a:prstDash val="solid"/>
+          <a:miter lim="800000"/>
+        </a:ln>
+        <a:ln w="12700" cap="flat" cmpd="sng" algn="ctr">
+          <a:solidFill>
+            <a:schemeClr val="phClr"/>
+          </a:solidFill>
+          <a:prstDash val="solid"/>
+          <a:miter lim="800000"/>
+        </a:ln>
+        <a:ln w="19050" cap="flat" cmpd="sng" algn="ctr">
+          <a:solidFill>
+            <a:schemeClr val="phClr"/>
+          </a:solidFill>
+          <a:prstDash val="solid"/>
+          <a:miter lim="800000"/>
+        </a:ln>
+      </a:lnStyleLst>
+      <a:effectStyleLst>
+        <a:effectStyle>
+          <a:effectLst/>
+        </a:effectStyle>
+        <a:effectStyle>
+          <a:effectLst/>
+        </a:effectStyle>
+        <a:effectStyle>
+          <a:effectLst>
+            <a:outerShdw blurRad="57150" dist="19050" dir="5400000" algn="ctr" rotWithShape="0">
+              <a:srgbClr val="000000">
+                <a:alpha val="63000"/>
+              </a:srgbClr>
+            </a:outerShdw>
+          </a:effectLst>
+        </a:effectStyle>
+      </a:effectStyleLst>
+      <a:bgFillStyleLst>
+        <a:solidFill>
+          <a:schemeClr val="phClr"/>
+        </a:solidFill>
+        <a:solidFill>
+          <a:schemeClr val="phClr">
+            <a:tint val="95000"/>
+            <a:satMod val="170000"/>
+          </a:schemeClr>
+        </a:solidFill>
+        <a:gradFill rotWithShape="1">
+          <a:gsLst>
+            <a:gs pos="0">
+              <a:schemeClr val="phClr">
+                <a:tint val="93000"/>
+                <a:satMod val="150000"/>
+                <a:shade val="98000"/>
+                <a:lumMod val="102000"/>
+              </a:schemeClr>
+            </a:gs>
+            <a:gs pos="50000">
+              <a:schemeClr val="phClr">
+                <a:tint val="98000"/>
+                <a:satMod val="130000"/>
+                <a:shade val="90000"/>
+                <a:lumMod val="103000"/>
+              </a:schemeClr>
+            </a:gs>
+            <a:gs pos="100000">
+              <a:schemeClr val="phClr">
+                <a:shade val="63000"/>
+                <a:satMod val="120000"/>
+              </a:schemeClr>
+            </a:gs>
+          </a:gsLst>
+          <a:lin ang="5400000" scaled="0"/>
+        </a:gradFill>
+      </a:bgFillStyleLst>
+    </a:fmtScheme>
+  </a:themeElements>
+  <a:objectDefaults/>
+  <a:extraClrSchemeLst/>
+  <a:extLst>
+    <a:ext uri="{05A4C25C-085E-4340-85A3-A5531E510DB2}">
+      <thm15:themeFamily xmlns:thm15="http://schemas.microsoft.com/office/thememl/2012/main" name="Office Theme" id="{62F939B6-93AF-4DB8-9C6B-D6C7DFDC589F}" vid="{4A3C46E8-61CC-4603-A589-7422A47A8E4A}"/>
+    </a:ext>
+  </a:extLst>
+</a:theme>
 </file>
--- a/TPI_Multiplix_presentation.pptx
+++ b/TPI_Multiplix_presentation.pptx
@@ -204,7 +204,7 @@
           <a:p>
             <a:fld id="{7FC9F656-4C67-4261-B370-ABFB3D17CADF}" type="datetimeFigureOut">
               <a:rPr lang="fr-CH" smtClean="0"/>
-              <a:t>12.06.2018</a:t>
+              <a:t>13.06.2018</a:t>
             </a:fld>
             <a:endParaRPr lang="fr-CH"/>
           </a:p>
@@ -655,7 +655,7 @@
           <a:p>
             <a:fld id="{FFF0991E-5E8F-43C1-8D1C-A04ED8953258}" type="datetime1">
               <a:rPr lang="en-US" smtClean="0"/>
-              <a:t>6/12/2018</a:t>
+              <a:t>6/13/2018</a:t>
             </a:fld>
             <a:endParaRPr lang="en-US" dirty="0"/>
           </a:p>
@@ -925,7 +925,7 @@
           <a:p>
             <a:fld id="{325C51C2-FF63-4C32-81C9-33709F656F5E}" type="datetime1">
               <a:rPr lang="en-US" smtClean="0"/>
-              <a:t>6/12/2018</a:t>
+              <a:t>6/13/2018</a:t>
             </a:fld>
             <a:endParaRPr lang="en-US" dirty="0"/>
           </a:p>
@@ -1114,7 +1114,7 @@
           <a:p>
             <a:fld id="{7BDFCF69-58ED-4A23-8590-FC3609A014EE}" type="datetime1">
               <a:rPr lang="en-US" smtClean="0"/>
-              <a:t>6/12/2018</a:t>
+              <a:t>6/13/2018</a:t>
             </a:fld>
             <a:endParaRPr lang="en-US" dirty="0"/>
           </a:p>
@@ -1377,7 +1377,7 @@
           <a:p>
             <a:fld id="{F55E1292-D83F-432A-A561-58EE3313D34B}" type="datetime1">
               <a:rPr lang="en-US" smtClean="0"/>
-              <a:t>6/12/2018</a:t>
+              <a:t>6/13/2018</a:t>
             </a:fld>
             <a:endParaRPr lang="en-US" dirty="0"/>
           </a:p>
@@ -1704,7 +1704,7 @@
           <a:p>
             <a:fld id="{EF4EE311-FCA4-4D61-9C7F-ABE9539F2810}" type="datetime1">
               <a:rPr lang="en-US" smtClean="0"/>
-              <a:t>6/12/2018</a:t>
+              <a:t>6/13/2018</a:t>
             </a:fld>
             <a:endParaRPr lang="en-US" dirty="0"/>
           </a:p>
@@ -2309,7 +2309,7 @@
           <a:p>
             <a:fld id="{CFAF7955-B6AA-41E5-A4F0-CFFF6C7B14A4}" type="datetime1">
               <a:rPr lang="en-US" smtClean="0"/>
-              <a:t>6/12/2018</a:t>
+              <a:t>6/13/2018</a:t>
             </a:fld>
             <a:endParaRPr lang="en-US" dirty="0"/>
           </a:p>
@@ -3151,7 +3151,7 @@
           <a:p>
             <a:fld id="{B20DB41A-1379-4832-8957-D3978FB3DA1E}" type="datetime1">
               <a:rPr lang="en-US" smtClean="0"/>
-              <a:t>6/12/2018</a:t>
+              <a:t>6/13/2018</a:t>
             </a:fld>
             <a:endParaRPr lang="en-US" dirty="0"/>
           </a:p>
@@ -3316,7 +3316,7 @@
           <a:p>
             <a:fld id="{63DE1AD8-860D-4793-B6C2-D61055E49CCC}" type="datetime1">
               <a:rPr lang="en-US" smtClean="0"/>
-              <a:t>6/12/2018</a:t>
+              <a:t>6/13/2018</a:t>
             </a:fld>
             <a:endParaRPr lang="en-US" dirty="0"/>
           </a:p>
@@ -3491,7 +3491,7 @@
           <a:p>
             <a:fld id="{2907CFD0-5F18-4F41-A38D-971BA21B2BB9}" type="datetime1">
               <a:rPr lang="en-US" smtClean="0"/>
-              <a:t>6/12/2018</a:t>
+              <a:t>6/13/2018</a:t>
             </a:fld>
             <a:endParaRPr lang="en-US" dirty="0"/>
           </a:p>
@@ -3656,7 +3656,7 @@
           <a:p>
             <a:fld id="{B9B54062-8C55-4633-8FD9-80306C493CED}" type="datetime1">
               <a:rPr lang="en-US" smtClean="0"/>
-              <a:t>6/12/2018</a:t>
+              <a:t>6/13/2018</a:t>
             </a:fld>
             <a:endParaRPr lang="en-US" dirty="0"/>
           </a:p>
@@ -3895,7 +3895,7 @@
           <a:p>
             <a:fld id="{23DD96B0-7C9F-4C4A-84A6-4E557E85ABF2}" type="datetime1">
               <a:rPr lang="en-US" smtClean="0"/>
-              <a:t>6/12/2018</a:t>
+              <a:t>6/13/2018</a:t>
             </a:fld>
             <a:endParaRPr lang="en-US" dirty="0"/>
           </a:p>
@@ -4182,7 +4182,7 @@
           <a:p>
             <a:fld id="{C7F70A21-362C-4CAA-8B67-E996FC463D1E}" type="datetime1">
               <a:rPr lang="en-US" smtClean="0"/>
-              <a:t>6/12/2018</a:t>
+              <a:t>6/13/2018</a:t>
             </a:fld>
             <a:endParaRPr lang="en-US" dirty="0"/>
           </a:p>
@@ -4615,7 +4615,7 @@
           <a:p>
             <a:fld id="{EC1CB69A-A7BE-4ECC-88C3-18AEDAFB3DE2}" type="datetime1">
               <a:rPr lang="en-US" smtClean="0"/>
-              <a:t>6/12/2018</a:t>
+              <a:t>6/13/2018</a:t>
             </a:fld>
             <a:endParaRPr lang="en-US" dirty="0"/>
           </a:p>
@@ -4728,7 +4728,7 @@
           <a:p>
             <a:fld id="{93BAAE6F-FAF9-4CFE-836E-2F24EBA3EE38}" type="datetime1">
               <a:rPr lang="en-US" smtClean="0"/>
-              <a:t>6/12/2018</a:t>
+              <a:t>6/13/2018</a:t>
             </a:fld>
             <a:endParaRPr lang="en-US" dirty="0"/>
           </a:p>
@@ -4818,7 +4818,7 @@
           <a:p>
             <a:fld id="{7204742A-3B12-4658-BC9E-5CD9F2F701F2}" type="datetime1">
               <a:rPr lang="en-US" smtClean="0"/>
-              <a:t>6/12/2018</a:t>
+              <a:t>6/13/2018</a:t>
             </a:fld>
             <a:endParaRPr lang="en-US" dirty="0"/>
           </a:p>
@@ -5092,7 +5092,7 @@
           <a:p>
             <a:fld id="{5A7A27F9-DEDB-496E-9804-5489745303D1}" type="datetime1">
               <a:rPr lang="en-US" smtClean="0"/>
-              <a:t>6/12/2018</a:t>
+              <a:t>6/13/2018</a:t>
             </a:fld>
             <a:endParaRPr lang="en-US" dirty="0"/>
           </a:p>
@@ -5362,7 +5362,7 @@
           <a:p>
             <a:fld id="{1C20149E-75DB-4F1B-B435-795B47EF37D9}" type="datetime1">
               <a:rPr lang="en-US" smtClean="0"/>
-              <a:t>6/12/2018</a:t>
+              <a:t>6/13/2018</a:t>
             </a:fld>
             <a:endParaRPr lang="en-US" dirty="0"/>
           </a:p>
@@ -5786,7 +5786,7 @@
           <a:p>
             <a:fld id="{07AB69C2-87B5-4F58-A057-C3828DDD4531}" type="datetime1">
               <a:rPr lang="en-US" smtClean="0"/>
-              <a:t>6/12/2018</a:t>
+              <a:t>6/13/2018</a:t>
             </a:fld>
             <a:endParaRPr lang="en-US" dirty="0"/>
           </a:p>
@@ -6352,7 +6352,7 @@
         <p:spPr>
           <a:xfrm>
             <a:off x="1154955" y="4711471"/>
-            <a:ext cx="8825658" cy="1582239"/>
+            <a:ext cx="10035784" cy="1582239"/>
           </a:xfrm>
         </p:spPr>
         <p:txBody>
@@ -6437,14 +6437,32 @@
           <p:nvPr/>
         </p:nvPicPr>
         <p:blipFill>
-          <a:blip r:embed="rId2"/>
+          <a:blip r:embed="rId2">
+            <a:extLst>
+              <a:ext uri="{BEBA8EAE-BF5A-486C-A8C5-ECC9F3942E4B}">
+                <a14:imgProps xmlns:a14="http://schemas.microsoft.com/office/drawing/2010/main">
+                  <a14:imgLayer r:embed="rId3">
+                    <a14:imgEffect>
+                      <a14:sharpenSoften amount="100000"/>
+                    </a14:imgEffect>
+                    <a14:imgEffect>
+                      <a14:saturation sat="50000"/>
+                    </a14:imgEffect>
+                    <a14:imgEffect>
+                      <a14:brightnessContrast bright="-10000"/>
+                    </a14:imgEffect>
+                  </a14:imgLayer>
+                </a14:imgProps>
+              </a:ext>
+            </a:extLst>
+          </a:blip>
           <a:stretch>
             <a:fillRect/>
           </a:stretch>
         </p:blipFill>
         <p:spPr>
           <a:xfrm>
-            <a:off x="2943646" y="1812011"/>
+            <a:off x="3548709" y="1812011"/>
             <a:ext cx="5248275" cy="2800350"/>
           </a:xfrm>
           <a:prstGeom prst="roundRect">
@@ -6674,6 +6692,61 @@
           <a:chExt cx="0" cy="0"/>
         </a:xfrm>
       </p:grpSpPr>
+      <p:pic>
+        <p:nvPicPr>
+          <p:cNvPr id="6" name="Image 5"/>
+          <p:cNvPicPr>
+            <a:picLocks noChangeAspect="1"/>
+          </p:cNvPicPr>
+          <p:nvPr/>
+        </p:nvPicPr>
+        <p:blipFill>
+          <a:blip r:embed="rId2">
+            <a:duotone>
+              <a:schemeClr val="bg2">
+                <a:shade val="45000"/>
+                <a:satMod val="135000"/>
+              </a:schemeClr>
+              <a:prstClr val="white"/>
+            </a:duotone>
+            <a:extLst>
+              <a:ext uri="{BEBA8EAE-BF5A-486C-A8C5-ECC9F3942E4B}">
+                <a14:imgProps xmlns:a14="http://schemas.microsoft.com/office/drawing/2010/main">
+                  <a14:imgLayer r:embed="rId3">
+                    <a14:imgEffect>
+                      <a14:colorTemperature colorTemp="11500"/>
+                    </a14:imgEffect>
+                    <a14:imgEffect>
+                      <a14:saturation sat="400000"/>
+                    </a14:imgEffect>
+                  </a14:imgLayer>
+                </a14:imgProps>
+              </a:ext>
+              <a:ext uri="{28A0092B-C50C-407E-A947-70E740481C1C}">
+                <a14:useLocalDpi xmlns:a14="http://schemas.microsoft.com/office/drawing/2010/main" val="0"/>
+              </a:ext>
+            </a:extLst>
+          </a:blip>
+          <a:stretch>
+            <a:fillRect/>
+          </a:stretch>
+        </p:blipFill>
+        <p:spPr>
+          <a:xfrm>
+            <a:off x="4884007" y="3127954"/>
+            <a:ext cx="5887632" cy="3120445"/>
+          </a:xfrm>
+          <a:prstGeom prst="rect">
+            <a:avLst/>
+          </a:prstGeom>
+          <a:effectLst>
+            <a:glow rad="139700">
+              <a:schemeClr val="bg1"/>
+            </a:glow>
+            <a:reflection blurRad="241300" stA="40000" endPos="45000" dist="50800" dir="5400000" sy="-100000" algn="bl" rotWithShape="0"/>
+          </a:effectLst>
+        </p:spPr>
+      </p:pic>
       <p:sp>
         <p:nvSpPr>
           <p:cNvPr id="2" name="Titre 1"/>
@@ -6864,6 +6937,267 @@
               <a:t>5%</a:t>
             </a:r>
             <a:endParaRPr lang="en-US" sz="1900" dirty="0">
+              <a:effectLst>
+                <a:outerShdw blurRad="38100" dist="38100" dir="2700000" algn="tl">
+                  <a:srgbClr val="000000">
+                    <a:alpha val="43137"/>
+                  </a:srgbClr>
+                </a:outerShdw>
+              </a:effectLst>
+            </a:endParaRPr>
+          </a:p>
+        </p:txBody>
+      </p:sp>
+      <p:sp>
+        <p:nvSpPr>
+          <p:cNvPr id="5" name="Espace réservé du contenu 2"/>
+          <p:cNvSpPr txBox="1">
+            <a:spLocks/>
+          </p:cNvSpPr>
+          <p:nvPr/>
+        </p:nvSpPr>
+        <p:spPr>
+          <a:xfrm>
+            <a:off x="-24714" y="6398641"/>
+            <a:ext cx="12192000" cy="409932"/>
+          </a:xfrm>
+          <a:prstGeom prst="rect">
+            <a:avLst/>
+          </a:prstGeom>
+        </p:spPr>
+        <p:txBody>
+          <a:bodyPr vert="horz" lIns="91440" tIns="45720" rIns="91440" bIns="45720" rtlCol="0">
+            <a:normAutofit lnSpcReduction="10000"/>
+          </a:bodyPr>
+          <a:lstStyle>
+            <a:lvl1pPr marL="342900" indent="-342900" algn="l" defTabSz="457200" rtl="0" eaLnBrk="1" latinLnBrk="0" hangingPunct="1">
+              <a:spcBef>
+                <a:spcPts val="1000"/>
+              </a:spcBef>
+              <a:spcAft>
+                <a:spcPts val="0"/>
+              </a:spcAft>
+              <a:buClr>
+                <a:schemeClr val="accent1"/>
+              </a:buClr>
+              <a:buSzPct val="80000"/>
+              <a:buFont typeface="Wingdings 3" charset="2"/>
+              <a:buChar char=""/>
+              <a:defRPr sz="2000" b="0" i="0" kern="1200">
+                <a:solidFill>
+                  <a:schemeClr val="tx1"/>
+                </a:solidFill>
+                <a:latin typeface="+mj-lt"/>
+                <a:ea typeface="+mj-ea"/>
+                <a:cs typeface="+mj-cs"/>
+              </a:defRPr>
+            </a:lvl1pPr>
+            <a:lvl2pPr marL="742950" indent="-285750" algn="l" defTabSz="457200" rtl="0" eaLnBrk="1" latinLnBrk="0" hangingPunct="1">
+              <a:spcBef>
+                <a:spcPts val="1000"/>
+              </a:spcBef>
+              <a:spcAft>
+                <a:spcPts val="0"/>
+              </a:spcAft>
+              <a:buClr>
+                <a:schemeClr val="accent1"/>
+              </a:buClr>
+              <a:buSzPct val="80000"/>
+              <a:buFont typeface="Wingdings 3" charset="2"/>
+              <a:buChar char=""/>
+              <a:defRPr sz="1800" b="0" i="0" kern="1200">
+                <a:solidFill>
+                  <a:schemeClr val="tx1"/>
+                </a:solidFill>
+                <a:latin typeface="+mj-lt"/>
+                <a:ea typeface="+mj-ea"/>
+                <a:cs typeface="+mj-cs"/>
+              </a:defRPr>
+            </a:lvl2pPr>
+            <a:lvl3pPr marL="1143000" indent="-228600" algn="l" defTabSz="457200" rtl="0" eaLnBrk="1" latinLnBrk="0" hangingPunct="1">
+              <a:spcBef>
+                <a:spcPts val="1000"/>
+              </a:spcBef>
+              <a:spcAft>
+                <a:spcPts val="0"/>
+              </a:spcAft>
+              <a:buClr>
+                <a:schemeClr val="accent1"/>
+              </a:buClr>
+              <a:buSzPct val="80000"/>
+              <a:buFont typeface="Wingdings 3" charset="2"/>
+              <a:buChar char=""/>
+              <a:defRPr sz="1600" b="0" i="0" kern="1200">
+                <a:solidFill>
+                  <a:schemeClr val="tx1"/>
+                </a:solidFill>
+                <a:latin typeface="+mj-lt"/>
+                <a:ea typeface="+mj-ea"/>
+                <a:cs typeface="+mj-cs"/>
+              </a:defRPr>
+            </a:lvl3pPr>
+            <a:lvl4pPr marL="1600200" indent="-228600" algn="l" defTabSz="457200" rtl="0" eaLnBrk="1" latinLnBrk="0" hangingPunct="1">
+              <a:spcBef>
+                <a:spcPts val="1000"/>
+              </a:spcBef>
+              <a:spcAft>
+                <a:spcPts val="0"/>
+              </a:spcAft>
+              <a:buClr>
+                <a:schemeClr val="accent1"/>
+              </a:buClr>
+              <a:buSzPct val="80000"/>
+              <a:buFont typeface="Wingdings 3" charset="2"/>
+              <a:buChar char=""/>
+              <a:defRPr sz="1400" b="0" i="0" kern="1200">
+                <a:solidFill>
+                  <a:schemeClr val="tx1"/>
+                </a:solidFill>
+                <a:latin typeface="+mj-lt"/>
+                <a:ea typeface="+mj-ea"/>
+                <a:cs typeface="+mj-cs"/>
+              </a:defRPr>
+            </a:lvl4pPr>
+            <a:lvl5pPr marL="2057400" indent="-228600" algn="l" defTabSz="457200" rtl="0" eaLnBrk="1" latinLnBrk="0" hangingPunct="1">
+              <a:spcBef>
+                <a:spcPts val="1000"/>
+              </a:spcBef>
+              <a:spcAft>
+                <a:spcPts val="0"/>
+              </a:spcAft>
+              <a:buClr>
+                <a:schemeClr val="accent1"/>
+              </a:buClr>
+              <a:buSzPct val="80000"/>
+              <a:buFont typeface="Wingdings 3" charset="2"/>
+              <a:buChar char=""/>
+              <a:defRPr sz="1400" b="0" i="0" kern="1200">
+                <a:solidFill>
+                  <a:schemeClr val="tx1"/>
+                </a:solidFill>
+                <a:latin typeface="+mj-lt"/>
+                <a:ea typeface="+mj-ea"/>
+                <a:cs typeface="+mj-cs"/>
+              </a:defRPr>
+            </a:lvl5pPr>
+            <a:lvl6pPr marL="2514600" indent="-228600" algn="l" defTabSz="457200" rtl="0" eaLnBrk="1" latinLnBrk="0" hangingPunct="1">
+              <a:spcBef>
+                <a:spcPts val="1000"/>
+              </a:spcBef>
+              <a:spcAft>
+                <a:spcPts val="0"/>
+              </a:spcAft>
+              <a:buClr>
+                <a:schemeClr val="accent1"/>
+              </a:buClr>
+              <a:buSzPct val="80000"/>
+              <a:buFont typeface="Wingdings 3" charset="2"/>
+              <a:buChar char=""/>
+              <a:defRPr sz="1400" b="0" i="0" kern="1200">
+                <a:solidFill>
+                  <a:schemeClr val="tx1"/>
+                </a:solidFill>
+                <a:latin typeface="+mj-lt"/>
+                <a:ea typeface="+mj-ea"/>
+                <a:cs typeface="+mj-cs"/>
+              </a:defRPr>
+            </a:lvl6pPr>
+            <a:lvl7pPr marL="2971800" indent="-228600" algn="l" defTabSz="457200" rtl="0" eaLnBrk="1" latinLnBrk="0" hangingPunct="1">
+              <a:spcBef>
+                <a:spcPts val="1000"/>
+              </a:spcBef>
+              <a:spcAft>
+                <a:spcPts val="0"/>
+              </a:spcAft>
+              <a:buClr>
+                <a:schemeClr val="accent1"/>
+              </a:buClr>
+              <a:buSzPct val="80000"/>
+              <a:buFont typeface="Wingdings 3" charset="2"/>
+              <a:buChar char=""/>
+              <a:defRPr sz="1400" b="0" i="0" kern="1200">
+                <a:solidFill>
+                  <a:schemeClr val="tx1"/>
+                </a:solidFill>
+                <a:latin typeface="+mj-lt"/>
+                <a:ea typeface="+mj-ea"/>
+                <a:cs typeface="+mj-cs"/>
+              </a:defRPr>
+            </a:lvl7pPr>
+            <a:lvl8pPr marL="3429000" indent="-228600" algn="l" defTabSz="457200" rtl="0" eaLnBrk="1" latinLnBrk="0" hangingPunct="1">
+              <a:spcBef>
+                <a:spcPts val="1000"/>
+              </a:spcBef>
+              <a:spcAft>
+                <a:spcPts val="0"/>
+              </a:spcAft>
+              <a:buClr>
+                <a:schemeClr val="accent1"/>
+              </a:buClr>
+              <a:buSzPct val="80000"/>
+              <a:buFont typeface="Wingdings 3" charset="2"/>
+              <a:buChar char=""/>
+              <a:defRPr sz="1400" b="0" i="0" kern="1200">
+                <a:solidFill>
+                  <a:schemeClr val="tx1"/>
+                </a:solidFill>
+                <a:latin typeface="+mj-lt"/>
+                <a:ea typeface="+mj-ea"/>
+                <a:cs typeface="+mj-cs"/>
+              </a:defRPr>
+            </a:lvl8pPr>
+            <a:lvl9pPr marL="3886200" indent="-228600" algn="l" defTabSz="457200" rtl="0" eaLnBrk="1" latinLnBrk="0" hangingPunct="1">
+              <a:spcBef>
+                <a:spcPts val="1000"/>
+              </a:spcBef>
+              <a:spcAft>
+                <a:spcPts val="0"/>
+              </a:spcAft>
+              <a:buClr>
+                <a:schemeClr val="accent1"/>
+              </a:buClr>
+              <a:buSzPct val="80000"/>
+              <a:buFont typeface="Wingdings 3" charset="2"/>
+              <a:buChar char=""/>
+              <a:defRPr sz="1400" b="0" i="0" kern="1200">
+                <a:solidFill>
+                  <a:schemeClr val="tx1"/>
+                </a:solidFill>
+                <a:latin typeface="+mj-lt"/>
+                <a:ea typeface="+mj-ea"/>
+                <a:cs typeface="+mj-cs"/>
+              </a:defRPr>
+            </a:lvl9pPr>
+          </a:lstStyle>
+          <a:p>
+            <a:pPr marL="0" indent="0" algn="r">
+              <a:buNone/>
+            </a:pPr>
+            <a:r>
+              <a:rPr lang="fr-CH" sz="2100" b="1" dirty="0" smtClean="0">
+                <a:effectLst>
+                  <a:outerShdw blurRad="38100" dist="38100" dir="2700000" algn="tl">
+                    <a:srgbClr val="000000">
+                      <a:alpha val="43137"/>
+                    </a:srgbClr>
+                  </a:outerShdw>
+                </a:effectLst>
+              </a:rPr>
+              <a:t>Note : Images altérées pour mieux ressortir au </a:t>
+            </a:r>
+            <a:r>
+              <a:rPr lang="fr-CH" sz="2100" b="1" dirty="0" err="1" smtClean="0">
+                <a:effectLst>
+                  <a:outerShdw blurRad="38100" dist="38100" dir="2700000" algn="tl">
+                    <a:srgbClr val="000000">
+                      <a:alpha val="43137"/>
+                    </a:srgbClr>
+                  </a:outerShdw>
+                </a:effectLst>
+              </a:rPr>
+              <a:t>beamer</a:t>
+            </a:r>
+            <a:endParaRPr lang="fr-CH" sz="2100" b="1" dirty="0">
               <a:effectLst>
                 <a:outerShdw blurRad="38100" dist="38100" dir="2700000" algn="tl">
                   <a:srgbClr val="000000">
@@ -6900,7 +7234,86 @@
   <p:timing>
     <p:tnLst>
       <p:par>
-        <p:cTn id="1" dur="indefinite" restart="never" nodeType="tmRoot"/>
+        <p:cTn id="1" dur="indefinite" restart="never" nodeType="tmRoot">
+          <p:childTnLst>
+            <p:seq concurrent="1" nextAc="seek">
+              <p:cTn id="2" dur="indefinite" nodeType="mainSeq">
+                <p:childTnLst>
+                  <p:par>
+                    <p:cTn id="3" fill="hold">
+                      <p:stCondLst>
+                        <p:cond delay="indefinite"/>
+                        <p:cond evt="onBegin" delay="0">
+                          <p:tn val="2"/>
+                        </p:cond>
+                      </p:stCondLst>
+                      <p:childTnLst>
+                        <p:par>
+                          <p:cTn id="4" fill="hold">
+                            <p:stCondLst>
+                              <p:cond delay="0"/>
+                            </p:stCondLst>
+                            <p:childTnLst>
+                              <p:par>
+                                <p:cTn id="5" presetID="10" presetClass="entr" presetSubtype="0" fill="hold" nodeType="withEffect">
+                                  <p:stCondLst>
+                                    <p:cond delay="0"/>
+                                  </p:stCondLst>
+                                  <p:childTnLst>
+                                    <p:set>
+                                      <p:cBhvr>
+                                        <p:cTn id="6" dur="1" fill="hold">
+                                          <p:stCondLst>
+                                            <p:cond delay="0"/>
+                                          </p:stCondLst>
+                                        </p:cTn>
+                                        <p:tgtEl>
+                                          <p:spTgt spid="6"/>
+                                        </p:tgtEl>
+                                        <p:attrNameLst>
+                                          <p:attrName>style.visibility</p:attrName>
+                                        </p:attrNameLst>
+                                      </p:cBhvr>
+                                      <p:to>
+                                        <p:strVal val="visible"/>
+                                      </p:to>
+                                    </p:set>
+                                    <p:animEffect transition="in" filter="fade">
+                                      <p:cBhvr>
+                                        <p:cTn id="7" dur="500"/>
+                                        <p:tgtEl>
+                                          <p:spTgt spid="6"/>
+                                        </p:tgtEl>
+                                      </p:cBhvr>
+                                    </p:animEffect>
+                                  </p:childTnLst>
+                                </p:cTn>
+                              </p:par>
+                            </p:childTnLst>
+                          </p:cTn>
+                        </p:par>
+                      </p:childTnLst>
+                    </p:cTn>
+                  </p:par>
+                </p:childTnLst>
+              </p:cTn>
+              <p:prevCondLst>
+                <p:cond evt="onPrev" delay="0">
+                  <p:tgtEl>
+                    <p:sldTgt/>
+                  </p:tgtEl>
+                </p:cond>
+              </p:prevCondLst>
+              <p:nextCondLst>
+                <p:cond evt="onNext" delay="0">
+                  <p:tgtEl>
+                    <p:sldTgt/>
+                  </p:tgtEl>
+                </p:cond>
+              </p:nextCondLst>
+            </p:seq>
+          </p:childTnLst>
+        </p:cTn>
       </p:par>
     </p:tnLst>
   </p:timing>
@@ -6976,7 +7389,7 @@
         <p:spPr>
           <a:xfrm>
             <a:off x="1103312" y="1171464"/>
-            <a:ext cx="8946541" cy="1736487"/>
+            <a:ext cx="10087427" cy="1736487"/>
           </a:xfrm>
         </p:spPr>
         <p:txBody>
@@ -7050,7 +7463,7 @@
         </p:blipFill>
         <p:spPr>
           <a:xfrm>
-            <a:off x="2343688" y="2907951"/>
+            <a:off x="2914131" y="2907951"/>
             <a:ext cx="6465787" cy="3637005"/>
           </a:xfrm>
           <a:prstGeom prst="rect">
@@ -7631,7 +8044,19 @@
           <p:nvPr/>
         </p:nvPicPr>
         <p:blipFill rotWithShape="1">
-          <a:blip r:embed="rId2"/>
+          <a:blip r:embed="rId2">
+            <a:extLst>
+              <a:ext uri="{BEBA8EAE-BF5A-486C-A8C5-ECC9F3942E4B}">
+                <a14:imgProps xmlns:a14="http://schemas.microsoft.com/office/drawing/2010/main">
+                  <a14:imgLayer r:embed="rId3">
+                    <a14:imgEffect>
+                      <a14:brightnessContrast bright="-5000"/>
+                    </a14:imgEffect>
+                  </a14:imgLayer>
+                </a14:imgProps>
+              </a:ext>
+            </a:extLst>
+          </a:blip>
           <a:srcRect b="6624"/>
           <a:stretch/>
         </p:blipFill>
@@ -7660,7 +8085,19 @@
           <p:nvPr/>
         </p:nvPicPr>
         <p:blipFill rotWithShape="1">
-          <a:blip r:embed="rId3"/>
+          <a:blip r:embed="rId4">
+            <a:extLst>
+              <a:ext uri="{BEBA8EAE-BF5A-486C-A8C5-ECC9F3942E4B}">
+                <a14:imgProps xmlns:a14="http://schemas.microsoft.com/office/drawing/2010/main">
+                  <a14:imgLayer r:embed="rId5">
+                    <a14:imgEffect>
+                      <a14:brightnessContrast bright="-10000"/>
+                    </a14:imgEffect>
+                  </a14:imgLayer>
+                </a14:imgProps>
+              </a:ext>
+            </a:extLst>
+          </a:blip>
           <a:srcRect b="6701"/>
           <a:stretch/>
         </p:blipFill>
@@ -7913,30 +8350,21 @@
                             </p:childTnLst>
                           </p:cTn>
                         </p:par>
-                      </p:childTnLst>
-                    </p:cTn>
-                  </p:par>
-                  <p:par>
-                    <p:cTn id="13" fill="hold">
-                      <p:stCondLst>
-                        <p:cond delay="indefinite"/>
-                      </p:stCondLst>
-                      <p:childTnLst>
                         <p:par>
-                          <p:cTn id="14" fill="hold">
+                          <p:cTn id="13" fill="hold">
                             <p:stCondLst>
-                              <p:cond delay="0"/>
+                              <p:cond delay="500"/>
                             </p:stCondLst>
                             <p:childTnLst>
                               <p:par>
-                                <p:cTn id="15" presetID="2" presetClass="entr" presetSubtype="1" fill="hold" nodeType="clickEffect">
+                                <p:cTn id="14" presetID="2" presetClass="entr" presetSubtype="1" fill="hold" nodeType="afterEffect">
                                   <p:stCondLst>
                                     <p:cond delay="0"/>
                                   </p:stCondLst>
                                   <p:childTnLst>
                                     <p:set>
                                       <p:cBhvr>
-                                        <p:cTn id="16" dur="1" fill="hold">
+                                        <p:cTn id="15" dur="1" fill="hold">
                                           <p:stCondLst>
                                             <p:cond delay="0"/>
                                           </p:stCondLst>
@@ -7954,7 +8382,7 @@
                                     </p:set>
                                     <p:anim calcmode="lin" valueType="num">
                                       <p:cBhvr additive="base">
-                                        <p:cTn id="17" dur="500" fill="hold"/>
+                                        <p:cTn id="16" dur="500" fill="hold"/>
                                         <p:tgtEl>
                                           <p:spTgt spid="8"/>
                                         </p:tgtEl>
@@ -7977,7 +8405,7 @@
                                     </p:anim>
                                     <p:anim calcmode="lin" valueType="num">
                                       <p:cBhvr additive="base">
-                                        <p:cTn id="18" dur="500" fill="hold"/>
+                                        <p:cTn id="17" dur="500" fill="hold"/>
                                         <p:tgtEl>
                                           <p:spTgt spid="8"/>
                                         </p:tgtEl>
@@ -8100,7 +8528,7 @@
         </p:nvSpPr>
         <p:spPr>
           <a:xfrm>
-            <a:off x="646111" y="1152984"/>
+            <a:off x="646111" y="1030433"/>
             <a:ext cx="8946541" cy="931190"/>
           </a:xfrm>
         </p:spPr>
@@ -8146,14 +8574,32 @@
           <p:nvPr/>
         </p:nvPicPr>
         <p:blipFill rotWithShape="1">
-          <a:blip r:embed="rId2"/>
-          <a:srcRect l="828"/>
+          <a:blip r:embed="rId2">
+            <a:extLst>
+              <a:ext uri="{BEBA8EAE-BF5A-486C-A8C5-ECC9F3942E4B}">
+                <a14:imgProps xmlns:a14="http://schemas.microsoft.com/office/drawing/2010/main">
+                  <a14:imgLayer r:embed="rId3">
+                    <a14:imgEffect>
+                      <a14:sharpenSoften amount="100000"/>
+                    </a14:imgEffect>
+                    <a14:imgEffect>
+                      <a14:saturation sat="50000"/>
+                    </a14:imgEffect>
+                    <a14:imgEffect>
+                      <a14:brightnessContrast bright="-5000"/>
+                    </a14:imgEffect>
+                  </a14:imgLayer>
+                </a14:imgProps>
+              </a:ext>
+            </a:extLst>
+          </a:blip>
+          <a:srcRect l="5124" t="4268" r="4307" b="5130"/>
           <a:stretch/>
         </p:blipFill>
         <p:spPr>
           <a:xfrm>
-            <a:off x="230659" y="2084174"/>
-            <a:ext cx="5119820" cy="4619625"/>
+            <a:off x="452486" y="1961623"/>
+            <a:ext cx="5199098" cy="4654032"/>
           </a:xfrm>
           <a:prstGeom prst="roundRect">
             <a:avLst>
@@ -8199,7 +8645,25 @@
           <p:nvPr/>
         </p:nvPicPr>
         <p:blipFill rotWithShape="1">
-          <a:blip r:embed="rId3"/>
+          <a:blip r:embed="rId4">
+            <a:extLst>
+              <a:ext uri="{BEBA8EAE-BF5A-486C-A8C5-ECC9F3942E4B}">
+                <a14:imgProps xmlns:a14="http://schemas.microsoft.com/office/drawing/2010/main">
+                  <a14:imgLayer r:embed="rId5">
+                    <a14:imgEffect>
+                      <a14:sharpenSoften amount="100000"/>
+                    </a14:imgEffect>
+                    <a14:imgEffect>
+                      <a14:saturation sat="50000"/>
+                    </a14:imgEffect>
+                    <a14:imgEffect>
+                      <a14:brightnessContrast bright="-10000"/>
+                    </a14:imgEffect>
+                  </a14:imgLayer>
+                </a14:imgProps>
+              </a:ext>
+            </a:extLst>
+          </a:blip>
           <a:srcRect r="996"/>
           <a:stretch/>
         </p:blipFill>
@@ -8640,7 +9104,25 @@
           <p:nvPr/>
         </p:nvPicPr>
         <p:blipFill>
-          <a:blip r:embed="rId2"/>
+          <a:blip r:embed="rId2">
+            <a:extLst>
+              <a:ext uri="{BEBA8EAE-BF5A-486C-A8C5-ECC9F3942E4B}">
+                <a14:imgProps xmlns:a14="http://schemas.microsoft.com/office/drawing/2010/main">
+                  <a14:imgLayer r:embed="rId3">
+                    <a14:imgEffect>
+                      <a14:sharpenSoften amount="100000"/>
+                    </a14:imgEffect>
+                    <a14:imgEffect>
+                      <a14:saturation sat="50000"/>
+                    </a14:imgEffect>
+                    <a14:imgEffect>
+                      <a14:brightnessContrast bright="-10000"/>
+                    </a14:imgEffect>
+                  </a14:imgLayer>
+                </a14:imgProps>
+              </a:ext>
+            </a:extLst>
+          </a:blip>
           <a:stretch>
             <a:fillRect/>
           </a:stretch>
@@ -8691,7 +9173,25 @@
           <p:nvPr/>
         </p:nvPicPr>
         <p:blipFill>
-          <a:blip r:embed="rId3"/>
+          <a:blip r:embed="rId4">
+            <a:extLst>
+              <a:ext uri="{BEBA8EAE-BF5A-486C-A8C5-ECC9F3942E4B}">
+                <a14:imgProps xmlns:a14="http://schemas.microsoft.com/office/drawing/2010/main">
+                  <a14:imgLayer r:embed="rId5">
+                    <a14:imgEffect>
+                      <a14:sharpenSoften amount="100000"/>
+                    </a14:imgEffect>
+                    <a14:imgEffect>
+                      <a14:saturation sat="50000"/>
+                    </a14:imgEffect>
+                    <a14:imgEffect>
+                      <a14:brightnessContrast bright="-10000"/>
+                    </a14:imgEffect>
+                  </a14:imgLayer>
+                </a14:imgProps>
+              </a:ext>
+            </a:extLst>
+          </a:blip>
           <a:stretch>
             <a:fillRect/>
           </a:stretch>
@@ -9192,13 +9692,13 @@
         </p:nvSpPr>
         <p:spPr>
           <a:xfrm>
-            <a:off x="646111" y="1152983"/>
-            <a:ext cx="8946541" cy="4195481"/>
+            <a:off x="646111" y="1152984"/>
+            <a:ext cx="10544628" cy="1748624"/>
           </a:xfrm>
         </p:spPr>
         <p:txBody>
           <a:bodyPr>
-            <a:normAutofit/>
+            <a:noAutofit/>
           </a:bodyPr>
           <a:lstStyle/>
           <a:p>
@@ -9222,6 +9722,90 @@
             <a:pPr marL="0" indent="0">
               <a:buNone/>
             </a:pPr>
+            <a:endParaRPr lang="fr-CH" sz="2800" b="1" dirty="0" smtClean="0">
+              <a:effectLst>
+                <a:outerShdw blurRad="38100" dist="38100" dir="2700000" algn="tl">
+                  <a:srgbClr val="000000">
+                    <a:alpha val="43137"/>
+                  </a:srgbClr>
+                </a:outerShdw>
+              </a:effectLst>
+            </a:endParaRPr>
+          </a:p>
+          <a:p>
+            <a:pPr marL="0" indent="0">
+              <a:buNone/>
+            </a:pPr>
+            <a:endParaRPr lang="fr-CH" sz="2800" b="1" dirty="0">
+              <a:effectLst>
+                <a:outerShdw blurRad="38100" dist="38100" dir="2700000" algn="tl">
+                  <a:srgbClr val="000000">
+                    <a:alpha val="43137"/>
+                  </a:srgbClr>
+                </a:outerShdw>
+              </a:effectLst>
+            </a:endParaRPr>
+          </a:p>
+          <a:p>
+            <a:pPr marL="0" indent="0">
+              <a:buNone/>
+            </a:pPr>
+            <a:endParaRPr lang="fr-CH" sz="2800" b="1" dirty="0" smtClean="0">
+              <a:effectLst>
+                <a:outerShdw blurRad="38100" dist="38100" dir="2700000" algn="tl">
+                  <a:srgbClr val="000000">
+                    <a:alpha val="43137"/>
+                  </a:srgbClr>
+                </a:outerShdw>
+              </a:effectLst>
+            </a:endParaRPr>
+          </a:p>
+          <a:p>
+            <a:pPr marL="0" indent="0">
+              <a:buNone/>
+            </a:pPr>
+            <a:endParaRPr lang="fr-CH" sz="2800" b="1" dirty="0">
+              <a:effectLst>
+                <a:outerShdw blurRad="38100" dist="38100" dir="2700000" algn="tl">
+                  <a:srgbClr val="000000">
+                    <a:alpha val="43137"/>
+                  </a:srgbClr>
+                </a:outerShdw>
+              </a:effectLst>
+            </a:endParaRPr>
+          </a:p>
+          <a:p>
+            <a:pPr marL="0" indent="0">
+              <a:buNone/>
+            </a:pPr>
+            <a:endParaRPr lang="fr-CH" sz="2800" b="1" dirty="0" smtClean="0">
+              <a:effectLst>
+                <a:outerShdw blurRad="38100" dist="38100" dir="2700000" algn="tl">
+                  <a:srgbClr val="000000">
+                    <a:alpha val="43137"/>
+                  </a:srgbClr>
+                </a:outerShdw>
+              </a:effectLst>
+            </a:endParaRPr>
+          </a:p>
+          <a:p>
+            <a:pPr marL="0" indent="0">
+              <a:buNone/>
+            </a:pPr>
+            <a:endParaRPr lang="fr-CH" sz="2800" b="1" dirty="0" smtClean="0">
+              <a:effectLst>
+                <a:outerShdw blurRad="38100" dist="38100" dir="2700000" algn="tl">
+                  <a:srgbClr val="000000">
+                    <a:alpha val="43137"/>
+                  </a:srgbClr>
+                </a:outerShdw>
+              </a:effectLst>
+            </a:endParaRPr>
+          </a:p>
+          <a:p>
+            <a:pPr marL="0" indent="0">
+              <a:buNone/>
+            </a:pPr>
             <a:r>
               <a:rPr lang="fr-CH" sz="2800" b="1" dirty="0" smtClean="0">
                 <a:effectLst>
@@ -9255,14 +9839,32 @@
           <p:nvPr/>
         </p:nvPicPr>
         <p:blipFill>
-          <a:blip r:embed="rId2"/>
+          <a:blip r:embed="rId2">
+            <a:extLst>
+              <a:ext uri="{BEBA8EAE-BF5A-486C-A8C5-ECC9F3942E4B}">
+                <a14:imgProps xmlns:a14="http://schemas.microsoft.com/office/drawing/2010/main">
+                  <a14:imgLayer r:embed="rId3">
+                    <a14:imgEffect>
+                      <a14:sharpenSoften amount="100000"/>
+                    </a14:imgEffect>
+                    <a14:imgEffect>
+                      <a14:saturation sat="50000"/>
+                    </a14:imgEffect>
+                    <a14:imgEffect>
+                      <a14:brightnessContrast bright="-10000"/>
+                    </a14:imgEffect>
+                  </a14:imgLayer>
+                </a14:imgProps>
+              </a:ext>
+            </a:extLst>
+          </a:blip>
           <a:stretch>
             <a:fillRect/>
           </a:stretch>
         </p:blipFill>
         <p:spPr>
           <a:xfrm>
-            <a:off x="2941688" y="2901607"/>
+            <a:off x="2966829" y="2399098"/>
             <a:ext cx="5903192" cy="2732056"/>
           </a:xfrm>
           <a:prstGeom prst="roundRect">
@@ -9544,7 +10146,12 @@
             <p:ph type="title"/>
           </p:nvPr>
         </p:nvSpPr>
-        <p:spPr/>
+        <p:spPr>
+          <a:xfrm>
+            <a:off x="646111" y="452718"/>
+            <a:ext cx="10544628" cy="1400530"/>
+          </a:xfrm>
+        </p:spPr>
         <p:txBody>
           <a:bodyPr/>
           <a:lstStyle/>
@@ -9582,7 +10189,25 @@
           <p:nvPr/>
         </p:nvPicPr>
         <p:blipFill rotWithShape="1">
-          <a:blip r:embed="rId2"/>
+          <a:blip r:embed="rId2">
+            <a:extLst>
+              <a:ext uri="{BEBA8EAE-BF5A-486C-A8C5-ECC9F3942E4B}">
+                <a14:imgProps xmlns:a14="http://schemas.microsoft.com/office/drawing/2010/main">
+                  <a14:imgLayer r:embed="rId3">
+                    <a14:imgEffect>
+                      <a14:sharpenSoften amount="100000"/>
+                    </a14:imgEffect>
+                    <a14:imgEffect>
+                      <a14:saturation sat="50000"/>
+                    </a14:imgEffect>
+                    <a14:imgEffect>
+                      <a14:brightnessContrast bright="-10000"/>
+                    </a14:imgEffect>
+                  </a14:imgLayer>
+                </a14:imgProps>
+              </a:ext>
+            </a:extLst>
+          </a:blip>
           <a:srcRect r="2028"/>
           <a:stretch/>
         </p:blipFill>

--- a/TPI_Multiplix_presentation.pptx
+++ b/TPI_Multiplix_presentation.pptx
@@ -204,7 +204,7 @@
           <a:p>
             <a:fld id="{7FC9F656-4C67-4261-B370-ABFB3D17CADF}" type="datetimeFigureOut">
               <a:rPr lang="fr-CH" smtClean="0"/>
-              <a:t>13.06.2018</a:t>
+              <a:t>14.06.2018</a:t>
             </a:fld>
             <a:endParaRPr lang="fr-CH"/>
           </a:p>
@@ -473,7 +473,7 @@
 </file>
 
 <file path=ppt/slideLayouts/slideLayout1.xml><?xml version="1.0" encoding="utf-8"?>
-<p:sldLayout xmlns:a="http://schemas.openxmlformats.org/drawingml/2006/main" xmlns:r="http://schemas.openxmlformats.org/officeDocument/2006/relationships" xmlns:p="http://schemas.openxmlformats.org/presentationml/2006/main" type="title" preserve="1">
+<p:sldLayout xmlns:a="http://schemas.openxmlformats.org/drawingml/2006/main" xmlns:r="http://schemas.openxmlformats.org/officeDocument/2006/relationships" xmlns:p="http://schemas.openxmlformats.org/presentationml/2006/main" showMasterSp="0" type="title" preserve="1">
   <p:cSld name="Diapositive de titre">
     <p:spTree>
       <p:nvGrpSpPr>
@@ -655,7 +655,7 @@
           <a:p>
             <a:fld id="{FFF0991E-5E8F-43C1-8D1C-A04ED8953258}" type="datetime1">
               <a:rPr lang="en-US" smtClean="0"/>
-              <a:t>6/13/2018</a:t>
+              <a:t>6/14/2018</a:t>
             </a:fld>
             <a:endParaRPr lang="en-US" dirty="0"/>
           </a:p>
@@ -712,7 +712,7 @@
 </file>
 
 <file path=ppt/slideLayouts/slideLayout10.xml><?xml version="1.0" encoding="utf-8"?>
-<p:sldLayout xmlns:a="http://schemas.openxmlformats.org/drawingml/2006/main" xmlns:r="http://schemas.openxmlformats.org/officeDocument/2006/relationships" xmlns:p="http://schemas.openxmlformats.org/presentationml/2006/main" preserve="1">
+<p:sldLayout xmlns:a="http://schemas.openxmlformats.org/drawingml/2006/main" xmlns:r="http://schemas.openxmlformats.org/officeDocument/2006/relationships" xmlns:p="http://schemas.openxmlformats.org/presentationml/2006/main" showMasterSp="0" preserve="1">
   <p:cSld name="Image panoramique avec légende">
     <p:spTree>
       <p:nvGrpSpPr>
@@ -925,7 +925,7 @@
           <a:p>
             <a:fld id="{325C51C2-FF63-4C32-81C9-33709F656F5E}" type="datetime1">
               <a:rPr lang="en-US" smtClean="0"/>
-              <a:t>6/13/2018</a:t>
+              <a:t>6/14/2018</a:t>
             </a:fld>
             <a:endParaRPr lang="en-US" dirty="0"/>
           </a:p>
@@ -982,7 +982,7 @@
 </file>
 
 <file path=ppt/slideLayouts/slideLayout11.xml><?xml version="1.0" encoding="utf-8"?>
-<p:sldLayout xmlns:a="http://schemas.openxmlformats.org/drawingml/2006/main" xmlns:r="http://schemas.openxmlformats.org/officeDocument/2006/relationships" xmlns:p="http://schemas.openxmlformats.org/presentationml/2006/main" preserve="1">
+<p:sldLayout xmlns:a="http://schemas.openxmlformats.org/drawingml/2006/main" xmlns:r="http://schemas.openxmlformats.org/officeDocument/2006/relationships" xmlns:p="http://schemas.openxmlformats.org/presentationml/2006/main" showMasterSp="0" preserve="1">
   <p:cSld name="Titre et légende">
     <p:spTree>
       <p:nvGrpSpPr>
@@ -1114,7 +1114,7 @@
           <a:p>
             <a:fld id="{7BDFCF69-58ED-4A23-8590-FC3609A014EE}" type="datetime1">
               <a:rPr lang="en-US" smtClean="0"/>
-              <a:t>6/13/2018</a:t>
+              <a:t>6/14/2018</a:t>
             </a:fld>
             <a:endParaRPr lang="en-US" dirty="0"/>
           </a:p>
@@ -1171,7 +1171,7 @@
 </file>
 
 <file path=ppt/slideLayouts/slideLayout12.xml><?xml version="1.0" encoding="utf-8"?>
-<p:sldLayout xmlns:a="http://schemas.openxmlformats.org/drawingml/2006/main" xmlns:r="http://schemas.openxmlformats.org/officeDocument/2006/relationships" xmlns:p="http://schemas.openxmlformats.org/presentationml/2006/main" preserve="1">
+<p:sldLayout xmlns:a="http://schemas.openxmlformats.org/drawingml/2006/main" xmlns:r="http://schemas.openxmlformats.org/officeDocument/2006/relationships" xmlns:p="http://schemas.openxmlformats.org/presentationml/2006/main" showMasterSp="0" preserve="1">
   <p:cSld name="Citation avec légende">
     <p:spTree>
       <p:nvGrpSpPr>
@@ -1377,7 +1377,7 @@
           <a:p>
             <a:fld id="{F55E1292-D83F-432A-A561-58EE3313D34B}" type="datetime1">
               <a:rPr lang="en-US" smtClean="0"/>
-              <a:t>6/13/2018</a:t>
+              <a:t>6/14/2018</a:t>
             </a:fld>
             <a:endParaRPr lang="en-US" dirty="0"/>
           </a:p>
@@ -1522,7 +1522,7 @@
 </file>
 
 <file path=ppt/slideLayouts/slideLayout13.xml><?xml version="1.0" encoding="utf-8"?>
-<p:sldLayout xmlns:a="http://schemas.openxmlformats.org/drawingml/2006/main" xmlns:r="http://schemas.openxmlformats.org/officeDocument/2006/relationships" xmlns:p="http://schemas.openxmlformats.org/presentationml/2006/main" preserve="1">
+<p:sldLayout xmlns:a="http://schemas.openxmlformats.org/drawingml/2006/main" xmlns:r="http://schemas.openxmlformats.org/officeDocument/2006/relationships" xmlns:p="http://schemas.openxmlformats.org/presentationml/2006/main" showMasterSp="0" preserve="1">
   <p:cSld name="Carte nom">
     <p:spTree>
       <p:nvGrpSpPr>
@@ -1704,7 +1704,7 @@
           <a:p>
             <a:fld id="{EF4EE311-FCA4-4D61-9C7F-ABE9539F2810}" type="datetime1">
               <a:rPr lang="en-US" smtClean="0"/>
-              <a:t>6/13/2018</a:t>
+              <a:t>6/14/2018</a:t>
             </a:fld>
             <a:endParaRPr lang="en-US" dirty="0"/>
           </a:p>
@@ -1761,7 +1761,7 @@
 </file>
 
 <file path=ppt/slideLayouts/slideLayout14.xml><?xml version="1.0" encoding="utf-8"?>
-<p:sldLayout xmlns:a="http://schemas.openxmlformats.org/drawingml/2006/main" xmlns:r="http://schemas.openxmlformats.org/officeDocument/2006/relationships" xmlns:p="http://schemas.openxmlformats.org/presentationml/2006/main" preserve="1">
+<p:sldLayout xmlns:a="http://schemas.openxmlformats.org/drawingml/2006/main" xmlns:r="http://schemas.openxmlformats.org/officeDocument/2006/relationships" xmlns:p="http://schemas.openxmlformats.org/presentationml/2006/main" showMasterSp="0" preserve="1">
   <p:cSld name="3 colonnes">
     <p:spTree>
       <p:nvGrpSpPr>
@@ -2309,7 +2309,7 @@
           <a:p>
             <a:fld id="{CFAF7955-B6AA-41E5-A4F0-CFFF6C7B14A4}" type="datetime1">
               <a:rPr lang="en-US" smtClean="0"/>
-              <a:t>6/13/2018</a:t>
+              <a:t>6/14/2018</a:t>
             </a:fld>
             <a:endParaRPr lang="en-US" dirty="0"/>
           </a:p>
@@ -2366,7 +2366,7 @@
 </file>
 
 <file path=ppt/slideLayouts/slideLayout15.xml><?xml version="1.0" encoding="utf-8"?>
-<p:sldLayout xmlns:a="http://schemas.openxmlformats.org/drawingml/2006/main" xmlns:r="http://schemas.openxmlformats.org/officeDocument/2006/relationships" xmlns:p="http://schemas.openxmlformats.org/presentationml/2006/main" preserve="1">
+<p:sldLayout xmlns:a="http://schemas.openxmlformats.org/drawingml/2006/main" xmlns:r="http://schemas.openxmlformats.org/officeDocument/2006/relationships" xmlns:p="http://schemas.openxmlformats.org/presentationml/2006/main" showMasterSp="0" preserve="1">
   <p:cSld name="3 colonnes d’image">
     <p:spTree>
       <p:nvGrpSpPr>
@@ -3151,7 +3151,7 @@
           <a:p>
             <a:fld id="{B20DB41A-1379-4832-8957-D3978FB3DA1E}" type="datetime1">
               <a:rPr lang="en-US" smtClean="0"/>
-              <a:t>6/13/2018</a:t>
+              <a:t>6/14/2018</a:t>
             </a:fld>
             <a:endParaRPr lang="en-US" dirty="0"/>
           </a:p>
@@ -3208,7 +3208,7 @@
 </file>
 
 <file path=ppt/slideLayouts/slideLayout16.xml><?xml version="1.0" encoding="utf-8"?>
-<p:sldLayout xmlns:a="http://schemas.openxmlformats.org/drawingml/2006/main" xmlns:r="http://schemas.openxmlformats.org/officeDocument/2006/relationships" xmlns:p="http://schemas.openxmlformats.org/presentationml/2006/main" type="vertTx" preserve="1">
+<p:sldLayout xmlns:a="http://schemas.openxmlformats.org/drawingml/2006/main" xmlns:r="http://schemas.openxmlformats.org/officeDocument/2006/relationships" xmlns:p="http://schemas.openxmlformats.org/presentationml/2006/main" showMasterSp="0" type="vertTx" preserve="1">
   <p:cSld name="Titre et texte vertical">
     <p:spTree>
       <p:nvGrpSpPr>
@@ -3316,7 +3316,7 @@
           <a:p>
             <a:fld id="{63DE1AD8-860D-4793-B6C2-D61055E49CCC}" type="datetime1">
               <a:rPr lang="en-US" smtClean="0"/>
-              <a:t>6/13/2018</a:t>
+              <a:t>6/14/2018</a:t>
             </a:fld>
             <a:endParaRPr lang="en-US" dirty="0"/>
           </a:p>
@@ -3373,7 +3373,7 @@
 </file>
 
 <file path=ppt/slideLayouts/slideLayout17.xml><?xml version="1.0" encoding="utf-8"?>
-<p:sldLayout xmlns:a="http://schemas.openxmlformats.org/drawingml/2006/main" xmlns:r="http://schemas.openxmlformats.org/officeDocument/2006/relationships" xmlns:p="http://schemas.openxmlformats.org/presentationml/2006/main" type="vertTitleAndTx" preserve="1">
+<p:sldLayout xmlns:a="http://schemas.openxmlformats.org/drawingml/2006/main" xmlns:r="http://schemas.openxmlformats.org/officeDocument/2006/relationships" xmlns:p="http://schemas.openxmlformats.org/presentationml/2006/main" showMasterSp="0" type="vertTitleAndTx" preserve="1">
   <p:cSld name="Titre vertical et texte">
     <p:spTree>
       <p:nvGrpSpPr>
@@ -3491,7 +3491,7 @@
           <a:p>
             <a:fld id="{2907CFD0-5F18-4F41-A38D-971BA21B2BB9}" type="datetime1">
               <a:rPr lang="en-US" smtClean="0"/>
-              <a:t>6/13/2018</a:t>
+              <a:t>6/14/2018</a:t>
             </a:fld>
             <a:endParaRPr lang="en-US" dirty="0"/>
           </a:p>
@@ -3548,7 +3548,7 @@
 </file>
 
 <file path=ppt/slideLayouts/slideLayout2.xml><?xml version="1.0" encoding="utf-8"?>
-<p:sldLayout xmlns:a="http://schemas.openxmlformats.org/drawingml/2006/main" xmlns:r="http://schemas.openxmlformats.org/officeDocument/2006/relationships" xmlns:p="http://schemas.openxmlformats.org/presentationml/2006/main" type="obj" preserve="1">
+<p:sldLayout xmlns:a="http://schemas.openxmlformats.org/drawingml/2006/main" xmlns:r="http://schemas.openxmlformats.org/officeDocument/2006/relationships" xmlns:p="http://schemas.openxmlformats.org/presentationml/2006/main" showMasterSp="0" type="obj" preserve="1">
   <p:cSld name="Titre et contenu">
     <p:spTree>
       <p:nvGrpSpPr>
@@ -3656,7 +3656,7 @@
           <a:p>
             <a:fld id="{B9B54062-8C55-4633-8FD9-80306C493CED}" type="datetime1">
               <a:rPr lang="en-US" smtClean="0"/>
-              <a:t>6/13/2018</a:t>
+              <a:t>6/14/2018</a:t>
             </a:fld>
             <a:endParaRPr lang="en-US" dirty="0"/>
           </a:p>
@@ -3713,7 +3713,7 @@
 </file>
 
 <file path=ppt/slideLayouts/slideLayout3.xml><?xml version="1.0" encoding="utf-8"?>
-<p:sldLayout xmlns:a="http://schemas.openxmlformats.org/drawingml/2006/main" xmlns:r="http://schemas.openxmlformats.org/officeDocument/2006/relationships" xmlns:p="http://schemas.openxmlformats.org/presentationml/2006/main" type="secHead" preserve="1">
+<p:sldLayout xmlns:a="http://schemas.openxmlformats.org/drawingml/2006/main" xmlns:r="http://schemas.openxmlformats.org/officeDocument/2006/relationships" xmlns:p="http://schemas.openxmlformats.org/presentationml/2006/main" showMasterSp="0" type="secHead" preserve="1">
   <p:cSld name="Titre de section">
     <p:spTree>
       <p:nvGrpSpPr>
@@ -3895,7 +3895,7 @@
           <a:p>
             <a:fld id="{23DD96B0-7C9F-4C4A-84A6-4E557E85ABF2}" type="datetime1">
               <a:rPr lang="en-US" smtClean="0"/>
-              <a:t>6/13/2018</a:t>
+              <a:t>6/14/2018</a:t>
             </a:fld>
             <a:endParaRPr lang="en-US" dirty="0"/>
           </a:p>
@@ -3952,7 +3952,7 @@
 </file>
 
 <file path=ppt/slideLayouts/slideLayout4.xml><?xml version="1.0" encoding="utf-8"?>
-<p:sldLayout xmlns:a="http://schemas.openxmlformats.org/drawingml/2006/main" xmlns:r="http://schemas.openxmlformats.org/officeDocument/2006/relationships" xmlns:p="http://schemas.openxmlformats.org/presentationml/2006/main" type="twoObj" preserve="1">
+<p:sldLayout xmlns:a="http://schemas.openxmlformats.org/drawingml/2006/main" xmlns:r="http://schemas.openxmlformats.org/officeDocument/2006/relationships" xmlns:p="http://schemas.openxmlformats.org/presentationml/2006/main" showMasterSp="0" type="twoObj" preserve="1">
   <p:cSld name="Deux contenus">
     <p:spTree>
       <p:nvGrpSpPr>
@@ -4182,7 +4182,7 @@
           <a:p>
             <a:fld id="{C7F70A21-362C-4CAA-8B67-E996FC463D1E}" type="datetime1">
               <a:rPr lang="en-US" smtClean="0"/>
-              <a:t>6/13/2018</a:t>
+              <a:t>6/14/2018</a:t>
             </a:fld>
             <a:endParaRPr lang="en-US" dirty="0"/>
           </a:p>
@@ -4239,7 +4239,7 @@
 </file>
 
 <file path=ppt/slideLayouts/slideLayout5.xml><?xml version="1.0" encoding="utf-8"?>
-<p:sldLayout xmlns:a="http://schemas.openxmlformats.org/drawingml/2006/main" xmlns:r="http://schemas.openxmlformats.org/officeDocument/2006/relationships" xmlns:p="http://schemas.openxmlformats.org/presentationml/2006/main" type="twoTxTwoObj" preserve="1">
+<p:sldLayout xmlns:a="http://schemas.openxmlformats.org/drawingml/2006/main" xmlns:r="http://schemas.openxmlformats.org/officeDocument/2006/relationships" xmlns:p="http://schemas.openxmlformats.org/presentationml/2006/main" showMasterSp="0" type="twoTxTwoObj" preserve="1">
   <p:cSld name="Comparaison">
     <p:spTree>
       <p:nvGrpSpPr>
@@ -4615,7 +4615,7 @@
           <a:p>
             <a:fld id="{EC1CB69A-A7BE-4ECC-88C3-18AEDAFB3DE2}" type="datetime1">
               <a:rPr lang="en-US" smtClean="0"/>
-              <a:t>6/13/2018</a:t>
+              <a:t>6/14/2018</a:t>
             </a:fld>
             <a:endParaRPr lang="en-US" dirty="0"/>
           </a:p>
@@ -4672,7 +4672,7 @@
 </file>
 
 <file path=ppt/slideLayouts/slideLayout6.xml><?xml version="1.0" encoding="utf-8"?>
-<p:sldLayout xmlns:a="http://schemas.openxmlformats.org/drawingml/2006/main" xmlns:r="http://schemas.openxmlformats.org/officeDocument/2006/relationships" xmlns:p="http://schemas.openxmlformats.org/presentationml/2006/main" type="titleOnly" preserve="1">
+<p:sldLayout xmlns:a="http://schemas.openxmlformats.org/drawingml/2006/main" xmlns:r="http://schemas.openxmlformats.org/officeDocument/2006/relationships" xmlns:p="http://schemas.openxmlformats.org/presentationml/2006/main" showMasterSp="0" type="titleOnly" preserve="1">
   <p:cSld name="Titre seul">
     <p:spTree>
       <p:nvGrpSpPr>
@@ -4728,7 +4728,7 @@
           <a:p>
             <a:fld id="{93BAAE6F-FAF9-4CFE-836E-2F24EBA3EE38}" type="datetime1">
               <a:rPr lang="en-US" smtClean="0"/>
-              <a:t>6/13/2018</a:t>
+              <a:t>6/14/2018</a:t>
             </a:fld>
             <a:endParaRPr lang="en-US" dirty="0"/>
           </a:p>
@@ -4785,7 +4785,7 @@
 </file>
 
 <file path=ppt/slideLayouts/slideLayout7.xml><?xml version="1.0" encoding="utf-8"?>
-<p:sldLayout xmlns:a="http://schemas.openxmlformats.org/drawingml/2006/main" xmlns:r="http://schemas.openxmlformats.org/officeDocument/2006/relationships" xmlns:p="http://schemas.openxmlformats.org/presentationml/2006/main" type="blank" preserve="1">
+<p:sldLayout xmlns:a="http://schemas.openxmlformats.org/drawingml/2006/main" xmlns:r="http://schemas.openxmlformats.org/officeDocument/2006/relationships" xmlns:p="http://schemas.openxmlformats.org/presentationml/2006/main" showMasterSp="0" type="blank" preserve="1">
   <p:cSld name="Vide">
     <p:spTree>
       <p:nvGrpSpPr>
@@ -4818,7 +4818,7 @@
           <a:p>
             <a:fld id="{7204742A-3B12-4658-BC9E-5CD9F2F701F2}" type="datetime1">
               <a:rPr lang="en-US" smtClean="0"/>
-              <a:t>6/13/2018</a:t>
+              <a:t>6/14/2018</a:t>
             </a:fld>
             <a:endParaRPr lang="en-US" dirty="0"/>
           </a:p>
@@ -4875,7 +4875,7 @@
 </file>
 
 <file path=ppt/slideLayouts/slideLayout8.xml><?xml version="1.0" encoding="utf-8"?>
-<p:sldLayout xmlns:a="http://schemas.openxmlformats.org/drawingml/2006/main" xmlns:r="http://schemas.openxmlformats.org/officeDocument/2006/relationships" xmlns:p="http://schemas.openxmlformats.org/presentationml/2006/main" type="objTx" preserve="1">
+<p:sldLayout xmlns:a="http://schemas.openxmlformats.org/drawingml/2006/main" xmlns:r="http://schemas.openxmlformats.org/officeDocument/2006/relationships" xmlns:p="http://schemas.openxmlformats.org/presentationml/2006/main" showMasterSp="0" type="objTx" preserve="1">
   <p:cSld name="Contenu avec légende">
     <p:spTree>
       <p:nvGrpSpPr>
@@ -5092,7 +5092,7 @@
           <a:p>
             <a:fld id="{5A7A27F9-DEDB-496E-9804-5489745303D1}" type="datetime1">
               <a:rPr lang="en-US" smtClean="0"/>
-              <a:t>6/13/2018</a:t>
+              <a:t>6/14/2018</a:t>
             </a:fld>
             <a:endParaRPr lang="en-US" dirty="0"/>
           </a:p>
@@ -5149,7 +5149,7 @@
 </file>
 
 <file path=ppt/slideLayouts/slideLayout9.xml><?xml version="1.0" encoding="utf-8"?>
-<p:sldLayout xmlns:a="http://schemas.openxmlformats.org/drawingml/2006/main" xmlns:r="http://schemas.openxmlformats.org/officeDocument/2006/relationships" xmlns:p="http://schemas.openxmlformats.org/presentationml/2006/main" type="picTx" preserve="1">
+<p:sldLayout xmlns:a="http://schemas.openxmlformats.org/drawingml/2006/main" xmlns:r="http://schemas.openxmlformats.org/officeDocument/2006/relationships" xmlns:p="http://schemas.openxmlformats.org/presentationml/2006/main" showMasterSp="0" type="picTx" preserve="1">
   <p:cSld name="Image avec légende">
     <p:spTree>
       <p:nvGrpSpPr>
@@ -5362,7 +5362,7 @@
           <a:p>
             <a:fld id="{1C20149E-75DB-4F1B-B435-795B47EF37D9}" type="datetime1">
               <a:rPr lang="en-US" smtClean="0"/>
-              <a:t>6/13/2018</a:t>
+              <a:t>6/14/2018</a:t>
             </a:fld>
             <a:endParaRPr lang="en-US" dirty="0"/>
           </a:p>
@@ -5422,9 +5422,31 @@
 <p:sldMaster xmlns:a="http://schemas.openxmlformats.org/drawingml/2006/main" xmlns:r="http://schemas.openxmlformats.org/officeDocument/2006/relationships" xmlns:p="http://schemas.openxmlformats.org/presentationml/2006/main">
   <p:cSld>
     <p:bg>
-      <p:bgRef idx="1003">
-        <a:schemeClr val="bg2"/>
-      </p:bgRef>
+      <p:bgPr>
+        <a:blipFill dpi="0" rotWithShape="1">
+          <a:blip r:embed="rId19">
+            <a:extLst>
+              <a:ext uri="{BEBA8EAE-BF5A-486C-A8C5-ECC9F3942E4B}">
+                <a14:imgProps xmlns:a14="http://schemas.microsoft.com/office/drawing/2010/main">
+                  <a14:imgLayer r:embed="rId20">
+                    <a14:imgEffect>
+                      <a14:sharpenSoften amount="-100000"/>
+                    </a14:imgEffect>
+                    <a14:imgEffect>
+                      <a14:brightnessContrast bright="-35000"/>
+                    </a14:imgEffect>
+                  </a14:imgLayer>
+                </a14:imgProps>
+              </a:ext>
+            </a:extLst>
+          </a:blip>
+          <a:srcRect/>
+          <a:stretch>
+            <a:fillRect t="-6000" b="-6000"/>
+          </a:stretch>
+        </a:blipFill>
+        <a:effectLst/>
+      </p:bgPr>
     </p:bg>
     <p:spTree>
       <p:nvGrpSpPr>
@@ -5449,7 +5471,7 @@
           <p:nvPr/>
         </p:nvPicPr>
         <p:blipFill rotWithShape="1">
-          <a:blip r:embed="rId19">
+          <a:blip r:embed="rId21">
             <a:extLst>
               <a:ext uri="{28A0092B-C50C-407E-A947-70E740481C1C}">
                 <a14:useLocalDpi xmlns:a14="http://schemas.microsoft.com/office/drawing/2010/main" val="0"/>
@@ -5478,7 +5500,7 @@
           <p:nvPr/>
         </p:nvPicPr>
         <p:blipFill rotWithShape="1">
-          <a:blip r:embed="rId20">
+          <a:blip r:embed="rId22">
             <a:extLst>
               <a:ext uri="{28A0092B-C50C-407E-A947-70E740481C1C}">
                 <a14:useLocalDpi xmlns:a14="http://schemas.microsoft.com/office/drawing/2010/main" val="0"/>
@@ -5570,7 +5592,7 @@
           <p:nvPr/>
         </p:nvPicPr>
         <p:blipFill rotWithShape="1">
-          <a:blip r:embed="rId21">
+          <a:blip r:embed="rId23">
             <a:extLst>
               <a:ext uri="{28A0092B-C50C-407E-A947-70E740481C1C}">
                 <a14:useLocalDpi xmlns:a14="http://schemas.microsoft.com/office/drawing/2010/main" val="0"/>
@@ -5599,7 +5621,7 @@
           <p:nvPr/>
         </p:nvPicPr>
         <p:blipFill rotWithShape="1">
-          <a:blip r:embed="rId22">
+          <a:blip r:embed="rId24">
             <a:extLst>
               <a:ext uri="{28A0092B-C50C-407E-A947-70E740481C1C}">
                 <a14:useLocalDpi xmlns:a14="http://schemas.microsoft.com/office/drawing/2010/main" val="0"/>
@@ -5786,7 +5808,7 @@
           <a:p>
             <a:fld id="{07AB69C2-87B5-4F58-A057-C3828DDD4531}" type="datetime1">
               <a:rPr lang="en-US" smtClean="0"/>
-              <a:t>6/13/2018</a:t>
+              <a:t>6/14/2018</a:t>
             </a:fld>
             <a:endParaRPr lang="en-US" dirty="0"/>
           </a:p>
@@ -6267,7 +6289,7 @@
 </file>
 
 <file path=ppt/slides/slide1.xml><?xml version="1.0" encoding="utf-8"?>
-<p:sld xmlns:a="http://schemas.openxmlformats.org/drawingml/2006/main" xmlns:r="http://schemas.openxmlformats.org/officeDocument/2006/relationships" xmlns:p="http://schemas.openxmlformats.org/presentationml/2006/main">
+<p:sld xmlns:a="http://schemas.openxmlformats.org/drawingml/2006/main" xmlns:r="http://schemas.openxmlformats.org/officeDocument/2006/relationships" xmlns:p="http://schemas.openxmlformats.org/presentationml/2006/main" showMasterSp="0">
   <p:cSld>
     <p:spTree>
       <p:nvGrpSpPr>
@@ -6283,6 +6305,70 @@
           <a:chExt cx="0" cy="0"/>
         </a:xfrm>
       </p:grpSpPr>
+      <p:pic>
+        <p:nvPicPr>
+          <p:cNvPr id="8" name="Image 7"/>
+          <p:cNvPicPr>
+            <a:picLocks noChangeAspect="1"/>
+          </p:cNvPicPr>
+          <p:nvPr/>
+        </p:nvPicPr>
+        <p:blipFill>
+          <a:blip r:embed="rId2"/>
+          <a:stretch>
+            <a:fillRect/>
+          </a:stretch>
+        </p:blipFill>
+        <p:spPr>
+          <a:xfrm>
+            <a:off x="1154955" y="451946"/>
+            <a:ext cx="5352937" cy="1260955"/>
+          </a:xfrm>
+          <a:prstGeom prst="rect">
+            <a:avLst/>
+          </a:prstGeom>
+          <a:effectLst>
+            <a:outerShdw dist="38100" dir="5400000" sx="1000" sy="1000" algn="t" rotWithShape="0">
+              <a:prstClr val="black">
+                <a:alpha val="0"/>
+              </a:prstClr>
+            </a:outerShdw>
+            <a:softEdge rad="0"/>
+          </a:effectLst>
+        </p:spPr>
+      </p:pic>
+      <p:pic>
+        <p:nvPicPr>
+          <p:cNvPr id="7" name="Image 6"/>
+          <p:cNvPicPr>
+            <a:picLocks noChangeAspect="1"/>
+          </p:cNvPicPr>
+          <p:nvPr/>
+        </p:nvPicPr>
+        <p:blipFill>
+          <a:blip r:embed="rId2"/>
+          <a:stretch>
+            <a:fillRect/>
+          </a:stretch>
+        </p:blipFill>
+        <p:spPr>
+          <a:xfrm>
+            <a:off x="11044719" y="0"/>
+            <a:ext cx="1162519" cy="1249709"/>
+          </a:xfrm>
+          <a:prstGeom prst="rect">
+            <a:avLst/>
+          </a:prstGeom>
+          <a:effectLst>
+            <a:outerShdw dist="38100" dir="5400000" sx="1000" sy="1000" algn="t" rotWithShape="0">
+              <a:prstClr val="black">
+                <a:alpha val="0"/>
+              </a:prstClr>
+            </a:outerShdw>
+            <a:softEdge rad="0"/>
+          </a:effectLst>
+        </p:spPr>
+      </p:pic>
       <p:sp>
         <p:nvSpPr>
           <p:cNvPr id="2" name="Titre 1"/>
@@ -6312,6 +6398,7 @@
                     </a:srgbClr>
                   </a:outerShdw>
                 </a:effectLst>
+                <a:latin typeface="Raleway" panose="020B0503030101060003" pitchFamily="34" charset="0"/>
               </a:rPr>
               <a:t>TPI </a:t>
             </a:r>
@@ -6324,6 +6411,7 @@
                     </a:srgbClr>
                   </a:outerShdw>
                 </a:effectLst>
+                <a:latin typeface="Raleway" panose="020B0503030101060003" pitchFamily="34" charset="0"/>
               </a:rPr>
               <a:t>Multiplix</a:t>
             </a:r>
@@ -6335,6 +6423,7 @@
                   </a:srgbClr>
                 </a:outerShdw>
               </a:effectLst>
+              <a:latin typeface="Raleway" panose="020B0503030101060003" pitchFamily="34" charset="0"/>
             </a:endParaRPr>
           </a:p>
         </p:txBody>
@@ -6351,7 +6440,7 @@
         </p:nvSpPr>
         <p:spPr>
           <a:xfrm>
-            <a:off x="1154955" y="4711471"/>
+            <a:off x="1154955" y="4917421"/>
             <a:ext cx="10035784" cy="1582239"/>
           </a:xfrm>
         </p:spPr>
@@ -6374,6 +6463,7 @@
                     </a:srgbClr>
                   </a:outerShdw>
                 </a:effectLst>
+                <a:latin typeface="Raleway" panose="020B0503030101060003" pitchFamily="34" charset="0"/>
               </a:rPr>
               <a:t>Gerardi Alexandre</a:t>
             </a:r>
@@ -6392,6 +6482,7 @@
                     </a:srgbClr>
                   </a:outerShdw>
                 </a:effectLst>
+                <a:latin typeface="Raleway" panose="020B0503030101060003" pitchFamily="34" charset="0"/>
               </a:rPr>
               <a:t>CPNV Ste-Croix</a:t>
             </a:r>
@@ -6410,6 +6501,7 @@
                     </a:srgbClr>
                   </a:outerShdw>
                 </a:effectLst>
+                <a:latin typeface="Raleway" panose="020B0503030101060003" pitchFamily="34" charset="0"/>
               </a:rPr>
               <a:t>Si-C4a</a:t>
             </a:r>
@@ -6424,6 +6516,7 @@
                   </a:srgbClr>
                 </a:outerShdw>
               </a:effectLst>
+              <a:latin typeface="Raleway" panose="020B0503030101060003" pitchFamily="34" charset="0"/>
             </a:endParaRPr>
           </a:p>
         </p:txBody>
@@ -6437,11 +6530,11 @@
           <p:nvPr/>
         </p:nvPicPr>
         <p:blipFill>
-          <a:blip r:embed="rId2">
+          <a:blip r:embed="rId3">
             <a:extLst>
               <a:ext uri="{BEBA8EAE-BF5A-486C-A8C5-ECC9F3942E4B}">
                 <a14:imgProps xmlns:a14="http://schemas.microsoft.com/office/drawing/2010/main">
-                  <a14:imgLayer r:embed="rId3">
+                  <a14:imgLayer r:embed="rId4">
                     <a14:imgEffect>
                       <a14:sharpenSoften amount="100000"/>
                     </a14:imgEffect>
@@ -6462,7 +6555,7 @@
         </p:blipFill>
         <p:spPr>
           <a:xfrm>
-            <a:off x="3548709" y="1812011"/>
+            <a:off x="3548709" y="1968533"/>
             <a:ext cx="5248275" cy="2800350"/>
           </a:xfrm>
           <a:prstGeom prst="roundRect">
@@ -6510,13 +6603,18 @@
             <p:ph type="sldNum" sz="quarter" idx="12"/>
           </p:nvPr>
         </p:nvSpPr>
-        <p:spPr/>
+        <p:spPr>
+          <a:xfrm>
+            <a:off x="11044719" y="0"/>
+            <a:ext cx="1147281" cy="1219633"/>
+          </a:xfrm>
+        </p:spPr>
         <p:txBody>
           <a:bodyPr/>
           <a:lstStyle/>
           <a:p>
             <a:r>
-              <a:rPr lang="en-US" sz="1900" dirty="0" smtClean="0">
+              <a:rPr lang="en-US" sz="3000" b="1" dirty="0" smtClean="0">
                 <a:effectLst>
                   <a:outerShdw blurRad="38100" dist="38100" dir="2700000" algn="tl">
                     <a:srgbClr val="000000">
@@ -6524,6 +6622,7 @@
                     </a:srgbClr>
                   </a:outerShdw>
                 </a:effectLst>
+                <a:latin typeface="Raleway" panose="020B0503030101060003" pitchFamily="34" charset="0"/>
               </a:rPr>
               <a:t>12.5%</a:t>
             </a:r>
@@ -6676,7 +6775,7 @@
 </file>
 
 <file path=ppt/slides/slide2.xml><?xml version="1.0" encoding="utf-8"?>
-<p:sld xmlns:a="http://schemas.openxmlformats.org/drawingml/2006/main" xmlns:r="http://schemas.openxmlformats.org/officeDocument/2006/relationships" xmlns:p="http://schemas.openxmlformats.org/presentationml/2006/main">
+<p:sld xmlns:a="http://schemas.openxmlformats.org/drawingml/2006/main" xmlns:r="http://schemas.openxmlformats.org/officeDocument/2006/relationships" xmlns:p="http://schemas.openxmlformats.org/presentationml/2006/main" showMasterSp="0">
   <p:cSld>
     <p:spTree>
       <p:nvGrpSpPr>
@@ -6694,6 +6793,146 @@
       </p:grpSpPr>
       <p:pic>
         <p:nvPicPr>
+          <p:cNvPr id="9" name="Image 8"/>
+          <p:cNvPicPr>
+            <a:picLocks noChangeAspect="1"/>
+          </p:cNvPicPr>
+          <p:nvPr/>
+        </p:nvPicPr>
+        <p:blipFill>
+          <a:blip r:embed="rId2"/>
+          <a:stretch>
+            <a:fillRect/>
+          </a:stretch>
+        </p:blipFill>
+        <p:spPr>
+          <a:xfrm>
+            <a:off x="6591839" y="3247501"/>
+            <a:ext cx="3104129" cy="1755383"/>
+          </a:xfrm>
+          <a:prstGeom prst="rect">
+            <a:avLst/>
+          </a:prstGeom>
+          <a:effectLst>
+            <a:reflection blurRad="6350" endPos="0" dir="5400000" sy="-100000" algn="bl" rotWithShape="0"/>
+          </a:effectLst>
+        </p:spPr>
+      </p:pic>
+      <p:pic>
+        <p:nvPicPr>
+          <p:cNvPr id="12" name="Image 11"/>
+          <p:cNvPicPr>
+            <a:picLocks noChangeAspect="1"/>
+          </p:cNvPicPr>
+          <p:nvPr/>
+        </p:nvPicPr>
+        <p:blipFill>
+          <a:blip r:embed="rId3"/>
+          <a:stretch>
+            <a:fillRect/>
+          </a:stretch>
+        </p:blipFill>
+        <p:spPr>
+          <a:xfrm>
+            <a:off x="9343072" y="4376111"/>
+            <a:ext cx="1321503" cy="1531530"/>
+          </a:xfrm>
+          <a:prstGeom prst="rect">
+            <a:avLst/>
+          </a:prstGeom>
+          <a:effectLst>
+            <a:reflection blurRad="6350" endPos="0" dir="5400000" sy="-100000" algn="bl" rotWithShape="0"/>
+          </a:effectLst>
+        </p:spPr>
+      </p:pic>
+      <p:pic>
+        <p:nvPicPr>
+          <p:cNvPr id="13" name="Image 12"/>
+          <p:cNvPicPr>
+            <a:picLocks noChangeAspect="1"/>
+          </p:cNvPicPr>
+          <p:nvPr/>
+        </p:nvPicPr>
+        <p:blipFill>
+          <a:blip r:embed="rId3"/>
+          <a:stretch>
+            <a:fillRect/>
+          </a:stretch>
+        </p:blipFill>
+        <p:spPr>
+          <a:xfrm>
+            <a:off x="9052496" y="5269091"/>
+            <a:ext cx="612650" cy="862403"/>
+          </a:xfrm>
+          <a:prstGeom prst="rect">
+            <a:avLst/>
+          </a:prstGeom>
+          <a:effectLst>
+            <a:reflection blurRad="6350" endPos="0" dir="5400000" sy="-100000" algn="bl" rotWithShape="0"/>
+          </a:effectLst>
+        </p:spPr>
+      </p:pic>
+      <p:pic>
+        <p:nvPicPr>
+          <p:cNvPr id="10" name="Image 9"/>
+          <p:cNvPicPr>
+            <a:picLocks noChangeAspect="1"/>
+          </p:cNvPicPr>
+          <p:nvPr/>
+        </p:nvPicPr>
+        <p:blipFill>
+          <a:blip r:embed="rId2"/>
+          <a:stretch>
+            <a:fillRect/>
+          </a:stretch>
+        </p:blipFill>
+        <p:spPr>
+          <a:xfrm>
+            <a:off x="5235457" y="4301770"/>
+            <a:ext cx="2521531" cy="1308650"/>
+          </a:xfrm>
+          <a:prstGeom prst="rect">
+            <a:avLst/>
+          </a:prstGeom>
+          <a:effectLst>
+            <a:reflection blurRad="6350" endPos="0" dir="5400000" sy="-100000" algn="bl" rotWithShape="0"/>
+          </a:effectLst>
+        </p:spPr>
+      </p:pic>
+      <p:pic>
+        <p:nvPicPr>
+          <p:cNvPr id="8" name="Image 7"/>
+          <p:cNvPicPr>
+            <a:picLocks noChangeAspect="1"/>
+          </p:cNvPicPr>
+          <p:nvPr/>
+        </p:nvPicPr>
+        <p:blipFill>
+          <a:blip r:embed="rId4"/>
+          <a:stretch>
+            <a:fillRect/>
+          </a:stretch>
+        </p:blipFill>
+        <p:spPr>
+          <a:xfrm>
+            <a:off x="630873" y="452718"/>
+            <a:ext cx="4970857" cy="796991"/>
+          </a:xfrm>
+          <a:prstGeom prst="rect">
+            <a:avLst/>
+          </a:prstGeom>
+          <a:effectLst>
+            <a:outerShdw dist="38100" dir="5400000" sx="1000" sy="1000" algn="t" rotWithShape="0">
+              <a:prstClr val="black">
+                <a:alpha val="0"/>
+              </a:prstClr>
+            </a:outerShdw>
+            <a:softEdge rad="0"/>
+          </a:effectLst>
+        </p:spPr>
+      </p:pic>
+      <p:pic>
+        <p:nvPicPr>
           <p:cNvPr id="6" name="Image 5"/>
           <p:cNvPicPr>
             <a:picLocks noChangeAspect="1"/>
@@ -6701,7 +6940,7 @@
           <p:nvPr/>
         </p:nvPicPr>
         <p:blipFill>
-          <a:blip r:embed="rId2">
+          <a:blip r:embed="rId5">
             <a:duotone>
               <a:schemeClr val="bg2">
                 <a:shade val="45000"/>
@@ -6712,7 +6951,7 @@
             <a:extLst>
               <a:ext uri="{BEBA8EAE-BF5A-486C-A8C5-ECC9F3942E4B}">
                 <a14:imgProps xmlns:a14="http://schemas.microsoft.com/office/drawing/2010/main">
-                  <a14:imgLayer r:embed="rId3">
+                  <a14:imgLayer r:embed="rId6">
                     <a14:imgEffect>
                       <a14:colorTemperature colorTemp="11500"/>
                     </a14:imgEffect>
@@ -6743,7 +6982,7 @@
             <a:glow rad="139700">
               <a:schemeClr val="bg1"/>
             </a:glow>
-            <a:reflection blurRad="241300" stA="40000" endPos="45000" dist="50800" dir="5400000" sy="-100000" algn="bl" rotWithShape="0"/>
+            <a:reflection blurRad="6350" endPos="0" dir="5400000" sy="-100000" algn="bl" rotWithShape="0"/>
           </a:effectLst>
         </p:spPr>
       </p:pic>
@@ -6771,6 +7010,7 @@
                     </a:srgbClr>
                   </a:outerShdw>
                 </a:effectLst>
+                <a:latin typeface="Raleway" panose="020B0503030101060003" pitchFamily="34" charset="0"/>
               </a:rPr>
               <a:t>Table des matières</a:t>
             </a:r>
@@ -6782,6 +7022,7 @@
                   </a:srgbClr>
                 </a:outerShdw>
               </a:effectLst>
+              <a:latin typeface="Raleway" panose="020B0503030101060003" pitchFamily="34" charset="0"/>
             </a:endParaRPr>
           </a:p>
         </p:txBody>
@@ -6796,15 +7037,28 @@
             <p:ph idx="1"/>
           </p:nvPr>
         </p:nvSpPr>
-        <p:spPr/>
+        <p:spPr>
+          <a:xfrm>
+            <a:off x="1103312" y="1846971"/>
+            <a:ext cx="8946541" cy="4195481"/>
+          </a:xfrm>
+        </p:spPr>
         <p:txBody>
           <a:bodyPr>
             <a:normAutofit/>
           </a:bodyPr>
           <a:lstStyle/>
           <a:p>
-            <a:r>
-              <a:rPr lang="fr-CH" sz="2800" b="1" dirty="0" smtClean="0">
+            <a:pPr>
+              <a:buClr>
+                <a:srgbClr val="009A9C"/>
+              </a:buClr>
+              <a:buSzPct val="100000"/>
+              <a:buFont typeface="Wingdings" panose="05000000000000000000" pitchFamily="2" charset="2"/>
+              <a:buChar char="§"/>
+            </a:pPr>
+            <a:r>
+              <a:rPr lang="fr-CH" sz="3200" b="1" dirty="0" smtClean="0">
                 <a:effectLst>
                   <a:outerShdw blurRad="38100" dist="38100" dir="2700000" algn="tl">
                     <a:srgbClr val="000000">
@@ -6812,13 +7066,22 @@
                     </a:srgbClr>
                   </a:outerShdw>
                 </a:effectLst>
+                <a:latin typeface="Raleway" panose="020B0503030101060003" pitchFamily="34" charset="0"/>
               </a:rPr>
               <a:t>Déroulement du TPI</a:t>
             </a:r>
           </a:p>
           <a:p>
-            <a:r>
-              <a:rPr lang="fr-CH" sz="2800" b="1" dirty="0" smtClean="0">
+            <a:pPr>
+              <a:buClr>
+                <a:srgbClr val="009A9C"/>
+              </a:buClr>
+              <a:buSzPct val="100000"/>
+              <a:buFont typeface="Wingdings" panose="05000000000000000000" pitchFamily="2" charset="2"/>
+              <a:buChar char="§"/>
+            </a:pPr>
+            <a:r>
+              <a:rPr lang="fr-CH" sz="3200" b="1" dirty="0" smtClean="0">
                 <a:effectLst>
                   <a:outerShdw blurRad="38100" dist="38100" dir="2700000" algn="tl">
                     <a:srgbClr val="000000">
@@ -6826,13 +7089,22 @@
                     </a:srgbClr>
                   </a:outerShdw>
                 </a:effectLst>
+                <a:latin typeface="Raleway" panose="020B0503030101060003" pitchFamily="34" charset="0"/>
               </a:rPr>
               <a:t>Comparaison du temps estimé au temps réel</a:t>
             </a:r>
           </a:p>
           <a:p>
-            <a:r>
-              <a:rPr lang="fr-CH" sz="2800" b="1" dirty="0" smtClean="0">
+            <a:pPr>
+              <a:buClr>
+                <a:srgbClr val="009A9C"/>
+              </a:buClr>
+              <a:buSzPct val="100000"/>
+              <a:buFont typeface="Wingdings" panose="05000000000000000000" pitchFamily="2" charset="2"/>
+              <a:buChar char="§"/>
+            </a:pPr>
+            <a:r>
+              <a:rPr lang="fr-CH" sz="3200" b="1" dirty="0" smtClean="0">
                 <a:effectLst>
                   <a:outerShdw blurRad="38100" dist="38100" dir="2700000" algn="tl">
                     <a:srgbClr val="000000">
@@ -6840,13 +7112,22 @@
                     </a:srgbClr>
                   </a:outerShdw>
                 </a:effectLst>
+                <a:latin typeface="Raleway" panose="020B0503030101060003" pitchFamily="34" charset="0"/>
               </a:rPr>
               <a:t>Particularité</a:t>
             </a:r>
           </a:p>
           <a:p>
-            <a:r>
-              <a:rPr lang="fr-CH" sz="2800" b="1" dirty="0" smtClean="0">
+            <a:pPr>
+              <a:buClr>
+                <a:srgbClr val="009A9C"/>
+              </a:buClr>
+              <a:buSzPct val="100000"/>
+              <a:buFont typeface="Wingdings" panose="05000000000000000000" pitchFamily="2" charset="2"/>
+              <a:buChar char="§"/>
+            </a:pPr>
+            <a:r>
+              <a:rPr lang="fr-CH" sz="3200" b="1" dirty="0" smtClean="0">
                 <a:effectLst>
                   <a:outerShdw blurRad="38100" dist="38100" dir="2700000" algn="tl">
                     <a:srgbClr val="000000">
@@ -6854,13 +7135,22 @@
                     </a:srgbClr>
                   </a:outerShdw>
                 </a:effectLst>
+                <a:latin typeface="Raleway" panose="020B0503030101060003" pitchFamily="34" charset="0"/>
               </a:rPr>
               <a:t>Difficultés</a:t>
             </a:r>
           </a:p>
           <a:p>
-            <a:r>
-              <a:rPr lang="fr-CH" sz="2800" b="1" dirty="0" smtClean="0">
+            <a:pPr>
+              <a:buClr>
+                <a:srgbClr val="009A9C"/>
+              </a:buClr>
+              <a:buSzPct val="100000"/>
+              <a:buFont typeface="Wingdings" panose="05000000000000000000" pitchFamily="2" charset="2"/>
+              <a:buChar char="§"/>
+            </a:pPr>
+            <a:r>
+              <a:rPr lang="fr-CH" sz="3200" b="1" dirty="0" smtClean="0">
                 <a:effectLst>
                   <a:outerShdw blurRad="38100" dist="38100" dir="2700000" algn="tl">
                     <a:srgbClr val="000000">
@@ -6868,13 +7158,22 @@
                     </a:srgbClr>
                   </a:outerShdw>
                 </a:effectLst>
+                <a:latin typeface="Raleway" panose="020B0503030101060003" pitchFamily="34" charset="0"/>
               </a:rPr>
               <a:t>Résultat final</a:t>
             </a:r>
           </a:p>
           <a:p>
-            <a:r>
-              <a:rPr lang="fr-CH" sz="2800" b="1" dirty="0" smtClean="0">
+            <a:pPr>
+              <a:buClr>
+                <a:srgbClr val="009A9C"/>
+              </a:buClr>
+              <a:buSzPct val="100000"/>
+              <a:buFont typeface="Wingdings" panose="05000000000000000000" pitchFamily="2" charset="2"/>
+              <a:buChar char="§"/>
+            </a:pPr>
+            <a:r>
+              <a:rPr lang="fr-CH" sz="3200" b="1" dirty="0" smtClean="0">
                 <a:effectLst>
                   <a:outerShdw blurRad="38100" dist="38100" dir="2700000" algn="tl">
                     <a:srgbClr val="000000">
@@ -6882,10 +7181,11 @@
                     </a:srgbClr>
                   </a:outerShdw>
                 </a:effectLst>
+                <a:latin typeface="Raleway" panose="020B0503030101060003" pitchFamily="34" charset="0"/>
               </a:rPr>
               <a:t>Questions?</a:t>
             </a:r>
-            <a:endParaRPr lang="fr-CH" sz="2800" b="1" dirty="0">
+            <a:endParaRPr lang="fr-CH" sz="3200" b="1" dirty="0">
               <a:effectLst>
                 <a:outerShdw blurRad="38100" dist="38100" dir="2700000" algn="tl">
                   <a:srgbClr val="000000">
@@ -6893,10 +7193,35 @@
                   </a:srgbClr>
                 </a:outerShdw>
               </a:effectLst>
+              <a:latin typeface="Raleway" panose="020B0503030101060003" pitchFamily="34" charset="0"/>
             </a:endParaRPr>
           </a:p>
         </p:txBody>
       </p:sp>
+      <p:pic>
+        <p:nvPicPr>
+          <p:cNvPr id="7" name="Image 6"/>
+          <p:cNvPicPr>
+            <a:picLocks noChangeAspect="1"/>
+          </p:cNvPicPr>
+          <p:nvPr/>
+        </p:nvPicPr>
+        <p:blipFill>
+          <a:blip r:embed="rId7"/>
+          <a:stretch>
+            <a:fillRect/>
+          </a:stretch>
+        </p:blipFill>
+        <p:spPr>
+          <a:xfrm>
+            <a:off x="11044719" y="0"/>
+            <a:ext cx="1162519" cy="1249709"/>
+          </a:xfrm>
+          <a:prstGeom prst="rect">
+            <a:avLst/>
+          </a:prstGeom>
+        </p:spPr>
+      </p:pic>
       <p:sp>
         <p:nvSpPr>
           <p:cNvPr id="4" name="Espace réservé du numéro de diapositive 3"/>
@@ -6907,13 +7232,18 @@
             <p:ph type="sldNum" sz="quarter" idx="12"/>
           </p:nvPr>
         </p:nvSpPr>
-        <p:spPr/>
+        <p:spPr>
+          <a:xfrm>
+            <a:off x="11044719" y="0"/>
+            <a:ext cx="1147281" cy="1249709"/>
+          </a:xfrm>
+        </p:spPr>
         <p:txBody>
           <a:bodyPr/>
           <a:lstStyle/>
           <a:p>
             <a:fld id="{D57F1E4F-1CFF-5643-939E-02111984F565}" type="slidenum">
-              <a:rPr lang="en-US" sz="1900" smtClean="0">
+              <a:rPr lang="en-US" sz="3000" b="1" smtClean="0">
                 <a:effectLst>
                   <a:outerShdw blurRad="38100" dist="38100" dir="2700000" algn="tl">
                     <a:srgbClr val="000000">
@@ -6921,11 +7251,12 @@
                     </a:srgbClr>
                   </a:outerShdw>
                 </a:effectLst>
+                <a:latin typeface="Raleway" panose="020B0503030101060003" pitchFamily="34" charset="0"/>
               </a:rPr>
               <a:t>2</a:t>
             </a:fld>
             <a:r>
-              <a:rPr lang="en-US" sz="1900" dirty="0" smtClean="0">
+              <a:rPr lang="en-US" sz="3000" b="1" dirty="0" smtClean="0">
                 <a:effectLst>
                   <a:outerShdw blurRad="38100" dist="38100" dir="2700000" algn="tl">
                     <a:srgbClr val="000000">
@@ -6933,10 +7264,11 @@
                     </a:srgbClr>
                   </a:outerShdw>
                 </a:effectLst>
+                <a:latin typeface="Raleway" panose="020B0503030101060003" pitchFamily="34" charset="0"/>
               </a:rPr>
               <a:t>5%</a:t>
             </a:r>
-            <a:endParaRPr lang="en-US" sz="1900" dirty="0">
+            <a:endParaRPr lang="en-US" sz="3000" b="1" dirty="0">
               <a:effectLst>
                 <a:outerShdw blurRad="38100" dist="38100" dir="2700000" algn="tl">
                   <a:srgbClr val="000000">
@@ -6944,267 +7276,7 @@
                   </a:srgbClr>
                 </a:outerShdw>
               </a:effectLst>
-            </a:endParaRPr>
-          </a:p>
-        </p:txBody>
-      </p:sp>
-      <p:sp>
-        <p:nvSpPr>
-          <p:cNvPr id="5" name="Espace réservé du contenu 2"/>
-          <p:cNvSpPr txBox="1">
-            <a:spLocks/>
-          </p:cNvSpPr>
-          <p:nvPr/>
-        </p:nvSpPr>
-        <p:spPr>
-          <a:xfrm>
-            <a:off x="-24714" y="6398641"/>
-            <a:ext cx="12192000" cy="409932"/>
-          </a:xfrm>
-          <a:prstGeom prst="rect">
-            <a:avLst/>
-          </a:prstGeom>
-        </p:spPr>
-        <p:txBody>
-          <a:bodyPr vert="horz" lIns="91440" tIns="45720" rIns="91440" bIns="45720" rtlCol="0">
-            <a:normAutofit lnSpcReduction="10000"/>
-          </a:bodyPr>
-          <a:lstStyle>
-            <a:lvl1pPr marL="342900" indent="-342900" algn="l" defTabSz="457200" rtl="0" eaLnBrk="1" latinLnBrk="0" hangingPunct="1">
-              <a:spcBef>
-                <a:spcPts val="1000"/>
-              </a:spcBef>
-              <a:spcAft>
-                <a:spcPts val="0"/>
-              </a:spcAft>
-              <a:buClr>
-                <a:schemeClr val="accent1"/>
-              </a:buClr>
-              <a:buSzPct val="80000"/>
-              <a:buFont typeface="Wingdings 3" charset="2"/>
-              <a:buChar char=""/>
-              <a:defRPr sz="2000" b="0" i="0" kern="1200">
-                <a:solidFill>
-                  <a:schemeClr val="tx1"/>
-                </a:solidFill>
-                <a:latin typeface="+mj-lt"/>
-                <a:ea typeface="+mj-ea"/>
-                <a:cs typeface="+mj-cs"/>
-              </a:defRPr>
-            </a:lvl1pPr>
-            <a:lvl2pPr marL="742950" indent="-285750" algn="l" defTabSz="457200" rtl="0" eaLnBrk="1" latinLnBrk="0" hangingPunct="1">
-              <a:spcBef>
-                <a:spcPts val="1000"/>
-              </a:spcBef>
-              <a:spcAft>
-                <a:spcPts val="0"/>
-              </a:spcAft>
-              <a:buClr>
-                <a:schemeClr val="accent1"/>
-              </a:buClr>
-              <a:buSzPct val="80000"/>
-              <a:buFont typeface="Wingdings 3" charset="2"/>
-              <a:buChar char=""/>
-              <a:defRPr sz="1800" b="0" i="0" kern="1200">
-                <a:solidFill>
-                  <a:schemeClr val="tx1"/>
-                </a:solidFill>
-                <a:latin typeface="+mj-lt"/>
-                <a:ea typeface="+mj-ea"/>
-                <a:cs typeface="+mj-cs"/>
-              </a:defRPr>
-            </a:lvl2pPr>
-            <a:lvl3pPr marL="1143000" indent="-228600" algn="l" defTabSz="457200" rtl="0" eaLnBrk="1" latinLnBrk="0" hangingPunct="1">
-              <a:spcBef>
-                <a:spcPts val="1000"/>
-              </a:spcBef>
-              <a:spcAft>
-                <a:spcPts val="0"/>
-              </a:spcAft>
-              <a:buClr>
-                <a:schemeClr val="accent1"/>
-              </a:buClr>
-              <a:buSzPct val="80000"/>
-              <a:buFont typeface="Wingdings 3" charset="2"/>
-              <a:buChar char=""/>
-              <a:defRPr sz="1600" b="0" i="0" kern="1200">
-                <a:solidFill>
-                  <a:schemeClr val="tx1"/>
-                </a:solidFill>
-                <a:latin typeface="+mj-lt"/>
-                <a:ea typeface="+mj-ea"/>
-                <a:cs typeface="+mj-cs"/>
-              </a:defRPr>
-            </a:lvl3pPr>
-            <a:lvl4pPr marL="1600200" indent="-228600" algn="l" defTabSz="457200" rtl="0" eaLnBrk="1" latinLnBrk="0" hangingPunct="1">
-              <a:spcBef>
-                <a:spcPts val="1000"/>
-              </a:spcBef>
-              <a:spcAft>
-                <a:spcPts val="0"/>
-              </a:spcAft>
-              <a:buClr>
-                <a:schemeClr val="accent1"/>
-              </a:buClr>
-              <a:buSzPct val="80000"/>
-              <a:buFont typeface="Wingdings 3" charset="2"/>
-              <a:buChar char=""/>
-              <a:defRPr sz="1400" b="0" i="0" kern="1200">
-                <a:solidFill>
-                  <a:schemeClr val="tx1"/>
-                </a:solidFill>
-                <a:latin typeface="+mj-lt"/>
-                <a:ea typeface="+mj-ea"/>
-                <a:cs typeface="+mj-cs"/>
-              </a:defRPr>
-            </a:lvl4pPr>
-            <a:lvl5pPr marL="2057400" indent="-228600" algn="l" defTabSz="457200" rtl="0" eaLnBrk="1" latinLnBrk="0" hangingPunct="1">
-              <a:spcBef>
-                <a:spcPts val="1000"/>
-              </a:spcBef>
-              <a:spcAft>
-                <a:spcPts val="0"/>
-              </a:spcAft>
-              <a:buClr>
-                <a:schemeClr val="accent1"/>
-              </a:buClr>
-              <a:buSzPct val="80000"/>
-              <a:buFont typeface="Wingdings 3" charset="2"/>
-              <a:buChar char=""/>
-              <a:defRPr sz="1400" b="0" i="0" kern="1200">
-                <a:solidFill>
-                  <a:schemeClr val="tx1"/>
-                </a:solidFill>
-                <a:latin typeface="+mj-lt"/>
-                <a:ea typeface="+mj-ea"/>
-                <a:cs typeface="+mj-cs"/>
-              </a:defRPr>
-            </a:lvl5pPr>
-            <a:lvl6pPr marL="2514600" indent="-228600" algn="l" defTabSz="457200" rtl="0" eaLnBrk="1" latinLnBrk="0" hangingPunct="1">
-              <a:spcBef>
-                <a:spcPts val="1000"/>
-              </a:spcBef>
-              <a:spcAft>
-                <a:spcPts val="0"/>
-              </a:spcAft>
-              <a:buClr>
-                <a:schemeClr val="accent1"/>
-              </a:buClr>
-              <a:buSzPct val="80000"/>
-              <a:buFont typeface="Wingdings 3" charset="2"/>
-              <a:buChar char=""/>
-              <a:defRPr sz="1400" b="0" i="0" kern="1200">
-                <a:solidFill>
-                  <a:schemeClr val="tx1"/>
-                </a:solidFill>
-                <a:latin typeface="+mj-lt"/>
-                <a:ea typeface="+mj-ea"/>
-                <a:cs typeface="+mj-cs"/>
-              </a:defRPr>
-            </a:lvl6pPr>
-            <a:lvl7pPr marL="2971800" indent="-228600" algn="l" defTabSz="457200" rtl="0" eaLnBrk="1" latinLnBrk="0" hangingPunct="1">
-              <a:spcBef>
-                <a:spcPts val="1000"/>
-              </a:spcBef>
-              <a:spcAft>
-                <a:spcPts val="0"/>
-              </a:spcAft>
-              <a:buClr>
-                <a:schemeClr val="accent1"/>
-              </a:buClr>
-              <a:buSzPct val="80000"/>
-              <a:buFont typeface="Wingdings 3" charset="2"/>
-              <a:buChar char=""/>
-              <a:defRPr sz="1400" b="0" i="0" kern="1200">
-                <a:solidFill>
-                  <a:schemeClr val="tx1"/>
-                </a:solidFill>
-                <a:latin typeface="+mj-lt"/>
-                <a:ea typeface="+mj-ea"/>
-                <a:cs typeface="+mj-cs"/>
-              </a:defRPr>
-            </a:lvl7pPr>
-            <a:lvl8pPr marL="3429000" indent="-228600" algn="l" defTabSz="457200" rtl="0" eaLnBrk="1" latinLnBrk="0" hangingPunct="1">
-              <a:spcBef>
-                <a:spcPts val="1000"/>
-              </a:spcBef>
-              <a:spcAft>
-                <a:spcPts val="0"/>
-              </a:spcAft>
-              <a:buClr>
-                <a:schemeClr val="accent1"/>
-              </a:buClr>
-              <a:buSzPct val="80000"/>
-              <a:buFont typeface="Wingdings 3" charset="2"/>
-              <a:buChar char=""/>
-              <a:defRPr sz="1400" b="0" i="0" kern="1200">
-                <a:solidFill>
-                  <a:schemeClr val="tx1"/>
-                </a:solidFill>
-                <a:latin typeface="+mj-lt"/>
-                <a:ea typeface="+mj-ea"/>
-                <a:cs typeface="+mj-cs"/>
-              </a:defRPr>
-            </a:lvl8pPr>
-            <a:lvl9pPr marL="3886200" indent="-228600" algn="l" defTabSz="457200" rtl="0" eaLnBrk="1" latinLnBrk="0" hangingPunct="1">
-              <a:spcBef>
-                <a:spcPts val="1000"/>
-              </a:spcBef>
-              <a:spcAft>
-                <a:spcPts val="0"/>
-              </a:spcAft>
-              <a:buClr>
-                <a:schemeClr val="accent1"/>
-              </a:buClr>
-              <a:buSzPct val="80000"/>
-              <a:buFont typeface="Wingdings 3" charset="2"/>
-              <a:buChar char=""/>
-              <a:defRPr sz="1400" b="0" i="0" kern="1200">
-                <a:solidFill>
-                  <a:schemeClr val="tx1"/>
-                </a:solidFill>
-                <a:latin typeface="+mj-lt"/>
-                <a:ea typeface="+mj-ea"/>
-                <a:cs typeface="+mj-cs"/>
-              </a:defRPr>
-            </a:lvl9pPr>
-          </a:lstStyle>
-          <a:p>
-            <a:pPr marL="0" indent="0" algn="r">
-              <a:buNone/>
-            </a:pPr>
-            <a:r>
-              <a:rPr lang="fr-CH" sz="2100" b="1" dirty="0" smtClean="0">
-                <a:effectLst>
-                  <a:outerShdw blurRad="38100" dist="38100" dir="2700000" algn="tl">
-                    <a:srgbClr val="000000">
-                      <a:alpha val="43137"/>
-                    </a:srgbClr>
-                  </a:outerShdw>
-                </a:effectLst>
-              </a:rPr>
-              <a:t>Note : Images altérées pour mieux ressortir au </a:t>
-            </a:r>
-            <a:r>
-              <a:rPr lang="fr-CH" sz="2100" b="1" dirty="0" err="1" smtClean="0">
-                <a:effectLst>
-                  <a:outerShdw blurRad="38100" dist="38100" dir="2700000" algn="tl">
-                    <a:srgbClr val="000000">
-                      <a:alpha val="43137"/>
-                    </a:srgbClr>
-                  </a:outerShdw>
-                </a:effectLst>
-              </a:rPr>
-              <a:t>beamer</a:t>
-            </a:r>
-            <a:endParaRPr lang="fr-CH" sz="2100" b="1" dirty="0">
-              <a:effectLst>
-                <a:outerShdw blurRad="38100" dist="38100" dir="2700000" algn="tl">
-                  <a:srgbClr val="000000">
-                    <a:alpha val="43137"/>
-                  </a:srgbClr>
-                </a:outerShdw>
-              </a:effectLst>
+              <a:latin typeface="Raleway" panose="020B0503030101060003" pitchFamily="34" charset="0"/>
             </a:endParaRPr>
           </a:p>
         </p:txBody>
@@ -7321,7 +7393,7 @@
 </file>
 
 <file path=ppt/slides/slide3.xml><?xml version="1.0" encoding="utf-8"?>
-<p:sld xmlns:a="http://schemas.openxmlformats.org/drawingml/2006/main" xmlns:r="http://schemas.openxmlformats.org/officeDocument/2006/relationships" xmlns:p="http://schemas.openxmlformats.org/presentationml/2006/main">
+<p:sld xmlns:a="http://schemas.openxmlformats.org/drawingml/2006/main" xmlns:r="http://schemas.openxmlformats.org/officeDocument/2006/relationships" xmlns:p="http://schemas.openxmlformats.org/presentationml/2006/main" showMasterSp="0">
   <p:cSld>
     <p:spTree>
       <p:nvGrpSpPr>
@@ -7337,6 +7409,38 @@
           <a:chExt cx="0" cy="0"/>
         </a:xfrm>
       </p:grpSpPr>
+      <p:pic>
+        <p:nvPicPr>
+          <p:cNvPr id="7" name="Image 6"/>
+          <p:cNvPicPr>
+            <a:picLocks noChangeAspect="1"/>
+          </p:cNvPicPr>
+          <p:nvPr/>
+        </p:nvPicPr>
+        <p:blipFill>
+          <a:blip r:embed="rId2"/>
+          <a:stretch>
+            <a:fillRect/>
+          </a:stretch>
+        </p:blipFill>
+        <p:spPr>
+          <a:xfrm>
+            <a:off x="646111" y="452718"/>
+            <a:ext cx="5128613" cy="796991"/>
+          </a:xfrm>
+          <a:prstGeom prst="rect">
+            <a:avLst/>
+          </a:prstGeom>
+          <a:effectLst>
+            <a:outerShdw dist="38100" dir="5400000" sx="1000" sy="1000" algn="t" rotWithShape="0">
+              <a:prstClr val="black">
+                <a:alpha val="0"/>
+              </a:prstClr>
+            </a:outerShdw>
+            <a:softEdge rad="0"/>
+          </a:effectLst>
+        </p:spPr>
+      </p:pic>
       <p:sp>
         <p:nvSpPr>
           <p:cNvPr id="2" name="Titre 1"/>
@@ -7361,6 +7465,7 @@
                     </a:srgbClr>
                   </a:outerShdw>
                 </a:effectLst>
+                <a:latin typeface="Raleway" panose="020B0503030101060003" pitchFamily="34" charset="0"/>
               </a:rPr>
               <a:t>Déroulement du TPI</a:t>
             </a:r>
@@ -7372,6 +7477,7 @@
                   </a:srgbClr>
                 </a:outerShdw>
               </a:effectLst>
+              <a:latin typeface="Raleway" panose="020B0503030101060003" pitchFamily="34" charset="0"/>
             </a:endParaRPr>
           </a:p>
         </p:txBody>
@@ -7388,18 +7494,26 @@
         </p:nvSpPr>
         <p:spPr>
           <a:xfrm>
-            <a:off x="1103312" y="1171464"/>
+            <a:off x="1103312" y="1278558"/>
             <a:ext cx="10087427" cy="1736487"/>
           </a:xfrm>
         </p:spPr>
         <p:txBody>
           <a:bodyPr>
-            <a:normAutofit/>
+            <a:noAutofit/>
           </a:bodyPr>
           <a:lstStyle/>
           <a:p>
-            <a:r>
-              <a:rPr lang="fr-CH" sz="2800" b="1" dirty="0" smtClean="0">
+            <a:pPr>
+              <a:buClr>
+                <a:srgbClr val="009A9C"/>
+              </a:buClr>
+              <a:buSzPct val="100000"/>
+              <a:buFont typeface="Wingdings" panose="05000000000000000000" pitchFamily="2" charset="2"/>
+              <a:buChar char="§"/>
+            </a:pPr>
+            <a:r>
+              <a:rPr lang="fr-CH" sz="3200" b="1" dirty="0" smtClean="0">
                 <a:effectLst>
                   <a:outerShdw blurRad="38100" dist="38100" dir="2700000" algn="tl">
                     <a:srgbClr val="000000">
@@ -7407,13 +7521,22 @@
                     </a:srgbClr>
                   </a:outerShdw>
                 </a:effectLst>
+                <a:latin typeface="Raleway" panose="020B0503030101060003" pitchFamily="34" charset="0"/>
               </a:rPr>
               <a:t>Gestion du stress?</a:t>
             </a:r>
           </a:p>
           <a:p>
-            <a:r>
-              <a:rPr lang="fr-CH" sz="2800" b="1" dirty="0" smtClean="0">
+            <a:pPr>
+              <a:buClr>
+                <a:srgbClr val="009A9C"/>
+              </a:buClr>
+              <a:buSzPct val="100000"/>
+              <a:buFont typeface="Wingdings" panose="05000000000000000000" pitchFamily="2" charset="2"/>
+              <a:buChar char="§"/>
+            </a:pPr>
+            <a:r>
+              <a:rPr lang="fr-CH" sz="3200" b="1" dirty="0" smtClean="0">
                 <a:effectLst>
                   <a:outerShdw blurRad="38100" dist="38100" dir="2700000" algn="tl">
                     <a:srgbClr val="000000">
@@ -7421,13 +7544,22 @@
                     </a:srgbClr>
                   </a:outerShdw>
                 </a:effectLst>
+                <a:latin typeface="Raleway" panose="020B0503030101060003" pitchFamily="34" charset="0"/>
               </a:rPr>
               <a:t>Y arriver dans les temps?</a:t>
             </a:r>
           </a:p>
           <a:p>
-            <a:r>
-              <a:rPr lang="fr-CH" sz="2800" b="1" dirty="0" smtClean="0">
+            <a:pPr>
+              <a:buClr>
+                <a:srgbClr val="009A9C"/>
+              </a:buClr>
+              <a:buSzPct val="100000"/>
+              <a:buFont typeface="Wingdings" panose="05000000000000000000" pitchFamily="2" charset="2"/>
+              <a:buChar char="§"/>
+            </a:pPr>
+            <a:r>
+              <a:rPr lang="fr-CH" sz="3200" b="1" dirty="0" smtClean="0">
                 <a:effectLst>
                   <a:outerShdw blurRad="38100" dist="38100" dir="2700000" algn="tl">
                     <a:srgbClr val="000000">
@@ -7435,6 +7567,7 @@
                     </a:srgbClr>
                   </a:outerShdw>
                 </a:effectLst>
+                <a:latin typeface="Raleway" panose="020B0503030101060003" pitchFamily="34" charset="0"/>
               </a:rPr>
               <a:t>Auto-évaluation de mes compétences?</a:t>
             </a:r>
@@ -7450,7 +7583,7 @@
           <p:nvPr/>
         </p:nvPicPr>
         <p:blipFill>
-          <a:blip r:embed="rId2">
+          <a:blip r:embed="rId3">
             <a:extLst>
               <a:ext uri="{28A0092B-C50C-407E-A947-70E740481C1C}">
                 <a14:useLocalDpi xmlns:a14="http://schemas.microsoft.com/office/drawing/2010/main" val="0"/>
@@ -7463,7 +7596,7 @@
         </p:blipFill>
         <p:spPr>
           <a:xfrm>
-            <a:off x="2914131" y="2907951"/>
+            <a:off x="2914131" y="3047997"/>
             <a:ext cx="6465787" cy="3637005"/>
           </a:xfrm>
           <a:prstGeom prst="rect">
@@ -7477,6 +7610,30 @@
           </a:effectLst>
         </p:spPr>
       </p:pic>
+      <p:pic>
+        <p:nvPicPr>
+          <p:cNvPr id="6" name="Image 5"/>
+          <p:cNvPicPr>
+            <a:picLocks noChangeAspect="1"/>
+          </p:cNvPicPr>
+          <p:nvPr/>
+        </p:nvPicPr>
+        <p:blipFill>
+          <a:blip r:embed="rId4"/>
+          <a:stretch>
+            <a:fillRect/>
+          </a:stretch>
+        </p:blipFill>
+        <p:spPr>
+          <a:xfrm>
+            <a:off x="11044719" y="0"/>
+            <a:ext cx="1162519" cy="1249709"/>
+          </a:xfrm>
+          <a:prstGeom prst="rect">
+            <a:avLst/>
+          </a:prstGeom>
+        </p:spPr>
+      </p:pic>
       <p:sp>
         <p:nvSpPr>
           <p:cNvPr id="5" name="Espace réservé du numéro de diapositive 4"/>
@@ -7487,13 +7644,18 @@
             <p:ph type="sldNum" sz="quarter" idx="12"/>
           </p:nvPr>
         </p:nvSpPr>
-        <p:spPr/>
+        <p:spPr>
+          <a:xfrm>
+            <a:off x="11044719" y="0"/>
+            <a:ext cx="1139905" cy="1249709"/>
+          </a:xfrm>
+        </p:spPr>
         <p:txBody>
           <a:bodyPr/>
           <a:lstStyle/>
           <a:p>
             <a:r>
-              <a:rPr lang="en-US" sz="1900" dirty="0" smtClean="0">
+              <a:rPr lang="en-US" sz="3000" b="1" dirty="0" smtClean="0">
                 <a:effectLst>
                   <a:outerShdw blurRad="38100" dist="38100" dir="2700000" algn="tl">
                     <a:srgbClr val="000000">
@@ -7501,10 +7663,11 @@
                     </a:srgbClr>
                   </a:outerShdw>
                 </a:effectLst>
+                <a:latin typeface="Raleway" panose="020B0503030101060003" pitchFamily="34" charset="0"/>
               </a:rPr>
               <a:t>37.5%</a:t>
             </a:r>
-            <a:endParaRPr lang="en-US" sz="1900" dirty="0">
+            <a:endParaRPr lang="en-US" sz="3000" b="1" dirty="0">
               <a:effectLst>
                 <a:outerShdw blurRad="38100" dist="38100" dir="2700000" algn="tl">
                   <a:srgbClr val="000000">
@@ -7512,6 +7675,7 @@
                   </a:srgbClr>
                 </a:outerShdw>
               </a:effectLst>
+              <a:latin typeface="Raleway" panose="020B0503030101060003" pitchFamily="34" charset="0"/>
             </a:endParaRPr>
           </a:p>
         </p:txBody>
@@ -7628,7 +7792,7 @@
 </file>
 
 <file path=ppt/slides/slide4.xml><?xml version="1.0" encoding="utf-8"?>
-<p:sld xmlns:a="http://schemas.openxmlformats.org/drawingml/2006/main" xmlns:r="http://schemas.openxmlformats.org/officeDocument/2006/relationships" xmlns:p="http://schemas.openxmlformats.org/presentationml/2006/main">
+<p:sld xmlns:a="http://schemas.openxmlformats.org/drawingml/2006/main" xmlns:r="http://schemas.openxmlformats.org/officeDocument/2006/relationships" xmlns:p="http://schemas.openxmlformats.org/presentationml/2006/main" showMasterSp="0">
   <p:cSld>
     <p:spTree>
       <p:nvGrpSpPr>
@@ -7644,6 +7808,38 @@
           <a:chExt cx="0" cy="0"/>
         </a:xfrm>
       </p:grpSpPr>
+      <p:pic>
+        <p:nvPicPr>
+          <p:cNvPr id="12" name="Image 11"/>
+          <p:cNvPicPr>
+            <a:picLocks noChangeAspect="1"/>
+          </p:cNvPicPr>
+          <p:nvPr/>
+        </p:nvPicPr>
+        <p:blipFill>
+          <a:blip r:embed="rId2"/>
+          <a:stretch>
+            <a:fillRect/>
+          </a:stretch>
+        </p:blipFill>
+        <p:spPr>
+          <a:xfrm>
+            <a:off x="646111" y="202869"/>
+            <a:ext cx="8407273" cy="1249709"/>
+          </a:xfrm>
+          <a:prstGeom prst="rect">
+            <a:avLst/>
+          </a:prstGeom>
+          <a:effectLst>
+            <a:outerShdw dist="38100" dir="5400000" sx="1000" sy="1000" algn="t" rotWithShape="0">
+              <a:prstClr val="black">
+                <a:alpha val="0"/>
+              </a:prstClr>
+            </a:outerShdw>
+            <a:softEdge rad="0"/>
+          </a:effectLst>
+        </p:spPr>
+      </p:pic>
       <p:sp>
         <p:nvSpPr>
           <p:cNvPr id="2" name="Titre 1"/>
@@ -7673,6 +7869,7 @@
                     </a:srgbClr>
                   </a:outerShdw>
                 </a:effectLst>
+                <a:latin typeface="Raleway" panose="020B0503030101060003" pitchFamily="34" charset="0"/>
               </a:rPr>
               <a:t>Comparaison du temps estimé au temps réel</a:t>
             </a:r>
@@ -7684,6 +7881,7 @@
                   </a:srgbClr>
                 </a:outerShdw>
               </a:effectLst>
+              <a:latin typeface="Raleway" panose="020B0503030101060003" pitchFamily="34" charset="0"/>
             </a:endParaRPr>
           </a:p>
         </p:txBody>
@@ -7696,7 +7894,7 @@
         </p:nvGrpSpPr>
         <p:grpSpPr>
           <a:xfrm>
-            <a:off x="3847463" y="2842496"/>
+            <a:off x="3847463" y="2949590"/>
             <a:ext cx="4434778" cy="2079169"/>
             <a:chOff x="3847463" y="2842496"/>
             <a:chExt cx="4434778" cy="2079169"/>
@@ -7791,6 +7989,14 @@
                 </a:path>
               </a:pathLst>
             </a:custGeom>
+            <a:solidFill>
+              <a:srgbClr val="009A9C"/>
+            </a:solidFill>
+            <a:ln>
+              <a:solidFill>
+                <a:schemeClr val="bg1"/>
+              </a:solidFill>
+            </a:ln>
           </p:spPr>
           <p:style>
             <a:lnRef idx="2">
@@ -7839,7 +8045,7 @@
                 </a:spcAft>
               </a:pPr>
               <a:r>
-                <a:rPr lang="fr-FR" sz="2300" b="1" kern="1200" dirty="0" smtClean="0">
+                <a:rPr lang="fr-FR" sz="2400" b="1" kern="1200" dirty="0" smtClean="0">
                   <a:effectLst>
                     <a:outerShdw blurRad="38100" dist="38100" dir="2700000" algn="tl">
                       <a:srgbClr val="000000">
@@ -7847,11 +8053,12 @@
                       </a:srgbClr>
                     </a:outerShdw>
                   </a:effectLst>
+                  <a:latin typeface="Raleway" panose="020B0503030101060003" pitchFamily="34" charset="0"/>
                 </a:rPr>
                 <a:t>Ce que j’</a:t>
               </a:r>
               <a:r>
-                <a:rPr lang="fr-FR" sz="2300" b="1" kern="1200" dirty="0" err="1" smtClean="0">
+                <a:rPr lang="fr-FR" sz="2400" b="1" kern="1200" dirty="0" err="1" smtClean="0">
                   <a:effectLst>
                     <a:outerShdw blurRad="38100" dist="38100" dir="2700000" algn="tl">
                       <a:srgbClr val="000000">
@@ -7859,10 +8066,11 @@
                       </a:srgbClr>
                     </a:outerShdw>
                   </a:effectLst>
+                  <a:latin typeface="Raleway" panose="020B0503030101060003" pitchFamily="34" charset="0"/>
                 </a:rPr>
                 <a:t>espèrais</a:t>
               </a:r>
-              <a:endParaRPr lang="fr-FR" sz="2300" b="1" kern="1200" dirty="0">
+              <a:endParaRPr lang="fr-FR" sz="2400" b="1" kern="1200" dirty="0">
                 <a:effectLst>
                   <a:outerShdw blurRad="38100" dist="38100" dir="2700000" algn="tl">
                     <a:srgbClr val="000000">
@@ -7870,6 +8078,7 @@
                     </a:srgbClr>
                   </a:outerShdw>
                 </a:effectLst>
+                <a:latin typeface="Raleway" panose="020B0503030101060003" pitchFamily="34" charset="0"/>
               </a:endParaRPr>
             </a:p>
           </p:txBody>
@@ -7963,6 +8172,14 @@
                 </a:path>
               </a:pathLst>
             </a:custGeom>
+            <a:solidFill>
+              <a:srgbClr val="009A9C"/>
+            </a:solidFill>
+            <a:ln>
+              <a:solidFill>
+                <a:schemeClr val="bg1"/>
+              </a:solidFill>
+            </a:ln>
           </p:spPr>
           <p:style>
             <a:lnRef idx="2">
@@ -8019,6 +8236,7 @@
                       </a:srgbClr>
                     </a:outerShdw>
                   </a:effectLst>
+                  <a:latin typeface="Raleway" panose="020B0503030101060003" pitchFamily="34" charset="0"/>
                 </a:rPr>
                 <a:t>La réalité</a:t>
               </a:r>
@@ -8030,6 +8248,7 @@
                     </a:srgbClr>
                   </a:outerShdw>
                 </a:effectLst>
+                <a:latin typeface="Raleway" panose="020B0503030101060003" pitchFamily="34" charset="0"/>
               </a:endParaRPr>
             </a:p>
           </p:txBody>
@@ -8044,11 +8263,14 @@
           <p:nvPr/>
         </p:nvPicPr>
         <p:blipFill rotWithShape="1">
-          <a:blip r:embed="rId2">
+          <a:blip r:embed="rId3">
             <a:extLst>
               <a:ext uri="{BEBA8EAE-BF5A-486C-A8C5-ECC9F3942E4B}">
                 <a14:imgProps xmlns:a14="http://schemas.microsoft.com/office/drawing/2010/main">
-                  <a14:imgLayer r:embed="rId3">
+                  <a14:imgLayer r:embed="rId4">
+                    <a14:imgEffect>
+                      <a14:sharpenSoften amount="30000"/>
+                    </a14:imgEffect>
                     <a14:imgEffect>
                       <a14:brightnessContrast bright="-5000"/>
                     </a14:imgEffect>
@@ -8062,7 +8284,7 @@
         </p:blipFill>
         <p:spPr>
           <a:xfrm>
-            <a:off x="263473" y="1375719"/>
+            <a:off x="263473" y="1482813"/>
             <a:ext cx="3583600" cy="5424206"/>
           </a:xfrm>
           <a:prstGeom prst="rect">
@@ -8085,11 +8307,14 @@
           <p:nvPr/>
         </p:nvPicPr>
         <p:blipFill rotWithShape="1">
-          <a:blip r:embed="rId4">
+          <a:blip r:embed="rId5">
             <a:extLst>
               <a:ext uri="{BEBA8EAE-BF5A-486C-A8C5-ECC9F3942E4B}">
                 <a14:imgProps xmlns:a14="http://schemas.microsoft.com/office/drawing/2010/main">
-                  <a14:imgLayer r:embed="rId5">
+                  <a14:imgLayer r:embed="rId6">
+                    <a14:imgEffect>
+                      <a14:sharpenSoften amount="30000"/>
+                    </a14:imgEffect>
                     <a14:imgEffect>
                       <a14:brightnessContrast bright="-10000"/>
                     </a14:imgEffect>
@@ -8103,7 +8328,7 @@
         </p:blipFill>
         <p:spPr>
           <a:xfrm>
-            <a:off x="8282633" y="1375994"/>
+            <a:off x="8282241" y="1452578"/>
             <a:ext cx="3583600" cy="5420221"/>
           </a:xfrm>
           <a:prstGeom prst="rect">
@@ -8117,6 +8342,30 @@
           </a:effectLst>
         </p:spPr>
       </p:pic>
+      <p:pic>
+        <p:nvPicPr>
+          <p:cNvPr id="11" name="Image 10"/>
+          <p:cNvPicPr>
+            <a:picLocks noChangeAspect="1"/>
+          </p:cNvPicPr>
+          <p:nvPr/>
+        </p:nvPicPr>
+        <p:blipFill>
+          <a:blip r:embed="rId7"/>
+          <a:stretch>
+            <a:fillRect/>
+          </a:stretch>
+        </p:blipFill>
+        <p:spPr>
+          <a:xfrm>
+            <a:off x="11044719" y="0"/>
+            <a:ext cx="1162519" cy="1249709"/>
+          </a:xfrm>
+          <a:prstGeom prst="rect">
+            <a:avLst/>
+          </a:prstGeom>
+        </p:spPr>
+      </p:pic>
       <p:sp>
         <p:nvSpPr>
           <p:cNvPr id="7" name="Espace réservé du numéro de diapositive 6"/>
@@ -8127,13 +8376,18 @@
             <p:ph type="sldNum" sz="quarter" idx="12"/>
           </p:nvPr>
         </p:nvSpPr>
-        <p:spPr/>
+        <p:spPr>
+          <a:xfrm>
+            <a:off x="11044719" y="0"/>
+            <a:ext cx="1147281" cy="1249709"/>
+          </a:xfrm>
+        </p:spPr>
         <p:txBody>
           <a:bodyPr/>
           <a:lstStyle/>
           <a:p>
             <a:r>
-              <a:rPr lang="en-US" sz="1900" dirty="0" smtClean="0">
+              <a:rPr lang="en-US" sz="3000" b="1" dirty="0" smtClean="0">
                 <a:effectLst>
                   <a:outerShdw blurRad="38100" dist="38100" dir="2700000" algn="tl">
                     <a:srgbClr val="000000">
@@ -8141,10 +8395,11 @@
                     </a:srgbClr>
                   </a:outerShdw>
                 </a:effectLst>
+                <a:latin typeface="Raleway" panose="020B0503030101060003" pitchFamily="34" charset="0"/>
               </a:rPr>
               <a:t>50%</a:t>
             </a:r>
-            <a:endParaRPr lang="en-US" sz="1900" dirty="0">
+            <a:endParaRPr lang="en-US" sz="3000" b="1" dirty="0">
               <a:effectLst>
                 <a:outerShdw blurRad="38100" dist="38100" dir="2700000" algn="tl">
                   <a:srgbClr val="000000">
@@ -8152,6 +8407,7 @@
                   </a:srgbClr>
                 </a:outerShdw>
               </a:effectLst>
+              <a:latin typeface="Raleway" panose="020B0503030101060003" pitchFamily="34" charset="0"/>
             </a:endParaRPr>
           </a:p>
         </p:txBody>
@@ -8461,7 +8717,7 @@
 </file>
 
 <file path=ppt/slides/slide5.xml><?xml version="1.0" encoding="utf-8"?>
-<p:sld xmlns:a="http://schemas.openxmlformats.org/drawingml/2006/main" xmlns:r="http://schemas.openxmlformats.org/officeDocument/2006/relationships" xmlns:p="http://schemas.openxmlformats.org/presentationml/2006/main">
+<p:sld xmlns:a="http://schemas.openxmlformats.org/drawingml/2006/main" xmlns:r="http://schemas.openxmlformats.org/officeDocument/2006/relationships" xmlns:p="http://schemas.openxmlformats.org/presentationml/2006/main" showMasterSp="0">
   <p:cSld>
     <p:spTree>
       <p:nvGrpSpPr>
@@ -8477,6 +8733,70 @@
           <a:chExt cx="0" cy="0"/>
         </a:xfrm>
       </p:grpSpPr>
+      <p:pic>
+        <p:nvPicPr>
+          <p:cNvPr id="10" name="Image 9"/>
+          <p:cNvPicPr>
+            <a:picLocks noChangeAspect="1"/>
+          </p:cNvPicPr>
+          <p:nvPr/>
+        </p:nvPicPr>
+        <p:blipFill>
+          <a:blip r:embed="rId2"/>
+          <a:stretch>
+            <a:fillRect/>
+          </a:stretch>
+        </p:blipFill>
+        <p:spPr>
+          <a:xfrm>
+            <a:off x="630873" y="123569"/>
+            <a:ext cx="3158532" cy="559166"/>
+          </a:xfrm>
+          <a:prstGeom prst="rect">
+            <a:avLst/>
+          </a:prstGeom>
+          <a:effectLst>
+            <a:outerShdw dist="38100" dir="5400000" sx="1000" sy="1000" algn="t" rotWithShape="0">
+              <a:prstClr val="black">
+                <a:alpha val="0"/>
+              </a:prstClr>
+            </a:outerShdw>
+            <a:softEdge rad="0"/>
+          </a:effectLst>
+        </p:spPr>
+      </p:pic>
+      <p:pic>
+        <p:nvPicPr>
+          <p:cNvPr id="9" name="Image 8"/>
+          <p:cNvPicPr>
+            <a:picLocks noChangeAspect="1"/>
+          </p:cNvPicPr>
+          <p:nvPr/>
+        </p:nvPicPr>
+        <p:blipFill>
+          <a:blip r:embed="rId2"/>
+          <a:stretch>
+            <a:fillRect/>
+          </a:stretch>
+        </p:blipFill>
+        <p:spPr>
+          <a:xfrm>
+            <a:off x="646111" y="123568"/>
+            <a:ext cx="1162519" cy="543697"/>
+          </a:xfrm>
+          <a:prstGeom prst="rect">
+            <a:avLst/>
+          </a:prstGeom>
+          <a:effectLst>
+            <a:outerShdw dist="38100" dir="5400000" sx="1000" sy="1000" algn="t" rotWithShape="0">
+              <a:prstClr val="black">
+                <a:alpha val="0"/>
+              </a:prstClr>
+            </a:outerShdw>
+            <a:softEdge rad="0"/>
+          </a:effectLst>
+        </p:spPr>
+      </p:pic>
       <p:sp>
         <p:nvSpPr>
           <p:cNvPr id="2" name="Titre 1"/>
@@ -8487,7 +8807,12 @@
             <p:ph type="title"/>
           </p:nvPr>
         </p:nvSpPr>
-        <p:spPr/>
+        <p:spPr>
+          <a:xfrm>
+            <a:off x="646111" y="32590"/>
+            <a:ext cx="9404723" cy="1400530"/>
+          </a:xfrm>
+        </p:spPr>
         <p:txBody>
           <a:bodyPr/>
           <a:lstStyle/>
@@ -8501,6 +8826,7 @@
                     </a:srgbClr>
                   </a:outerShdw>
                 </a:effectLst>
+                <a:latin typeface="Raleway" panose="020B0503030101060003" pitchFamily="34" charset="0"/>
               </a:rPr>
               <a:t>Particularité</a:t>
             </a:r>
@@ -8512,6 +8838,7 @@
                   </a:srgbClr>
                 </a:outerShdw>
               </a:effectLst>
+              <a:latin typeface="Raleway" panose="020B0503030101060003" pitchFamily="34" charset="0"/>
             </a:endParaRPr>
           </a:p>
         </p:txBody>
@@ -8528,13 +8855,13 @@
         </p:nvSpPr>
         <p:spPr>
           <a:xfrm>
-            <a:off x="646111" y="1030433"/>
+            <a:off x="646111" y="577344"/>
             <a:ext cx="8946541" cy="931190"/>
           </a:xfrm>
         </p:spPr>
         <p:txBody>
           <a:bodyPr>
-            <a:normAutofit lnSpcReduction="10000"/>
+            <a:noAutofit/>
           </a:bodyPr>
           <a:lstStyle/>
           <a:p>
@@ -8550,6 +8877,7 @@
                     </a:srgbClr>
                   </a:outerShdw>
                 </a:effectLst>
+                <a:latin typeface="Raleway" panose="020B0503030101060003" pitchFamily="34" charset="0"/>
               </a:rPr>
               <a:t>Beaucoup de choses ajoutées une fois le projet quasiment terminé</a:t>
             </a:r>
@@ -8561,6 +8889,7 @@
                   </a:srgbClr>
                 </a:outerShdw>
               </a:effectLst>
+              <a:latin typeface="Raleway" panose="020B0503030101060003" pitchFamily="34" charset="0"/>
             </a:endParaRPr>
           </a:p>
         </p:txBody>
@@ -8574,11 +8903,11 @@
           <p:nvPr/>
         </p:nvPicPr>
         <p:blipFill rotWithShape="1">
-          <a:blip r:embed="rId2">
+          <a:blip r:embed="rId3">
             <a:extLst>
               <a:ext uri="{BEBA8EAE-BF5A-486C-A8C5-ECC9F3942E4B}">
                 <a14:imgProps xmlns:a14="http://schemas.microsoft.com/office/drawing/2010/main">
-                  <a14:imgLayer r:embed="rId3">
+                  <a14:imgLayer r:embed="rId4">
                     <a14:imgEffect>
                       <a14:sharpenSoften amount="100000"/>
                     </a14:imgEffect>
@@ -8593,13 +8922,13 @@
               </a:ext>
             </a:extLst>
           </a:blip>
-          <a:srcRect l="5124" t="4268" r="4307" b="5130"/>
+          <a:srcRect l="4342" t="2383" r="3525" b="5714"/>
           <a:stretch/>
         </p:blipFill>
         <p:spPr>
           <a:xfrm>
-            <a:off x="452486" y="1961623"/>
-            <a:ext cx="5199098" cy="4654032"/>
+            <a:off x="156519" y="1524003"/>
+            <a:ext cx="5824151" cy="5198748"/>
           </a:xfrm>
           <a:prstGeom prst="roundRect">
             <a:avLst>
@@ -8645,11 +8974,11 @@
           <p:nvPr/>
         </p:nvPicPr>
         <p:blipFill rotWithShape="1">
-          <a:blip r:embed="rId4">
+          <a:blip r:embed="rId5">
             <a:extLst>
               <a:ext uri="{BEBA8EAE-BF5A-486C-A8C5-ECC9F3942E4B}">
                 <a14:imgProps xmlns:a14="http://schemas.microsoft.com/office/drawing/2010/main">
-                  <a14:imgLayer r:embed="rId5">
+                  <a14:imgLayer r:embed="rId6">
                     <a14:imgEffect>
                       <a14:sharpenSoften amount="100000"/>
                     </a14:imgEffect>
@@ -8669,7 +8998,7 @@
         </p:blipFill>
         <p:spPr>
           <a:xfrm>
-            <a:off x="6229220" y="2950948"/>
+            <a:off x="6328077" y="2688577"/>
             <a:ext cx="5592077" cy="2886075"/>
           </a:xfrm>
           <a:prstGeom prst="roundRect">
@@ -8704,6 +9033,30 @@
           </a:sp3d>
         </p:spPr>
       </p:pic>
+      <p:pic>
+        <p:nvPicPr>
+          <p:cNvPr id="8" name="Image 7"/>
+          <p:cNvPicPr>
+            <a:picLocks noChangeAspect="1"/>
+          </p:cNvPicPr>
+          <p:nvPr/>
+        </p:nvPicPr>
+        <p:blipFill>
+          <a:blip r:embed="rId7"/>
+          <a:stretch>
+            <a:fillRect/>
+          </a:stretch>
+        </p:blipFill>
+        <p:spPr>
+          <a:xfrm>
+            <a:off x="11044719" y="0"/>
+            <a:ext cx="1162519" cy="1249709"/>
+          </a:xfrm>
+          <a:prstGeom prst="rect">
+            <a:avLst/>
+          </a:prstGeom>
+        </p:spPr>
+      </p:pic>
       <p:sp>
         <p:nvSpPr>
           <p:cNvPr id="7" name="Espace réservé du numéro de diapositive 6"/>
@@ -8714,13 +9067,18 @@
             <p:ph type="sldNum" sz="quarter" idx="12"/>
           </p:nvPr>
         </p:nvSpPr>
-        <p:spPr/>
+        <p:spPr>
+          <a:xfrm>
+            <a:off x="11044719" y="0"/>
+            <a:ext cx="1147281" cy="1249709"/>
+          </a:xfrm>
+        </p:spPr>
         <p:txBody>
           <a:bodyPr/>
           <a:lstStyle/>
           <a:p>
             <a:r>
-              <a:rPr lang="en-US" sz="1900" dirty="0" smtClean="0">
+              <a:rPr lang="en-US" sz="3000" b="1" dirty="0" smtClean="0">
                 <a:effectLst>
                   <a:outerShdw blurRad="38100" dist="38100" dir="2700000" algn="tl">
                     <a:srgbClr val="000000">
@@ -8728,10 +9086,11 @@
                     </a:srgbClr>
                   </a:outerShdw>
                 </a:effectLst>
+                <a:latin typeface="Raleway" panose="020B0503030101060003" pitchFamily="34" charset="0"/>
               </a:rPr>
               <a:t>62.5%</a:t>
             </a:r>
-            <a:endParaRPr lang="en-US" sz="1900" dirty="0">
+            <a:endParaRPr lang="en-US" sz="3000" b="1" dirty="0">
               <a:effectLst>
                 <a:outerShdw blurRad="38100" dist="38100" dir="2700000" algn="tl">
                   <a:srgbClr val="000000">
@@ -8739,6 +9098,7 @@
                   </a:srgbClr>
                 </a:outerShdw>
               </a:effectLst>
+              <a:latin typeface="Raleway" panose="020B0503030101060003" pitchFamily="34" charset="0"/>
             </a:endParaRPr>
           </a:p>
         </p:txBody>
@@ -8966,7 +9326,7 @@
 </file>
 
 <file path=ppt/slides/slide6.xml><?xml version="1.0" encoding="utf-8"?>
-<p:sld xmlns:a="http://schemas.openxmlformats.org/drawingml/2006/main" xmlns:r="http://schemas.openxmlformats.org/officeDocument/2006/relationships" xmlns:p="http://schemas.openxmlformats.org/presentationml/2006/main">
+<p:sld xmlns:a="http://schemas.openxmlformats.org/drawingml/2006/main" xmlns:r="http://schemas.openxmlformats.org/officeDocument/2006/relationships" xmlns:p="http://schemas.openxmlformats.org/presentationml/2006/main" showMasterSp="0">
   <p:cSld>
     <p:spTree>
       <p:nvGrpSpPr>
@@ -8982,6 +9342,38 @@
           <a:chExt cx="0" cy="0"/>
         </a:xfrm>
       </p:grpSpPr>
+      <p:pic>
+        <p:nvPicPr>
+          <p:cNvPr id="9" name="Image 8"/>
+          <p:cNvPicPr>
+            <a:picLocks noChangeAspect="1"/>
+          </p:cNvPicPr>
+          <p:nvPr/>
+        </p:nvPicPr>
+        <p:blipFill>
+          <a:blip r:embed="rId2"/>
+          <a:stretch>
+            <a:fillRect/>
+          </a:stretch>
+        </p:blipFill>
+        <p:spPr>
+          <a:xfrm>
+            <a:off x="646111" y="156154"/>
+            <a:ext cx="2640786" cy="700265"/>
+          </a:xfrm>
+          <a:prstGeom prst="rect">
+            <a:avLst/>
+          </a:prstGeom>
+          <a:effectLst>
+            <a:outerShdw dist="38100" dir="5400000" sx="1000" sy="1000" algn="t" rotWithShape="0">
+              <a:prstClr val="black">
+                <a:alpha val="0"/>
+              </a:prstClr>
+            </a:outerShdw>
+            <a:softEdge rad="0"/>
+          </a:effectLst>
+        </p:spPr>
+      </p:pic>
       <p:sp>
         <p:nvSpPr>
           <p:cNvPr id="2" name="Titre 1"/>
@@ -8992,7 +9384,12 @@
             <p:ph type="title"/>
           </p:nvPr>
         </p:nvSpPr>
-        <p:spPr/>
+        <p:spPr>
+          <a:xfrm>
+            <a:off x="646111" y="156154"/>
+            <a:ext cx="9404723" cy="1400530"/>
+          </a:xfrm>
+        </p:spPr>
         <p:txBody>
           <a:bodyPr/>
           <a:lstStyle/>
@@ -9006,6 +9403,7 @@
                     </a:srgbClr>
                   </a:outerShdw>
                 </a:effectLst>
+                <a:latin typeface="Raleway" panose="020B0503030101060003" pitchFamily="34" charset="0"/>
               </a:rPr>
               <a:t>Difficultés</a:t>
             </a:r>
@@ -9017,6 +9415,7 @@
                   </a:srgbClr>
                 </a:outerShdw>
               </a:effectLst>
+              <a:latin typeface="Raleway" panose="020B0503030101060003" pitchFamily="34" charset="0"/>
             </a:endParaRPr>
           </a:p>
         </p:txBody>
@@ -9033,16 +9432,24 @@
         </p:nvSpPr>
         <p:spPr>
           <a:xfrm>
-            <a:off x="646111" y="1086994"/>
-            <a:ext cx="8946541" cy="4195481"/>
+            <a:off x="646111" y="848096"/>
+            <a:ext cx="10544628" cy="4195481"/>
           </a:xfrm>
         </p:spPr>
         <p:txBody>
           <a:bodyPr/>
           <a:lstStyle/>
           <a:p>
-            <a:r>
-              <a:rPr lang="fr-CH" sz="2800" b="1" dirty="0" smtClean="0">
+            <a:pPr>
+              <a:buClr>
+                <a:srgbClr val="009A9C"/>
+              </a:buClr>
+              <a:buSzPct val="100000"/>
+              <a:buFont typeface="Wingdings" panose="05000000000000000000" pitchFamily="2" charset="2"/>
+              <a:buChar char="§"/>
+            </a:pPr>
+            <a:r>
+              <a:rPr lang="fr-CH" sz="3200" b="1" dirty="0" smtClean="0">
                 <a:effectLst>
                   <a:outerShdw blurRad="38100" dist="38100" dir="2700000" algn="tl">
                     <a:srgbClr val="000000">
@@ -9050,13 +9457,22 @@
                     </a:srgbClr>
                   </a:outerShdw>
                 </a:effectLst>
+                <a:latin typeface="Raleway" panose="020B0503030101060003" pitchFamily="34" charset="0"/>
               </a:rPr>
               <a:t>CSV</a:t>
             </a:r>
           </a:p>
           <a:p>
-            <a:r>
-              <a:rPr lang="fr-CH" sz="2800" b="1" dirty="0" smtClean="0">
+            <a:pPr>
+              <a:buClr>
+                <a:srgbClr val="009A9C"/>
+              </a:buClr>
+              <a:buSzPct val="100000"/>
+              <a:buFont typeface="Wingdings" panose="05000000000000000000" pitchFamily="2" charset="2"/>
+              <a:buChar char="§"/>
+            </a:pPr>
+            <a:r>
+              <a:rPr lang="fr-CH" sz="3200" b="1" dirty="0" smtClean="0">
                 <a:effectLst>
                   <a:outerShdw blurRad="38100" dist="38100" dir="2700000" algn="tl">
                     <a:srgbClr val="000000">
@@ -9064,13 +9480,22 @@
                     </a:srgbClr>
                   </a:outerShdw>
                 </a:effectLst>
+                <a:latin typeface="Raleway" panose="020B0503030101060003" pitchFamily="34" charset="0"/>
               </a:rPr>
               <a:t>Identifier nos joueurs</a:t>
             </a:r>
           </a:p>
           <a:p>
-            <a:r>
-              <a:rPr lang="fr-CH" sz="2800" b="1" dirty="0" smtClean="0">
+            <a:pPr>
+              <a:buClr>
+                <a:srgbClr val="009A9C"/>
+              </a:buClr>
+              <a:buSzPct val="100000"/>
+              <a:buFont typeface="Wingdings" panose="05000000000000000000" pitchFamily="2" charset="2"/>
+              <a:buChar char="§"/>
+            </a:pPr>
+            <a:r>
+              <a:rPr lang="fr-CH" sz="3200" b="1" dirty="0" smtClean="0">
                 <a:effectLst>
                   <a:outerShdw blurRad="38100" dist="38100" dir="2700000" algn="tl">
                     <a:srgbClr val="000000">
@@ -9078,11 +9503,67 @@
                     </a:srgbClr>
                   </a:outerShdw>
                 </a:effectLst>
+                <a:latin typeface="Raleway" panose="020B0503030101060003" pitchFamily="34" charset="0"/>
               </a:rPr>
-              <a:t>Utiliser des sessions pour revenir où l’on en était (ou presque)</a:t>
-            </a:r>
-          </a:p>
-          <a:p>
+              <a:t>Utiliser des sessions pour revenir où l’on en </a:t>
+            </a:r>
+            <a:r>
+              <a:rPr lang="fr-CH" sz="3200" b="1" dirty="0" smtClean="0">
+                <a:effectLst>
+                  <a:outerShdw blurRad="38100" dist="38100" dir="2700000" algn="tl">
+                    <a:srgbClr val="000000">
+                      <a:alpha val="43137"/>
+                    </a:srgbClr>
+                  </a:outerShdw>
+                </a:effectLst>
+                <a:latin typeface="Raleway" panose="020B0503030101060003" pitchFamily="34" charset="0"/>
+              </a:rPr>
+              <a:t>était </a:t>
+            </a:r>
+          </a:p>
+          <a:p>
+            <a:pPr marL="0" indent="0">
+              <a:buClr>
+                <a:srgbClr val="009A9C"/>
+              </a:buClr>
+              <a:buSzPct val="100000"/>
+              <a:buNone/>
+            </a:pPr>
+            <a:r>
+              <a:rPr lang="fr-CH" sz="3200" b="1" dirty="0" smtClean="0">
+                <a:effectLst>
+                  <a:outerShdw blurRad="38100" dist="38100" dir="2700000" algn="tl">
+                    <a:srgbClr val="000000">
+                      <a:alpha val="43137"/>
+                    </a:srgbClr>
+                  </a:outerShdw>
+                </a:effectLst>
+                <a:latin typeface="Raleway" panose="020B0503030101060003" pitchFamily="34" charset="0"/>
+              </a:rPr>
+              <a:t>    (</a:t>
+            </a:r>
+            <a:r>
+              <a:rPr lang="fr-CH" sz="3200" b="1" dirty="0" smtClean="0">
+                <a:effectLst>
+                  <a:outerShdw blurRad="38100" dist="38100" dir="2700000" algn="tl">
+                    <a:srgbClr val="000000">
+                      <a:alpha val="43137"/>
+                    </a:srgbClr>
+                  </a:outerShdw>
+                </a:effectLst>
+                <a:latin typeface="Raleway" panose="020B0503030101060003" pitchFamily="34" charset="0"/>
+              </a:rPr>
+              <a:t>ou presque)</a:t>
+            </a:r>
+          </a:p>
+          <a:p>
+            <a:pPr>
+              <a:buClr>
+                <a:srgbClr val="009A9C"/>
+              </a:buClr>
+              <a:buFont typeface="Wingdings" panose="05000000000000000000" pitchFamily="2" charset="2"/>
+              <a:buChar char="§"/>
+            </a:pPr>
             <a:endParaRPr lang="fr-CH" b="1" dirty="0">
               <a:effectLst>
                 <a:outerShdw blurRad="38100" dist="38100" dir="2700000" algn="tl">
@@ -9091,6 +9572,7 @@
                   </a:srgbClr>
                 </a:outerShdw>
               </a:effectLst>
+              <a:latin typeface="Raleway" panose="020B0503030101060003" pitchFamily="34" charset="0"/>
             </a:endParaRPr>
           </a:p>
         </p:txBody>
@@ -9104,11 +9586,11 @@
           <p:nvPr/>
         </p:nvPicPr>
         <p:blipFill>
-          <a:blip r:embed="rId2">
+          <a:blip r:embed="rId3">
             <a:extLst>
               <a:ext uri="{BEBA8EAE-BF5A-486C-A8C5-ECC9F3942E4B}">
                 <a14:imgProps xmlns:a14="http://schemas.microsoft.com/office/drawing/2010/main">
-                  <a14:imgLayer r:embed="rId3">
+                  <a14:imgLayer r:embed="rId4">
                     <a14:imgEffect>
                       <a14:sharpenSoften amount="100000"/>
                     </a14:imgEffect>
@@ -9129,8 +9611,8 @@
         </p:blipFill>
         <p:spPr>
           <a:xfrm>
-            <a:off x="267170" y="3250723"/>
-            <a:ext cx="5772150" cy="2590800"/>
+            <a:off x="267170" y="3563762"/>
+            <a:ext cx="6102710" cy="2739170"/>
           </a:xfrm>
           <a:prstGeom prst="roundRect">
             <a:avLst>
@@ -9173,11 +9655,11 @@
           <p:nvPr/>
         </p:nvPicPr>
         <p:blipFill>
-          <a:blip r:embed="rId4">
+          <a:blip r:embed="rId5">
             <a:extLst>
               <a:ext uri="{BEBA8EAE-BF5A-486C-A8C5-ECC9F3942E4B}">
                 <a14:imgProps xmlns:a14="http://schemas.microsoft.com/office/drawing/2010/main">
-                  <a14:imgLayer r:embed="rId5">
+                  <a14:imgLayer r:embed="rId6">
                     <a14:imgEffect>
                       <a14:sharpenSoften amount="100000"/>
                     </a14:imgEffect>
@@ -9198,8 +9680,8 @@
         </p:blipFill>
         <p:spPr>
           <a:xfrm>
-            <a:off x="7386379" y="3234247"/>
-            <a:ext cx="3762375" cy="1409700"/>
+            <a:off x="7386379" y="3547285"/>
+            <a:ext cx="4443156" cy="1664777"/>
           </a:xfrm>
           <a:prstGeom prst="roundRect">
             <a:avLst>
@@ -9241,15 +9723,18 @@
         </p:nvSpPr>
         <p:spPr>
           <a:xfrm>
-            <a:off x="5915752" y="3217771"/>
-            <a:ext cx="2906971" cy="897924"/>
+            <a:off x="6039319" y="3547285"/>
+            <a:ext cx="3351816" cy="897924"/>
           </a:xfrm>
           <a:prstGeom prst="rightArrow">
             <a:avLst/>
           </a:prstGeom>
+          <a:solidFill>
+            <a:srgbClr val="009A9C"/>
+          </a:solidFill>
           <a:ln>
             <a:solidFill>
-              <a:schemeClr val="tx1"/>
+              <a:schemeClr val="bg1"/>
             </a:solidFill>
           </a:ln>
         </p:spPr>
@@ -9278,6 +9763,30 @@
           </a:p>
         </p:txBody>
       </p:sp>
+      <p:pic>
+        <p:nvPicPr>
+          <p:cNvPr id="8" name="Image 7"/>
+          <p:cNvPicPr>
+            <a:picLocks noChangeAspect="1"/>
+          </p:cNvPicPr>
+          <p:nvPr/>
+        </p:nvPicPr>
+        <p:blipFill>
+          <a:blip r:embed="rId7"/>
+          <a:stretch>
+            <a:fillRect/>
+          </a:stretch>
+        </p:blipFill>
+        <p:spPr>
+          <a:xfrm>
+            <a:off x="11044719" y="0"/>
+            <a:ext cx="1162519" cy="1249709"/>
+          </a:xfrm>
+          <a:prstGeom prst="rect">
+            <a:avLst/>
+          </a:prstGeom>
+        </p:spPr>
+      </p:pic>
       <p:sp>
         <p:nvSpPr>
           <p:cNvPr id="7" name="Espace réservé du numéro de diapositive 6"/>
@@ -9288,13 +9797,18 @@
             <p:ph type="sldNum" sz="quarter" idx="12"/>
           </p:nvPr>
         </p:nvSpPr>
-        <p:spPr/>
+        <p:spPr>
+          <a:xfrm>
+            <a:off x="11044719" y="0"/>
+            <a:ext cx="1162519" cy="1249709"/>
+          </a:xfrm>
+        </p:spPr>
         <p:txBody>
           <a:bodyPr/>
           <a:lstStyle/>
           <a:p>
             <a:r>
-              <a:rPr lang="en-US" sz="1900" dirty="0" smtClean="0">
+              <a:rPr lang="en-US" sz="3000" b="1" dirty="0" smtClean="0">
                 <a:effectLst>
                   <a:outerShdw blurRad="38100" dist="38100" dir="2700000" algn="tl">
                     <a:srgbClr val="000000">
@@ -9302,10 +9816,11 @@
                     </a:srgbClr>
                   </a:outerShdw>
                 </a:effectLst>
+                <a:latin typeface="Raleway" panose="020B0503030101060003" pitchFamily="34" charset="0"/>
               </a:rPr>
               <a:t>75%</a:t>
             </a:r>
-            <a:endParaRPr lang="en-US" sz="1900" dirty="0">
+            <a:endParaRPr lang="en-US" sz="3000" b="1" dirty="0">
               <a:effectLst>
                 <a:outerShdw blurRad="38100" dist="38100" dir="2700000" algn="tl">
                   <a:srgbClr val="000000">
@@ -9313,6 +9828,7 @@
                   </a:srgbClr>
                 </a:outerShdw>
               </a:effectLst>
+              <a:latin typeface="Raleway" panose="020B0503030101060003" pitchFamily="34" charset="0"/>
             </a:endParaRPr>
           </a:p>
         </p:txBody>
@@ -9625,7 +10141,7 @@
 </file>
 
 <file path=ppt/slides/slide7.xml><?xml version="1.0" encoding="utf-8"?>
-<p:sld xmlns:a="http://schemas.openxmlformats.org/drawingml/2006/main" xmlns:r="http://schemas.openxmlformats.org/officeDocument/2006/relationships" xmlns:p="http://schemas.openxmlformats.org/presentationml/2006/main">
+<p:sld xmlns:a="http://schemas.openxmlformats.org/drawingml/2006/main" xmlns:r="http://schemas.openxmlformats.org/officeDocument/2006/relationships" xmlns:p="http://schemas.openxmlformats.org/presentationml/2006/main" showMasterSp="0">
   <p:cSld>
     <p:spTree>
       <p:nvGrpSpPr>
@@ -9641,6 +10157,38 @@
           <a:chExt cx="0" cy="0"/>
         </a:xfrm>
       </p:grpSpPr>
+      <p:pic>
+        <p:nvPicPr>
+          <p:cNvPr id="8" name="Image 7"/>
+          <p:cNvPicPr>
+            <a:picLocks noChangeAspect="1"/>
+          </p:cNvPicPr>
+          <p:nvPr/>
+        </p:nvPicPr>
+        <p:blipFill>
+          <a:blip r:embed="rId2"/>
+          <a:stretch>
+            <a:fillRect/>
+          </a:stretch>
+        </p:blipFill>
+        <p:spPr>
+          <a:xfrm>
+            <a:off x="646111" y="452718"/>
+            <a:ext cx="3406905" cy="700265"/>
+          </a:xfrm>
+          <a:prstGeom prst="rect">
+            <a:avLst/>
+          </a:prstGeom>
+          <a:effectLst>
+            <a:outerShdw dist="38100" sx="1000" sy="1000" algn="t" rotWithShape="0">
+              <a:prstClr val="black">
+                <a:alpha val="0"/>
+              </a:prstClr>
+            </a:outerShdw>
+            <a:softEdge rad="0"/>
+          </a:effectLst>
+        </p:spPr>
+      </p:pic>
       <p:sp>
         <p:nvSpPr>
           <p:cNvPr id="2" name="Titre 1"/>
@@ -9665,6 +10213,7 @@
                     </a:srgbClr>
                   </a:outerShdw>
                 </a:effectLst>
+                <a:latin typeface="Raleway" panose="020B0503030101060003" pitchFamily="34" charset="0"/>
               </a:rPr>
               <a:t>Résultat final</a:t>
             </a:r>
@@ -9676,6 +10225,7 @@
                   </a:srgbClr>
                 </a:outerShdw>
               </a:effectLst>
+              <a:latin typeface="Raleway" panose="020B0503030101060003" pitchFamily="34" charset="0"/>
             </a:endParaRPr>
           </a:p>
         </p:txBody>
@@ -9692,8 +10242,8 @@
         </p:nvSpPr>
         <p:spPr>
           <a:xfrm>
-            <a:off x="646111" y="1152984"/>
-            <a:ext cx="10544628" cy="1748624"/>
+            <a:off x="646111" y="1152983"/>
+            <a:ext cx="10544628" cy="4868875"/>
           </a:xfrm>
         </p:spPr>
         <p:txBody>
@@ -9706,7 +10256,7 @@
               <a:buNone/>
             </a:pPr>
             <a:r>
-              <a:rPr lang="fr-CH" sz="2800" b="1" dirty="0" smtClean="0">
+              <a:rPr lang="fr-CH" sz="3200" b="1" dirty="0" smtClean="0">
                 <a:effectLst>
                   <a:outerShdw blurRad="38100" dist="38100" dir="2700000" algn="tl">
                     <a:srgbClr val="000000">
@@ -9714,6 +10264,7 @@
                     </a:srgbClr>
                   </a:outerShdw>
                 </a:effectLst>
+                <a:latin typeface="Raleway" panose="020B0503030101060003" pitchFamily="34" charset="0"/>
               </a:rPr>
               <a:t>Un site pour réviser ses tables de multiplications qui est fonctionnel et disponible en ligne</a:t>
             </a:r>
@@ -9722,7 +10273,7 @@
             <a:pPr marL="0" indent="0">
               <a:buNone/>
             </a:pPr>
-            <a:endParaRPr lang="fr-CH" sz="2800" b="1" dirty="0" smtClean="0">
+            <a:endParaRPr lang="fr-CH" sz="3200" b="1" dirty="0" smtClean="0">
               <a:effectLst>
                 <a:outerShdw blurRad="38100" dist="38100" dir="2700000" algn="tl">
                   <a:srgbClr val="000000">
@@ -9730,13 +10281,14 @@
                   </a:srgbClr>
                 </a:outerShdw>
               </a:effectLst>
+              <a:latin typeface="Raleway" panose="020B0503030101060003" pitchFamily="34" charset="0"/>
             </a:endParaRPr>
           </a:p>
           <a:p>
             <a:pPr marL="0" indent="0">
               <a:buNone/>
             </a:pPr>
-            <a:endParaRPr lang="fr-CH" sz="2800" b="1" dirty="0">
+            <a:endParaRPr lang="fr-CH" sz="3200" b="1" dirty="0">
               <a:effectLst>
                 <a:outerShdw blurRad="38100" dist="38100" dir="2700000" algn="tl">
                   <a:srgbClr val="000000">
@@ -9744,13 +10296,14 @@
                   </a:srgbClr>
                 </a:outerShdw>
               </a:effectLst>
+              <a:latin typeface="Raleway" panose="020B0503030101060003" pitchFamily="34" charset="0"/>
             </a:endParaRPr>
           </a:p>
           <a:p>
             <a:pPr marL="0" indent="0">
               <a:buNone/>
             </a:pPr>
-            <a:endParaRPr lang="fr-CH" sz="2800" b="1" dirty="0" smtClean="0">
+            <a:endParaRPr lang="fr-CH" sz="3200" b="1" dirty="0" smtClean="0">
               <a:effectLst>
                 <a:outerShdw blurRad="38100" dist="38100" dir="2700000" algn="tl">
                   <a:srgbClr val="000000">
@@ -9758,13 +10311,14 @@
                   </a:srgbClr>
                 </a:outerShdw>
               </a:effectLst>
+              <a:latin typeface="Raleway" panose="020B0503030101060003" pitchFamily="34" charset="0"/>
             </a:endParaRPr>
           </a:p>
           <a:p>
             <a:pPr marL="0" indent="0">
               <a:buNone/>
             </a:pPr>
-            <a:endParaRPr lang="fr-CH" sz="2800" b="1" dirty="0">
+            <a:endParaRPr lang="fr-CH" sz="3200" b="1" dirty="0">
               <a:effectLst>
                 <a:outerShdw blurRad="38100" dist="38100" dir="2700000" algn="tl">
                   <a:srgbClr val="000000">
@@ -9772,13 +10326,14 @@
                   </a:srgbClr>
                 </a:outerShdw>
               </a:effectLst>
+              <a:latin typeface="Raleway" panose="020B0503030101060003" pitchFamily="34" charset="0"/>
             </a:endParaRPr>
           </a:p>
           <a:p>
             <a:pPr marL="0" indent="0">
               <a:buNone/>
             </a:pPr>
-            <a:endParaRPr lang="fr-CH" sz="2800" b="1" dirty="0" smtClean="0">
+            <a:endParaRPr lang="fr-CH" sz="3200" b="1" dirty="0" smtClean="0">
               <a:effectLst>
                 <a:outerShdw blurRad="38100" dist="38100" dir="2700000" algn="tl">
                   <a:srgbClr val="000000">
@@ -9786,13 +10341,14 @@
                   </a:srgbClr>
                 </a:outerShdw>
               </a:effectLst>
+              <a:latin typeface="Raleway" panose="020B0503030101060003" pitchFamily="34" charset="0"/>
             </a:endParaRPr>
           </a:p>
           <a:p>
             <a:pPr marL="0" indent="0">
               <a:buNone/>
             </a:pPr>
-            <a:endParaRPr lang="fr-CH" sz="2800" b="1" dirty="0" smtClean="0">
+            <a:endParaRPr lang="fr-CH" sz="3200" b="1" dirty="0" smtClean="0">
               <a:effectLst>
                 <a:outerShdw blurRad="38100" dist="38100" dir="2700000" algn="tl">
                   <a:srgbClr val="000000">
@@ -9800,6 +10356,7 @@
                   </a:srgbClr>
                 </a:outerShdw>
               </a:effectLst>
+              <a:latin typeface="Raleway" panose="020B0503030101060003" pitchFamily="34" charset="0"/>
             </a:endParaRPr>
           </a:p>
           <a:p>
@@ -9807,7 +10364,7 @@
               <a:buNone/>
             </a:pPr>
             <a:r>
-              <a:rPr lang="fr-CH" sz="2800" b="1" dirty="0" smtClean="0">
+              <a:rPr lang="fr-CH" sz="3200" b="1" dirty="0" smtClean="0">
                 <a:effectLst>
                   <a:outerShdw blurRad="38100" dist="38100" dir="2700000" algn="tl">
                     <a:srgbClr val="000000">
@@ -9815,10 +10372,37 @@
                     </a:srgbClr>
                   </a:outerShdw>
                 </a:effectLst>
+                <a:latin typeface="Raleway" panose="020B0503030101060003" pitchFamily="34" charset="0"/>
               </a:rPr>
-              <a:t>Avec un léger bug dans le CSV... Parlons-en!</a:t>
-            </a:r>
-            <a:endParaRPr lang="fr-CH" sz="2800" b="1" dirty="0">
+              <a:t>Avec un léger bug </a:t>
+            </a:r>
+            <a:r>
+              <a:rPr lang="fr-CH" sz="3200" b="1" dirty="0" smtClean="0">
+                <a:effectLst>
+                  <a:outerShdw blurRad="38100" dist="38100" dir="2700000" algn="tl">
+                    <a:srgbClr val="000000">
+                      <a:alpha val="43137"/>
+                    </a:srgbClr>
+                  </a:outerShdw>
+                </a:effectLst>
+                <a:latin typeface="Raleway" panose="020B0503030101060003" pitchFamily="34" charset="0"/>
+              </a:rPr>
+              <a:t>au niveau du </a:t>
+            </a:r>
+            <a:r>
+              <a:rPr lang="fr-CH" sz="3200" b="1" dirty="0" smtClean="0">
+                <a:effectLst>
+                  <a:outerShdw blurRad="38100" dist="38100" dir="2700000" algn="tl">
+                    <a:srgbClr val="000000">
+                      <a:alpha val="43137"/>
+                    </a:srgbClr>
+                  </a:outerShdw>
+                </a:effectLst>
+                <a:latin typeface="Raleway" panose="020B0503030101060003" pitchFamily="34" charset="0"/>
+              </a:rPr>
+              <a:t>CSV... Parlons-en!</a:t>
+            </a:r>
+            <a:endParaRPr lang="fr-CH" sz="3200" b="1" dirty="0">
               <a:effectLst>
                 <a:outerShdw blurRad="38100" dist="38100" dir="2700000" algn="tl">
                   <a:srgbClr val="000000">
@@ -9826,6 +10410,7 @@
                   </a:srgbClr>
                 </a:outerShdw>
               </a:effectLst>
+              <a:latin typeface="Raleway" panose="020B0503030101060003" pitchFamily="34" charset="0"/>
             </a:endParaRPr>
           </a:p>
         </p:txBody>
@@ -9839,11 +10424,11 @@
           <p:nvPr/>
         </p:nvPicPr>
         <p:blipFill>
-          <a:blip r:embed="rId2">
+          <a:blip r:embed="rId3">
             <a:extLst>
               <a:ext uri="{BEBA8EAE-BF5A-486C-A8C5-ECC9F3942E4B}">
                 <a14:imgProps xmlns:a14="http://schemas.microsoft.com/office/drawing/2010/main">
-                  <a14:imgLayer r:embed="rId3">
+                  <a14:imgLayer r:embed="rId4">
                     <a14:imgEffect>
                       <a14:sharpenSoften amount="100000"/>
                     </a14:imgEffect>
@@ -9864,8 +10449,8 @@
         </p:blipFill>
         <p:spPr>
           <a:xfrm>
-            <a:off x="2966829" y="2399098"/>
-            <a:ext cx="5903192" cy="2732056"/>
+            <a:off x="2446564" y="2413691"/>
+            <a:ext cx="6969285" cy="3225455"/>
           </a:xfrm>
           <a:prstGeom prst="roundRect">
             <a:avLst>
@@ -9899,6 +10484,30 @@
           </a:sp3d>
         </p:spPr>
       </p:pic>
+      <p:pic>
+        <p:nvPicPr>
+          <p:cNvPr id="7" name="Image 6"/>
+          <p:cNvPicPr>
+            <a:picLocks noChangeAspect="1"/>
+          </p:cNvPicPr>
+          <p:nvPr/>
+        </p:nvPicPr>
+        <p:blipFill>
+          <a:blip r:embed="rId5"/>
+          <a:stretch>
+            <a:fillRect/>
+          </a:stretch>
+        </p:blipFill>
+        <p:spPr>
+          <a:xfrm>
+            <a:off x="11044719" y="0"/>
+            <a:ext cx="1162519" cy="1249709"/>
+          </a:xfrm>
+          <a:prstGeom prst="rect">
+            <a:avLst/>
+          </a:prstGeom>
+        </p:spPr>
+      </p:pic>
       <p:sp>
         <p:nvSpPr>
           <p:cNvPr id="6" name="Espace réservé du numéro de diapositive 5"/>
@@ -9909,13 +10518,18 @@
             <p:ph type="sldNum" sz="quarter" idx="12"/>
           </p:nvPr>
         </p:nvSpPr>
-        <p:spPr/>
+        <p:spPr>
+          <a:xfrm>
+            <a:off x="11044719" y="0"/>
+            <a:ext cx="1139905" cy="1249709"/>
+          </a:xfrm>
+        </p:spPr>
         <p:txBody>
           <a:bodyPr/>
           <a:lstStyle/>
           <a:p>
             <a:r>
-              <a:rPr lang="en-US" sz="1900" dirty="0" smtClean="0">
+              <a:rPr lang="en-US" sz="2900" b="1" dirty="0" smtClean="0">
                 <a:effectLst>
                   <a:outerShdw blurRad="38100" dist="38100" dir="2700000" algn="tl">
                     <a:srgbClr val="000000">
@@ -9923,11 +10537,12 @@
                     </a:srgbClr>
                   </a:outerShdw>
                 </a:effectLst>
+                <a:latin typeface="Raleway" panose="020B0503030101060003" pitchFamily="34" charset="0"/>
               </a:rPr>
               <a:t>8</a:t>
             </a:r>
             <a:fld id="{D57F1E4F-1CFF-5643-939E-02111984F565}" type="slidenum">
-              <a:rPr lang="en-US" sz="1900" smtClean="0">
+              <a:rPr lang="en-US" sz="2900" b="1" smtClean="0">
                 <a:effectLst>
                   <a:outerShdw blurRad="38100" dist="38100" dir="2700000" algn="tl">
                     <a:srgbClr val="000000">
@@ -9935,11 +10550,12 @@
                     </a:srgbClr>
                   </a:outerShdw>
                 </a:effectLst>
+                <a:latin typeface="Raleway" panose="020B0503030101060003" pitchFamily="34" charset="0"/>
               </a:rPr>
               <a:t>7</a:t>
             </a:fld>
             <a:r>
-              <a:rPr lang="en-US" sz="1900" dirty="0" smtClean="0">
+              <a:rPr lang="en-US" sz="2900" b="1" dirty="0" smtClean="0">
                 <a:effectLst>
                   <a:outerShdw blurRad="38100" dist="38100" dir="2700000" algn="tl">
                     <a:srgbClr val="000000">
@@ -9947,10 +10563,11 @@
                     </a:srgbClr>
                   </a:outerShdw>
                 </a:effectLst>
+                <a:latin typeface="Raleway" panose="020B0503030101060003" pitchFamily="34" charset="0"/>
               </a:rPr>
               <a:t>.5%</a:t>
             </a:r>
-            <a:endParaRPr lang="en-US" sz="1900" dirty="0">
+            <a:endParaRPr lang="en-US" sz="2900" b="1" dirty="0">
               <a:effectLst>
                 <a:outerShdw blurRad="38100" dist="38100" dir="2700000" algn="tl">
                   <a:srgbClr val="000000">
@@ -9958,6 +10575,7 @@
                   </a:srgbClr>
                 </a:outerShdw>
               </a:effectLst>
+              <a:latin typeface="Raleway" panose="020B0503030101060003" pitchFamily="34" charset="0"/>
             </a:endParaRPr>
           </a:p>
         </p:txBody>
@@ -10120,7 +10738,7 @@
 </file>
 
 <file path=ppt/slides/slide8.xml><?xml version="1.0" encoding="utf-8"?>
-<p:sld xmlns:a="http://schemas.openxmlformats.org/drawingml/2006/main" xmlns:r="http://schemas.openxmlformats.org/officeDocument/2006/relationships" xmlns:p="http://schemas.openxmlformats.org/presentationml/2006/main">
+<p:sld xmlns:a="http://schemas.openxmlformats.org/drawingml/2006/main" xmlns:r="http://schemas.openxmlformats.org/officeDocument/2006/relationships" xmlns:p="http://schemas.openxmlformats.org/presentationml/2006/main" showMasterSp="0">
   <p:cSld>
     <p:spTree>
       <p:nvGrpSpPr>
@@ -10136,6 +10754,38 @@
           <a:chExt cx="0" cy="0"/>
         </a:xfrm>
       </p:grpSpPr>
+      <p:pic>
+        <p:nvPicPr>
+          <p:cNvPr id="7" name="Image 6"/>
+          <p:cNvPicPr>
+            <a:picLocks noChangeAspect="1"/>
+          </p:cNvPicPr>
+          <p:nvPr/>
+        </p:nvPicPr>
+        <p:blipFill>
+          <a:blip r:embed="rId2"/>
+          <a:stretch>
+            <a:fillRect/>
+          </a:stretch>
+        </p:blipFill>
+        <p:spPr>
+          <a:xfrm>
+            <a:off x="656525" y="452718"/>
+            <a:ext cx="2902221" cy="796991"/>
+          </a:xfrm>
+          <a:prstGeom prst="rect">
+            <a:avLst/>
+          </a:prstGeom>
+          <a:effectLst>
+            <a:outerShdw dist="38100" dir="5400000" sx="1000" sy="1000" algn="t" rotWithShape="0">
+              <a:prstClr val="black">
+                <a:alpha val="0"/>
+              </a:prstClr>
+            </a:outerShdw>
+            <a:softEdge rad="0"/>
+          </a:effectLst>
+        </p:spPr>
+      </p:pic>
       <p:sp>
         <p:nvSpPr>
           <p:cNvPr id="2" name="Titre 1"/>
@@ -10165,6 +10815,7 @@
                     </a:srgbClr>
                   </a:outerShdw>
                 </a:effectLst>
+                <a:latin typeface="Raleway" panose="020B0503030101060003" pitchFamily="34" charset="0"/>
               </a:rPr>
               <a:t>Questions?</a:t>
             </a:r>
@@ -10176,6 +10827,7 @@
                   </a:srgbClr>
                 </a:outerShdw>
               </a:effectLst>
+              <a:latin typeface="Raleway" panose="020B0503030101060003" pitchFamily="34" charset="0"/>
             </a:endParaRPr>
           </a:p>
         </p:txBody>
@@ -10189,11 +10841,11 @@
           <p:nvPr/>
         </p:nvPicPr>
         <p:blipFill rotWithShape="1">
-          <a:blip r:embed="rId2">
+          <a:blip r:embed="rId3">
             <a:extLst>
               <a:ext uri="{BEBA8EAE-BF5A-486C-A8C5-ECC9F3942E4B}">
                 <a14:imgProps xmlns:a14="http://schemas.microsoft.com/office/drawing/2010/main">
-                  <a14:imgLayer r:embed="rId3">
+                  <a14:imgLayer r:embed="rId4">
                     <a14:imgEffect>
                       <a14:sharpenSoften amount="100000"/>
                     </a14:imgEffect>
@@ -10213,8 +10865,8 @@
         </p:blipFill>
         <p:spPr>
           <a:xfrm>
-            <a:off x="2426700" y="1853248"/>
-            <a:ext cx="7162143" cy="4120978"/>
+            <a:off x="1657786" y="1480372"/>
+            <a:ext cx="8521277" cy="4903001"/>
           </a:xfrm>
           <a:prstGeom prst="roundRect">
             <a:avLst>
@@ -10248,6 +10900,30 @@
           </a:sp3d>
         </p:spPr>
       </p:pic>
+      <p:pic>
+        <p:nvPicPr>
+          <p:cNvPr id="6" name="Image 5"/>
+          <p:cNvPicPr>
+            <a:picLocks noChangeAspect="1"/>
+          </p:cNvPicPr>
+          <p:nvPr/>
+        </p:nvPicPr>
+        <p:blipFill>
+          <a:blip r:embed="rId5"/>
+          <a:stretch>
+            <a:fillRect/>
+          </a:stretch>
+        </p:blipFill>
+        <p:spPr>
+          <a:xfrm>
+            <a:off x="11044719" y="0"/>
+            <a:ext cx="1162519" cy="1249709"/>
+          </a:xfrm>
+          <a:prstGeom prst="rect">
+            <a:avLst/>
+          </a:prstGeom>
+        </p:spPr>
+      </p:pic>
       <p:sp>
         <p:nvSpPr>
           <p:cNvPr id="5" name="Espace réservé du numéro de diapositive 4"/>
@@ -10258,13 +10934,18 @@
             <p:ph type="sldNum" sz="quarter" idx="12"/>
           </p:nvPr>
         </p:nvSpPr>
-        <p:spPr/>
+        <p:spPr>
+          <a:xfrm>
+            <a:off x="11044719" y="0"/>
+            <a:ext cx="1147281" cy="1249709"/>
+          </a:xfrm>
+        </p:spPr>
         <p:txBody>
           <a:bodyPr/>
           <a:lstStyle/>
           <a:p>
             <a:r>
-              <a:rPr lang="en-US" sz="1900" dirty="0" smtClean="0">
+              <a:rPr lang="en-US" sz="3000" b="1" dirty="0" smtClean="0">
                 <a:effectLst>
                   <a:outerShdw blurRad="38100" dist="38100" dir="2700000" algn="tl">
                     <a:srgbClr val="000000">
@@ -10272,10 +10953,11 @@
                     </a:srgbClr>
                   </a:outerShdw>
                 </a:effectLst>
+                <a:latin typeface="Raleway" panose="020B0503030101060003" pitchFamily="34" charset="0"/>
               </a:rPr>
               <a:t>100%</a:t>
             </a:r>
-            <a:endParaRPr lang="en-US" sz="1900" dirty="0">
+            <a:endParaRPr lang="en-US" sz="3000" b="1" dirty="0">
               <a:effectLst>
                 <a:outerShdw blurRad="38100" dist="38100" dir="2700000" algn="tl">
                   <a:srgbClr val="000000">
@@ -10283,6 +10965,7 @@
                   </a:srgbClr>
                 </a:outerShdw>
               </a:effectLst>
+              <a:latin typeface="Raleway" panose="020B0503030101060003" pitchFamily="34" charset="0"/>
             </a:endParaRPr>
           </a:p>
         </p:txBody>

--- a/TPI_Multiplix_presentation.pptx
+++ b/TPI_Multiplix_presentation.pptx
@@ -6321,7 +6321,7 @@
         </p:blipFill>
         <p:spPr>
           <a:xfrm>
-            <a:off x="1154955" y="451946"/>
+            <a:off x="1154955" y="493042"/>
             <a:ext cx="5352937" cy="1260955"/>
           </a:xfrm>
           <a:prstGeom prst="rect">
@@ -6452,7 +6452,7 @@
           <a:p>
             <a:pPr algn="r"/>
             <a:r>
-              <a:rPr lang="fr-CH" sz="2800" b="1" dirty="0" smtClean="0">
+              <a:rPr lang="fr-CH" sz="3200" b="1" dirty="0" smtClean="0">
                 <a:solidFill>
                   <a:schemeClr val="tx1"/>
                 </a:solidFill>
@@ -6471,7 +6471,7 @@
           <a:p>
             <a:pPr algn="r"/>
             <a:r>
-              <a:rPr lang="fr-CH" sz="2800" b="1" dirty="0" smtClean="0">
+              <a:rPr lang="fr-CH" sz="3200" b="1" dirty="0" smtClean="0">
                 <a:solidFill>
                   <a:schemeClr val="tx1"/>
                 </a:solidFill>
@@ -6490,7 +6490,7 @@
           <a:p>
             <a:pPr algn="r"/>
             <a:r>
-              <a:rPr lang="fr-CH" sz="2800" b="1" dirty="0" smtClean="0">
+              <a:rPr lang="fr-CH" sz="3200" b="1" dirty="0" smtClean="0">
                 <a:solidFill>
                   <a:schemeClr val="tx1"/>
                 </a:solidFill>
@@ -6505,7 +6505,7 @@
               </a:rPr>
               <a:t>Si-C4a</a:t>
             </a:r>
-            <a:endParaRPr lang="fr-CH" sz="2800" b="1" dirty="0">
+            <a:endParaRPr lang="fr-CH" sz="3200" b="1" dirty="0">
               <a:solidFill>
                 <a:schemeClr val="tx1"/>
               </a:solidFill>
@@ -7361,6 +7361,146 @@
                                   </p:childTnLst>
                                 </p:cTn>
                               </p:par>
+                              <p:par>
+                                <p:cTn id="8" presetID="10" presetClass="entr" presetSubtype="0" fill="hold" nodeType="withEffect">
+                                  <p:stCondLst>
+                                    <p:cond delay="0"/>
+                                  </p:stCondLst>
+                                  <p:childTnLst>
+                                    <p:set>
+                                      <p:cBhvr>
+                                        <p:cTn id="9" dur="1" fill="hold">
+                                          <p:stCondLst>
+                                            <p:cond delay="0"/>
+                                          </p:stCondLst>
+                                        </p:cTn>
+                                        <p:tgtEl>
+                                          <p:spTgt spid="9"/>
+                                        </p:tgtEl>
+                                        <p:attrNameLst>
+                                          <p:attrName>style.visibility</p:attrName>
+                                        </p:attrNameLst>
+                                      </p:cBhvr>
+                                      <p:to>
+                                        <p:strVal val="visible"/>
+                                      </p:to>
+                                    </p:set>
+                                    <p:animEffect transition="in" filter="fade">
+                                      <p:cBhvr>
+                                        <p:cTn id="10" dur="500"/>
+                                        <p:tgtEl>
+                                          <p:spTgt spid="9"/>
+                                        </p:tgtEl>
+                                      </p:cBhvr>
+                                    </p:animEffect>
+                                  </p:childTnLst>
+                                </p:cTn>
+                              </p:par>
+                              <p:par>
+                                <p:cTn id="11" presetID="10" presetClass="entr" presetSubtype="0" fill="hold" nodeType="withEffect">
+                                  <p:stCondLst>
+                                    <p:cond delay="0"/>
+                                  </p:stCondLst>
+                                  <p:childTnLst>
+                                    <p:set>
+                                      <p:cBhvr>
+                                        <p:cTn id="12" dur="1" fill="hold">
+                                          <p:stCondLst>
+                                            <p:cond delay="0"/>
+                                          </p:stCondLst>
+                                        </p:cTn>
+                                        <p:tgtEl>
+                                          <p:spTgt spid="12"/>
+                                        </p:tgtEl>
+                                        <p:attrNameLst>
+                                          <p:attrName>style.visibility</p:attrName>
+                                        </p:attrNameLst>
+                                      </p:cBhvr>
+                                      <p:to>
+                                        <p:strVal val="visible"/>
+                                      </p:to>
+                                    </p:set>
+                                    <p:animEffect transition="in" filter="fade">
+                                      <p:cBhvr>
+                                        <p:cTn id="13" dur="500"/>
+                                        <p:tgtEl>
+                                          <p:spTgt spid="12"/>
+                                        </p:tgtEl>
+                                      </p:cBhvr>
+                                    </p:animEffect>
+                                  </p:childTnLst>
+                                </p:cTn>
+                              </p:par>
+                              <p:par>
+                                <p:cTn id="14" presetID="10" presetClass="entr" presetSubtype="0" fill="hold" nodeType="withEffect">
+                                  <p:stCondLst>
+                                    <p:cond delay="0"/>
+                                  </p:stCondLst>
+                                  <p:childTnLst>
+                                    <p:set>
+                                      <p:cBhvr>
+                                        <p:cTn id="15" dur="1" fill="hold">
+                                          <p:stCondLst>
+                                            <p:cond delay="0"/>
+                                          </p:stCondLst>
+                                        </p:cTn>
+                                        <p:tgtEl>
+                                          <p:spTgt spid="13"/>
+                                        </p:tgtEl>
+                                        <p:attrNameLst>
+                                          <p:attrName>style.visibility</p:attrName>
+                                        </p:attrNameLst>
+                                      </p:cBhvr>
+                                      <p:to>
+                                        <p:strVal val="visible"/>
+                                      </p:to>
+                                    </p:set>
+                                    <p:animEffect transition="in" filter="fade">
+                                      <p:cBhvr>
+                                        <p:cTn id="16" dur="500"/>
+                                        <p:tgtEl>
+                                          <p:spTgt spid="13"/>
+                                        </p:tgtEl>
+                                      </p:cBhvr>
+                                    </p:animEffect>
+                                  </p:childTnLst>
+                                </p:cTn>
+                              </p:par>
+                              <p:par>
+                                <p:cTn id="17" presetID="10" presetClass="entr" presetSubtype="0" fill="hold" nodeType="withEffect">
+                                  <p:stCondLst>
+                                    <p:cond delay="0"/>
+                                  </p:stCondLst>
+                                  <p:childTnLst>
+                                    <p:set>
+                                      <p:cBhvr>
+                                        <p:cTn id="18" dur="1" fill="hold">
+                                          <p:stCondLst>
+                                            <p:cond delay="0"/>
+                                          </p:stCondLst>
+                                        </p:cTn>
+                                        <p:tgtEl>
+                                          <p:spTgt spid="10"/>
+                                        </p:tgtEl>
+                                        <p:attrNameLst>
+                                          <p:attrName>style.visibility</p:attrName>
+                                        </p:attrNameLst>
+                                      </p:cBhvr>
+                                      <p:to>
+                                        <p:strVal val="visible"/>
+                                      </p:to>
+                                    </p:set>
+                                    <p:animEffect transition="in" filter="fade">
+                                      <p:cBhvr>
+                                        <p:cTn id="19" dur="500"/>
+                                        <p:tgtEl>
+                                          <p:spTgt spid="10"/>
+                                        </p:tgtEl>
+                                      </p:cBhvr>
+                                    </p:animEffect>
+                                  </p:childTnLst>
+                                </p:cTn>
+                              </p:par>
                             </p:childTnLst>
                           </p:cTn>
                         </p:par>
@@ -7894,7 +8034,7 @@
         </p:nvGrpSpPr>
         <p:grpSpPr>
           <a:xfrm>
-            <a:off x="3847463" y="2949590"/>
+            <a:off x="3847073" y="2949590"/>
             <a:ext cx="4434778" cy="2079169"/>
             <a:chOff x="3847463" y="2842496"/>
             <a:chExt cx="4434778" cy="2079169"/>
@@ -8272,7 +8412,7 @@
                       <a14:sharpenSoften amount="30000"/>
                     </a14:imgEffect>
                     <a14:imgEffect>
-                      <a14:brightnessContrast bright="-5000"/>
+                      <a14:brightnessContrast bright="-15000"/>
                     </a14:imgEffect>
                   </a14:imgLayer>
                 </a14:imgProps>
@@ -8316,7 +8456,7 @@
                       <a14:sharpenSoften amount="30000"/>
                     </a14:imgEffect>
                     <a14:imgEffect>
-                      <a14:brightnessContrast bright="-10000"/>
+                      <a14:brightnessContrast bright="-15000"/>
                     </a14:imgEffect>
                   </a14:imgLayer>
                 </a14:imgProps>
@@ -9505,8 +9645,17 @@
                 </a:effectLst>
                 <a:latin typeface="Raleway" panose="020B0503030101060003" pitchFamily="34" charset="0"/>
               </a:rPr>
-              <a:t>Utiliser des sessions pour revenir où l’on en </a:t>
-            </a:r>
+              <a:t>Utiliser des sessions pour revenir où l’on en était </a:t>
+            </a:r>
+          </a:p>
+          <a:p>
+            <a:pPr marL="0" indent="0">
+              <a:buClr>
+                <a:srgbClr val="009A9C"/>
+              </a:buClr>
+              <a:buSzPct val="100000"/>
+              <a:buNone/>
+            </a:pPr>
             <a:r>
               <a:rPr lang="fr-CH" sz="3200" b="1" dirty="0" smtClean="0">
                 <a:effectLst>
@@ -9518,42 +9667,7 @@
                 </a:effectLst>
                 <a:latin typeface="Raleway" panose="020B0503030101060003" pitchFamily="34" charset="0"/>
               </a:rPr>
-              <a:t>était </a:t>
-            </a:r>
-          </a:p>
-          <a:p>
-            <a:pPr marL="0" indent="0">
-              <a:buClr>
-                <a:srgbClr val="009A9C"/>
-              </a:buClr>
-              <a:buSzPct val="100000"/>
-              <a:buNone/>
-            </a:pPr>
-            <a:r>
-              <a:rPr lang="fr-CH" sz="3200" b="1" dirty="0" smtClean="0">
-                <a:effectLst>
-                  <a:outerShdw blurRad="38100" dist="38100" dir="2700000" algn="tl">
-                    <a:srgbClr val="000000">
-                      <a:alpha val="43137"/>
-                    </a:srgbClr>
-                  </a:outerShdw>
-                </a:effectLst>
-                <a:latin typeface="Raleway" panose="020B0503030101060003" pitchFamily="34" charset="0"/>
-              </a:rPr>
-              <a:t>    (</a:t>
-            </a:r>
-            <a:r>
-              <a:rPr lang="fr-CH" sz="3200" b="1" dirty="0" smtClean="0">
-                <a:effectLst>
-                  <a:outerShdw blurRad="38100" dist="38100" dir="2700000" algn="tl">
-                    <a:srgbClr val="000000">
-                      <a:alpha val="43137"/>
-                    </a:srgbClr>
-                  </a:outerShdw>
-                </a:effectLst>
-                <a:latin typeface="Raleway" panose="020B0503030101060003" pitchFamily="34" charset="0"/>
-              </a:rPr>
-              <a:t>ou presque)</a:t>
+              <a:t>    (ou presque)</a:t>
             </a:r>
           </a:p>
           <a:p>
@@ -10374,33 +10488,7 @@
                 </a:effectLst>
                 <a:latin typeface="Raleway" panose="020B0503030101060003" pitchFamily="34" charset="0"/>
               </a:rPr>
-              <a:t>Avec un léger bug </a:t>
-            </a:r>
-            <a:r>
-              <a:rPr lang="fr-CH" sz="3200" b="1" dirty="0" smtClean="0">
-                <a:effectLst>
-                  <a:outerShdw blurRad="38100" dist="38100" dir="2700000" algn="tl">
-                    <a:srgbClr val="000000">
-                      <a:alpha val="43137"/>
-                    </a:srgbClr>
-                  </a:outerShdw>
-                </a:effectLst>
-                <a:latin typeface="Raleway" panose="020B0503030101060003" pitchFamily="34" charset="0"/>
-              </a:rPr>
-              <a:t>au niveau du </a:t>
-            </a:r>
-            <a:r>
-              <a:rPr lang="fr-CH" sz="3200" b="1" dirty="0" smtClean="0">
-                <a:effectLst>
-                  <a:outerShdw blurRad="38100" dist="38100" dir="2700000" algn="tl">
-                    <a:srgbClr val="000000">
-                      <a:alpha val="43137"/>
-                    </a:srgbClr>
-                  </a:outerShdw>
-                </a:effectLst>
-                <a:latin typeface="Raleway" panose="020B0503030101060003" pitchFamily="34" charset="0"/>
-              </a:rPr>
-              <a:t>CSV... Parlons-en!</a:t>
+              <a:t>Avec un léger bug au niveau du CSV... Parlons-en!</a:t>
             </a:r>
             <a:endParaRPr lang="fr-CH" sz="3200" b="1" dirty="0">
               <a:effectLst>

--- a/TPI_Multiplix_presentation.pptx
+++ b/TPI_Multiplix_presentation.pptx
@@ -204,7 +204,7 @@
           <a:p>
             <a:fld id="{7FC9F656-4C67-4261-B370-ABFB3D17CADF}" type="datetimeFigureOut">
               <a:rPr lang="fr-CH" smtClean="0"/>
-              <a:t>14.06.2018</a:t>
+              <a:t>15.06.2018</a:t>
             </a:fld>
             <a:endParaRPr lang="fr-CH"/>
           </a:p>
@@ -655,7 +655,7 @@
           <a:p>
             <a:fld id="{FFF0991E-5E8F-43C1-8D1C-A04ED8953258}" type="datetime1">
               <a:rPr lang="en-US" smtClean="0"/>
-              <a:t>6/14/2018</a:t>
+              <a:t>6/15/2018</a:t>
             </a:fld>
             <a:endParaRPr lang="en-US" dirty="0"/>
           </a:p>
@@ -925,7 +925,7 @@
           <a:p>
             <a:fld id="{325C51C2-FF63-4C32-81C9-33709F656F5E}" type="datetime1">
               <a:rPr lang="en-US" smtClean="0"/>
-              <a:t>6/14/2018</a:t>
+              <a:t>6/15/2018</a:t>
             </a:fld>
             <a:endParaRPr lang="en-US" dirty="0"/>
           </a:p>
@@ -1114,7 +1114,7 @@
           <a:p>
             <a:fld id="{7BDFCF69-58ED-4A23-8590-FC3609A014EE}" type="datetime1">
               <a:rPr lang="en-US" smtClean="0"/>
-              <a:t>6/14/2018</a:t>
+              <a:t>6/15/2018</a:t>
             </a:fld>
             <a:endParaRPr lang="en-US" dirty="0"/>
           </a:p>
@@ -1377,7 +1377,7 @@
           <a:p>
             <a:fld id="{F55E1292-D83F-432A-A561-58EE3313D34B}" type="datetime1">
               <a:rPr lang="en-US" smtClean="0"/>
-              <a:t>6/14/2018</a:t>
+              <a:t>6/15/2018</a:t>
             </a:fld>
             <a:endParaRPr lang="en-US" dirty="0"/>
           </a:p>
@@ -1704,7 +1704,7 @@
           <a:p>
             <a:fld id="{EF4EE311-FCA4-4D61-9C7F-ABE9539F2810}" type="datetime1">
               <a:rPr lang="en-US" smtClean="0"/>
-              <a:t>6/14/2018</a:t>
+              <a:t>6/15/2018</a:t>
             </a:fld>
             <a:endParaRPr lang="en-US" dirty="0"/>
           </a:p>
@@ -2309,7 +2309,7 @@
           <a:p>
             <a:fld id="{CFAF7955-B6AA-41E5-A4F0-CFFF6C7B14A4}" type="datetime1">
               <a:rPr lang="en-US" smtClean="0"/>
-              <a:t>6/14/2018</a:t>
+              <a:t>6/15/2018</a:t>
             </a:fld>
             <a:endParaRPr lang="en-US" dirty="0"/>
           </a:p>
@@ -3151,7 +3151,7 @@
           <a:p>
             <a:fld id="{B20DB41A-1379-4832-8957-D3978FB3DA1E}" type="datetime1">
               <a:rPr lang="en-US" smtClean="0"/>
-              <a:t>6/14/2018</a:t>
+              <a:t>6/15/2018</a:t>
             </a:fld>
             <a:endParaRPr lang="en-US" dirty="0"/>
           </a:p>
@@ -3316,7 +3316,7 @@
           <a:p>
             <a:fld id="{63DE1AD8-860D-4793-B6C2-D61055E49CCC}" type="datetime1">
               <a:rPr lang="en-US" smtClean="0"/>
-              <a:t>6/14/2018</a:t>
+              <a:t>6/15/2018</a:t>
             </a:fld>
             <a:endParaRPr lang="en-US" dirty="0"/>
           </a:p>
@@ -3491,7 +3491,7 @@
           <a:p>
             <a:fld id="{2907CFD0-5F18-4F41-A38D-971BA21B2BB9}" type="datetime1">
               <a:rPr lang="en-US" smtClean="0"/>
-              <a:t>6/14/2018</a:t>
+              <a:t>6/15/2018</a:t>
             </a:fld>
             <a:endParaRPr lang="en-US" dirty="0"/>
           </a:p>
@@ -3656,7 +3656,7 @@
           <a:p>
             <a:fld id="{B9B54062-8C55-4633-8FD9-80306C493CED}" type="datetime1">
               <a:rPr lang="en-US" smtClean="0"/>
-              <a:t>6/14/2018</a:t>
+              <a:t>6/15/2018</a:t>
             </a:fld>
             <a:endParaRPr lang="en-US" dirty="0"/>
           </a:p>
@@ -3895,7 +3895,7 @@
           <a:p>
             <a:fld id="{23DD96B0-7C9F-4C4A-84A6-4E557E85ABF2}" type="datetime1">
               <a:rPr lang="en-US" smtClean="0"/>
-              <a:t>6/14/2018</a:t>
+              <a:t>6/15/2018</a:t>
             </a:fld>
             <a:endParaRPr lang="en-US" dirty="0"/>
           </a:p>
@@ -4182,7 +4182,7 @@
           <a:p>
             <a:fld id="{C7F70A21-362C-4CAA-8B67-E996FC463D1E}" type="datetime1">
               <a:rPr lang="en-US" smtClean="0"/>
-              <a:t>6/14/2018</a:t>
+              <a:t>6/15/2018</a:t>
             </a:fld>
             <a:endParaRPr lang="en-US" dirty="0"/>
           </a:p>
@@ -4615,7 +4615,7 @@
           <a:p>
             <a:fld id="{EC1CB69A-A7BE-4ECC-88C3-18AEDAFB3DE2}" type="datetime1">
               <a:rPr lang="en-US" smtClean="0"/>
-              <a:t>6/14/2018</a:t>
+              <a:t>6/15/2018</a:t>
             </a:fld>
             <a:endParaRPr lang="en-US" dirty="0"/>
           </a:p>
@@ -4728,7 +4728,7 @@
           <a:p>
             <a:fld id="{93BAAE6F-FAF9-4CFE-836E-2F24EBA3EE38}" type="datetime1">
               <a:rPr lang="en-US" smtClean="0"/>
-              <a:t>6/14/2018</a:t>
+              <a:t>6/15/2018</a:t>
             </a:fld>
             <a:endParaRPr lang="en-US" dirty="0"/>
           </a:p>
@@ -4818,7 +4818,7 @@
           <a:p>
             <a:fld id="{7204742A-3B12-4658-BC9E-5CD9F2F701F2}" type="datetime1">
               <a:rPr lang="en-US" smtClean="0"/>
-              <a:t>6/14/2018</a:t>
+              <a:t>6/15/2018</a:t>
             </a:fld>
             <a:endParaRPr lang="en-US" dirty="0"/>
           </a:p>
@@ -5092,7 +5092,7 @@
           <a:p>
             <a:fld id="{5A7A27F9-DEDB-496E-9804-5489745303D1}" type="datetime1">
               <a:rPr lang="en-US" smtClean="0"/>
-              <a:t>6/14/2018</a:t>
+              <a:t>6/15/2018</a:t>
             </a:fld>
             <a:endParaRPr lang="en-US" dirty="0"/>
           </a:p>
@@ -5362,7 +5362,7 @@
           <a:p>
             <a:fld id="{1C20149E-75DB-4F1B-B435-795B47EF37D9}" type="datetime1">
               <a:rPr lang="en-US" smtClean="0"/>
-              <a:t>6/14/2018</a:t>
+              <a:t>6/15/2018</a:t>
             </a:fld>
             <a:endParaRPr lang="en-US" dirty="0"/>
           </a:p>
@@ -5433,7 +5433,7 @@
                       <a14:sharpenSoften amount="-100000"/>
                     </a14:imgEffect>
                     <a14:imgEffect>
-                      <a14:brightnessContrast bright="-35000"/>
+                      <a14:brightnessContrast bright="-50000" contrast="-25000"/>
                     </a14:imgEffect>
                   </a14:imgLayer>
                 </a14:imgProps>
@@ -5442,7 +5442,7 @@
           </a:blip>
           <a:srcRect/>
           <a:stretch>
-            <a:fillRect t="-6000" b="-6000"/>
+            <a:fillRect t="-21000" b="-21000"/>
           </a:stretch>
         </a:blipFill>
         <a:effectLst/>
@@ -5808,7 +5808,7 @@
           <a:p>
             <a:fld id="{07AB69C2-87B5-4F58-A057-C3828DDD4531}" type="datetime1">
               <a:rPr lang="en-US" smtClean="0"/>
-              <a:t>6/14/2018</a:t>
+              <a:t>6/15/2018</a:t>
             </a:fld>
             <a:endParaRPr lang="en-US" dirty="0"/>
           </a:p>
@@ -6321,7 +6321,7 @@
         </p:blipFill>
         <p:spPr>
           <a:xfrm>
-            <a:off x="1154955" y="493042"/>
+            <a:off x="723438" y="493042"/>
             <a:ext cx="5352937" cy="1260955"/>
           </a:xfrm>
           <a:prstGeom prst="rect">
@@ -6381,7 +6381,7 @@
         </p:nvSpPr>
         <p:spPr>
           <a:xfrm>
-            <a:off x="1154955" y="451946"/>
+            <a:off x="723438" y="451946"/>
             <a:ext cx="8825658" cy="1260955"/>
           </a:xfrm>
         </p:spPr>
@@ -7565,7 +7565,7 @@
         </p:blipFill>
         <p:spPr>
           <a:xfrm>
-            <a:off x="646111" y="452718"/>
+            <a:off x="646111" y="236964"/>
             <a:ext cx="5128613" cy="796991"/>
           </a:xfrm>
           <a:prstGeom prst="rect">
@@ -7591,7 +7591,12 @@
             <p:ph type="title"/>
           </p:nvPr>
         </p:nvSpPr>
-        <p:spPr/>
+        <p:spPr>
+          <a:xfrm>
+            <a:off x="646111" y="267786"/>
+            <a:ext cx="9404723" cy="1400530"/>
+          </a:xfrm>
+        </p:spPr>
         <p:txBody>
           <a:bodyPr/>
           <a:lstStyle/>
@@ -7634,8 +7639,8 @@
         </p:nvSpPr>
         <p:spPr>
           <a:xfrm>
-            <a:off x="1103312" y="1278558"/>
-            <a:ext cx="10087427" cy="1736487"/>
+            <a:off x="1103312" y="990886"/>
+            <a:ext cx="10087427" cy="2430413"/>
           </a:xfrm>
         </p:spPr>
         <p:txBody>
@@ -7663,7 +7668,43 @@
                 </a:effectLst>
                 <a:latin typeface="Raleway" panose="020B0503030101060003" pitchFamily="34" charset="0"/>
               </a:rPr>
-              <a:t>Gestion du stress?</a:t>
+              <a:t>Le projet en lui-même</a:t>
+            </a:r>
+          </a:p>
+          <a:p>
+            <a:pPr>
+              <a:buClr>
+                <a:srgbClr val="009A9C"/>
+              </a:buClr>
+              <a:buSzPct val="100000"/>
+              <a:buFont typeface="Wingdings" panose="05000000000000000000" pitchFamily="2" charset="2"/>
+              <a:buChar char="§"/>
+            </a:pPr>
+            <a:r>
+              <a:rPr lang="fr-CH" sz="3200" b="1" dirty="0" smtClean="0">
+                <a:effectLst>
+                  <a:outerShdw blurRad="38100" dist="38100" dir="2700000" algn="tl">
+                    <a:srgbClr val="000000">
+                      <a:alpha val="43137"/>
+                    </a:srgbClr>
+                  </a:outerShdw>
+                </a:effectLst>
+                <a:latin typeface="Raleway" panose="020B0503030101060003" pitchFamily="34" charset="0"/>
+              </a:rPr>
+              <a:t>Gestion </a:t>
+            </a:r>
+            <a:r>
+              <a:rPr lang="fr-CH" sz="3200" b="1" dirty="0" smtClean="0">
+                <a:effectLst>
+                  <a:outerShdw blurRad="38100" dist="38100" dir="2700000" algn="tl">
+                    <a:srgbClr val="000000">
+                      <a:alpha val="43137"/>
+                    </a:srgbClr>
+                  </a:outerShdw>
+                </a:effectLst>
+                <a:latin typeface="Raleway" panose="020B0503030101060003" pitchFamily="34" charset="0"/>
+              </a:rPr>
+              <a:t>du stress?</a:t>
             </a:r>
           </a:p>
           <a:p>
@@ -7736,8 +7777,8 @@
         </p:blipFill>
         <p:spPr>
           <a:xfrm>
-            <a:off x="2914131" y="3047997"/>
-            <a:ext cx="6465787" cy="3637005"/>
+            <a:off x="3256234" y="3421299"/>
+            <a:ext cx="5783874" cy="3253429"/>
           </a:xfrm>
           <a:prstGeom prst="rect">
             <a:avLst/>
